--- a/Analyzing Telecom Churn Data for Business Insights and.pptx
+++ b/Analyzing Telecom Churn Data for Business Insights and.pptx
@@ -15,20 +15,19 @@
     <p:sldId id="269" r:id="rId9"/>
     <p:sldId id="270" r:id="rId10"/>
     <p:sldId id="261" r:id="rId11"/>
-    <p:sldId id="271" r:id="rId12"/>
-    <p:sldId id="272" r:id="rId13"/>
-    <p:sldId id="262" r:id="rId14"/>
-    <p:sldId id="273" r:id="rId15"/>
-    <p:sldId id="266" r:id="rId16"/>
-    <p:sldId id="277" r:id="rId17"/>
-    <p:sldId id="276" r:id="rId18"/>
-    <p:sldId id="278" r:id="rId19"/>
-    <p:sldId id="263" r:id="rId20"/>
-    <p:sldId id="264" r:id="rId21"/>
-    <p:sldId id="265" r:id="rId22"/>
-    <p:sldId id="274" r:id="rId23"/>
-    <p:sldId id="275" r:id="rId24"/>
-    <p:sldId id="279" r:id="rId25"/>
+    <p:sldId id="272" r:id="rId12"/>
+    <p:sldId id="262" r:id="rId13"/>
+    <p:sldId id="273" r:id="rId14"/>
+    <p:sldId id="266" r:id="rId15"/>
+    <p:sldId id="277" r:id="rId16"/>
+    <p:sldId id="276" r:id="rId17"/>
+    <p:sldId id="278" r:id="rId18"/>
+    <p:sldId id="263" r:id="rId19"/>
+    <p:sldId id="264" r:id="rId20"/>
+    <p:sldId id="265" r:id="rId21"/>
+    <p:sldId id="274" r:id="rId22"/>
+    <p:sldId id="275" r:id="rId23"/>
+    <p:sldId id="279" r:id="rId24"/>
   </p:sldIdLst>
   <p:sldSz cx="12192000" cy="6858000"/>
   <p:notesSz cx="6858000" cy="9144000"/>
@@ -139,8 +138,8 @@
 <pc:chgInfo xmlns:a="http://schemas.openxmlformats.org/drawingml/2006/main" xmlns:r="http://schemas.openxmlformats.org/officeDocument/2006/relationships" xmlns:ac="http://schemas.microsoft.com/office/drawing/2013/main/command" xmlns:pc="http://schemas.microsoft.com/office/powerpoint/2013/main/command">
   <pc:docChgLst>
     <pc:chgData name="Maria Salma Burke" userId="60859f239cd54826" providerId="LiveId" clId="{2A3F4263-BD70-44E5-9F12-F5D710AEDF8C}"/>
-    <pc:docChg chg="modSld">
-      <pc:chgData name="Maria Salma Burke" userId="60859f239cd54826" providerId="LiveId" clId="{2A3F4263-BD70-44E5-9F12-F5D710AEDF8C}" dt="2025-05-17T13:21:24.343" v="8" actId="20577"/>
+    <pc:docChg chg="undo custSel delSld modSld">
+      <pc:chgData name="Maria Salma Burke" userId="60859f239cd54826" providerId="LiveId" clId="{2A3F4263-BD70-44E5-9F12-F5D710AEDF8C}" dt="2025-05-19T11:45:19.431" v="373" actId="20577"/>
       <pc:docMkLst>
         <pc:docMk/>
       </pc:docMkLst>
@@ -156,6 +155,340 @@
             <pc:docMk/>
             <pc:sldMk cId="1117337361" sldId="256"/>
             <ac:spMk id="7" creationId="{71A2B9D1-F040-6F74-9531-9FA6F20FFE07}"/>
+          </ac:spMkLst>
+        </pc:spChg>
+      </pc:sldChg>
+      <pc:sldChg chg="addSp delSp modSp mod modClrScheme chgLayout">
+        <pc:chgData name="Maria Salma Burke" userId="60859f239cd54826" providerId="LiveId" clId="{2A3F4263-BD70-44E5-9F12-F5D710AEDF8C}" dt="2025-05-19T11:17:40.046" v="75" actId="255"/>
+        <pc:sldMkLst>
+          <pc:docMk/>
+          <pc:sldMk cId="3759927080" sldId="258"/>
+        </pc:sldMkLst>
+        <pc:spChg chg="add del mod ord">
+          <ac:chgData name="Maria Salma Burke" userId="60859f239cd54826" providerId="LiveId" clId="{2A3F4263-BD70-44E5-9F12-F5D710AEDF8C}" dt="2025-05-19T11:00:29.481" v="24" actId="700"/>
+          <ac:spMkLst>
+            <pc:docMk/>
+            <pc:sldMk cId="3759927080" sldId="258"/>
+            <ac:spMk id="5" creationId="{0DD87D41-AEA2-9DE4-2AF2-6516DB8DC392}"/>
+          </ac:spMkLst>
+        </pc:spChg>
+        <pc:spChg chg="add del mod ord">
+          <ac:chgData name="Maria Salma Burke" userId="60859f239cd54826" providerId="LiveId" clId="{2A3F4263-BD70-44E5-9F12-F5D710AEDF8C}" dt="2025-05-19T11:00:29.481" v="24" actId="700"/>
+          <ac:spMkLst>
+            <pc:docMk/>
+            <pc:sldMk cId="3759927080" sldId="258"/>
+            <ac:spMk id="6" creationId="{EE21A000-7E1C-7B2F-6C11-F00A5A35F3FB}"/>
+          </ac:spMkLst>
+        </pc:spChg>
+        <pc:spChg chg="add del mod ord">
+          <ac:chgData name="Maria Salma Burke" userId="60859f239cd54826" providerId="LiveId" clId="{2A3F4263-BD70-44E5-9F12-F5D710AEDF8C}" dt="2025-05-19T11:00:29.481" v="24" actId="700"/>
+          <ac:spMkLst>
+            <pc:docMk/>
+            <pc:sldMk cId="3759927080" sldId="258"/>
+            <ac:spMk id="7" creationId="{E178AA0E-B1DC-6CF6-E58B-BF71BDE5A279}"/>
+          </ac:spMkLst>
+        </pc:spChg>
+        <pc:spChg chg="mod">
+          <ac:chgData name="Maria Salma Burke" userId="60859f239cd54826" providerId="LiveId" clId="{2A3F4263-BD70-44E5-9F12-F5D710AEDF8C}" dt="2025-05-19T11:17:40.046" v="75" actId="255"/>
+          <ac:spMkLst>
+            <pc:docMk/>
+            <pc:sldMk cId="3759927080" sldId="258"/>
+            <ac:spMk id="11" creationId="{ECBEE363-E01A-B1B7-41D0-3906C190562C}"/>
+          </ac:spMkLst>
+        </pc:spChg>
+        <pc:picChg chg="del">
+          <ac:chgData name="Maria Salma Burke" userId="60859f239cd54826" providerId="LiveId" clId="{2A3F4263-BD70-44E5-9F12-F5D710AEDF8C}" dt="2025-05-19T10:59:49.063" v="16" actId="478"/>
+          <ac:picMkLst>
+            <pc:docMk/>
+            <pc:sldMk cId="3759927080" sldId="258"/>
+            <ac:picMk id="3" creationId="{662C41E9-EDC9-3676-06C0-2B08B88DA091}"/>
+          </ac:picMkLst>
+        </pc:picChg>
+        <pc:picChg chg="add mod">
+          <ac:chgData name="Maria Salma Burke" userId="60859f239cd54826" providerId="LiveId" clId="{2A3F4263-BD70-44E5-9F12-F5D710AEDF8C}" dt="2025-05-19T11:00:36.602" v="26" actId="1076"/>
+          <ac:picMkLst>
+            <pc:docMk/>
+            <pc:sldMk cId="3759927080" sldId="258"/>
+            <ac:picMk id="4" creationId="{9D984532-4EFE-0E94-67BF-497F00A406F2}"/>
+          </ac:picMkLst>
+        </pc:picChg>
+      </pc:sldChg>
+      <pc:sldChg chg="addSp delSp modSp mod modClrScheme chgLayout">
+        <pc:chgData name="Maria Salma Burke" userId="60859f239cd54826" providerId="LiveId" clId="{2A3F4263-BD70-44E5-9F12-F5D710AEDF8C}" dt="2025-05-19T11:30:04.718" v="257"/>
+        <pc:sldMkLst>
+          <pc:docMk/>
+          <pc:sldMk cId="1635779654" sldId="259"/>
+        </pc:sldMkLst>
+        <pc:spChg chg="add del mod">
+          <ac:chgData name="Maria Salma Burke" userId="60859f239cd54826" providerId="LiveId" clId="{2A3F4263-BD70-44E5-9F12-F5D710AEDF8C}" dt="2025-05-19T11:30:04.718" v="257"/>
+          <ac:spMkLst>
+            <pc:docMk/>
+            <pc:sldMk cId="1635779654" sldId="259"/>
+            <ac:spMk id="3" creationId="{75455BFF-15DB-D7FE-A9AA-431525244AD7}"/>
+          </ac:spMkLst>
+        </pc:spChg>
+        <pc:spChg chg="del mod">
+          <ac:chgData name="Maria Salma Burke" userId="60859f239cd54826" providerId="LiveId" clId="{2A3F4263-BD70-44E5-9F12-F5D710AEDF8C}" dt="2025-05-19T11:27:16.364" v="221" actId="21"/>
+          <ac:spMkLst>
+            <pc:docMk/>
+            <pc:sldMk cId="1635779654" sldId="259"/>
+            <ac:spMk id="4" creationId="{2B9A81C6-3266-0092-91D6-A0FACA9512FF}"/>
+          </ac:spMkLst>
+        </pc:spChg>
+        <pc:spChg chg="mod">
+          <ac:chgData name="Maria Salma Burke" userId="60859f239cd54826" providerId="LiveId" clId="{2A3F4263-BD70-44E5-9F12-F5D710AEDF8C}" dt="2025-05-19T11:27:27.972" v="225" actId="14100"/>
+          <ac:spMkLst>
+            <pc:docMk/>
+            <pc:sldMk cId="1635779654" sldId="259"/>
+            <ac:spMk id="6" creationId="{61819033-8E26-EDC3-1B56-00631897F41F}"/>
+          </ac:spMkLst>
+        </pc:spChg>
+        <pc:spChg chg="add del">
+          <ac:chgData name="Maria Salma Burke" userId="60859f239cd54826" providerId="LiveId" clId="{2A3F4263-BD70-44E5-9F12-F5D710AEDF8C}" dt="2025-05-19T11:28:09.236" v="231" actId="22"/>
+          <ac:spMkLst>
+            <pc:docMk/>
+            <pc:sldMk cId="1635779654" sldId="259"/>
+            <ac:spMk id="7" creationId="{99A71C74-2B53-45C1-3F95-55084E70984B}"/>
+          </ac:spMkLst>
+        </pc:spChg>
+        <pc:spChg chg="add del mod ord">
+          <ac:chgData name="Maria Salma Burke" userId="60859f239cd54826" providerId="LiveId" clId="{2A3F4263-BD70-44E5-9F12-F5D710AEDF8C}" dt="2025-05-19T11:28:46.119" v="236" actId="700"/>
+          <ac:spMkLst>
+            <pc:docMk/>
+            <pc:sldMk cId="1635779654" sldId="259"/>
+            <ac:spMk id="8" creationId="{C30A696A-4A88-4590-D5E5-D6EA834F9483}"/>
+          </ac:spMkLst>
+        </pc:spChg>
+        <pc:spChg chg="add del mod ord">
+          <ac:chgData name="Maria Salma Burke" userId="60859f239cd54826" providerId="LiveId" clId="{2A3F4263-BD70-44E5-9F12-F5D710AEDF8C}" dt="2025-05-19T11:28:46.119" v="236" actId="700"/>
+          <ac:spMkLst>
+            <pc:docMk/>
+            <pc:sldMk cId="1635779654" sldId="259"/>
+            <ac:spMk id="9" creationId="{DF4211B1-97DD-239C-C649-6F2366798B09}"/>
+          </ac:spMkLst>
+        </pc:spChg>
+        <pc:spChg chg="add del mod ord">
+          <ac:chgData name="Maria Salma Burke" userId="60859f239cd54826" providerId="LiveId" clId="{2A3F4263-BD70-44E5-9F12-F5D710AEDF8C}" dt="2025-05-19T11:28:46.119" v="236" actId="700"/>
+          <ac:spMkLst>
+            <pc:docMk/>
+            <pc:sldMk cId="1635779654" sldId="259"/>
+            <ac:spMk id="10" creationId="{BAA48F3E-387C-9B81-8158-3BB8EAA9C494}"/>
+          </ac:spMkLst>
+        </pc:spChg>
+        <pc:spChg chg="add del mod ord">
+          <ac:chgData name="Maria Salma Burke" userId="60859f239cd54826" providerId="LiveId" clId="{2A3F4263-BD70-44E5-9F12-F5D710AEDF8C}" dt="2025-05-19T11:28:56.010" v="240" actId="700"/>
+          <ac:spMkLst>
+            <pc:docMk/>
+            <pc:sldMk cId="1635779654" sldId="259"/>
+            <ac:spMk id="11" creationId="{50A413F8-6B47-1ABF-7D37-400EF24D170E}"/>
+          </ac:spMkLst>
+        </pc:spChg>
+        <pc:spChg chg="add del mod ord">
+          <ac:chgData name="Maria Salma Burke" userId="60859f239cd54826" providerId="LiveId" clId="{2A3F4263-BD70-44E5-9F12-F5D710AEDF8C}" dt="2025-05-19T11:28:56.010" v="240" actId="700"/>
+          <ac:spMkLst>
+            <pc:docMk/>
+            <pc:sldMk cId="1635779654" sldId="259"/>
+            <ac:spMk id="12" creationId="{75BF6360-C947-530B-A12E-392DD5B48D54}"/>
+          </ac:spMkLst>
+        </pc:spChg>
+        <pc:spChg chg="add del mod ord">
+          <ac:chgData name="Maria Salma Burke" userId="60859f239cd54826" providerId="LiveId" clId="{2A3F4263-BD70-44E5-9F12-F5D710AEDF8C}" dt="2025-05-19T11:28:56.010" v="240" actId="700"/>
+          <ac:spMkLst>
+            <pc:docMk/>
+            <pc:sldMk cId="1635779654" sldId="259"/>
+            <ac:spMk id="13" creationId="{6A505540-E0F3-6E17-16E2-9F8803CBF675}"/>
+          </ac:spMkLst>
+        </pc:spChg>
+        <pc:picChg chg="mod">
+          <ac:chgData name="Maria Salma Burke" userId="60859f239cd54826" providerId="LiveId" clId="{2A3F4263-BD70-44E5-9F12-F5D710AEDF8C}" dt="2025-05-19T11:28:34.151" v="234" actId="1076"/>
+          <ac:picMkLst>
+            <pc:docMk/>
+            <pc:sldMk cId="1635779654" sldId="259"/>
+            <ac:picMk id="5" creationId="{7147BDEC-C38A-114E-56B2-B9B1ABF55829}"/>
+          </ac:picMkLst>
+        </pc:picChg>
+      </pc:sldChg>
+      <pc:sldChg chg="addSp delSp modSp mod">
+        <pc:chgData name="Maria Salma Burke" userId="60859f239cd54826" providerId="LiveId" clId="{2A3F4263-BD70-44E5-9F12-F5D710AEDF8C}" dt="2025-05-19T11:33:21.505" v="281"/>
+        <pc:sldMkLst>
+          <pc:docMk/>
+          <pc:sldMk cId="135125404" sldId="260"/>
+        </pc:sldMkLst>
+        <pc:spChg chg="mod">
+          <ac:chgData name="Maria Salma Burke" userId="60859f239cd54826" providerId="LiveId" clId="{2A3F4263-BD70-44E5-9F12-F5D710AEDF8C}" dt="2025-05-19T11:33:21.505" v="281"/>
+          <ac:spMkLst>
+            <pc:docMk/>
+            <pc:sldMk cId="135125404" sldId="260"/>
+            <ac:spMk id="7" creationId="{04858BCE-9987-48C6-B342-8A3E73E44CB6}"/>
+          </ac:spMkLst>
+        </pc:spChg>
+        <pc:picChg chg="del">
+          <ac:chgData name="Maria Salma Burke" userId="60859f239cd54826" providerId="LiveId" clId="{2A3F4263-BD70-44E5-9F12-F5D710AEDF8C}" dt="2025-05-19T11:32:34.341" v="258" actId="478"/>
+          <ac:picMkLst>
+            <pc:docMk/>
+            <pc:sldMk cId="135125404" sldId="260"/>
+            <ac:picMk id="4" creationId="{BFEEA67A-8456-D7E2-8192-21B145766F10}"/>
+          </ac:picMkLst>
+        </pc:picChg>
+        <pc:picChg chg="add mod">
+          <ac:chgData name="Maria Salma Burke" userId="60859f239cd54826" providerId="LiveId" clId="{2A3F4263-BD70-44E5-9F12-F5D710AEDF8C}" dt="2025-05-19T11:32:41.899" v="261" actId="1076"/>
+          <ac:picMkLst>
+            <pc:docMk/>
+            <pc:sldMk cId="135125404" sldId="260"/>
+            <ac:picMk id="6" creationId="{1C37E0B7-9ADD-468D-C1D4-A274B23B1A43}"/>
+          </ac:picMkLst>
+        </pc:picChg>
+      </pc:sldChg>
+      <pc:sldChg chg="modSp mod">
+        <pc:chgData name="Maria Salma Burke" userId="60859f239cd54826" providerId="LiveId" clId="{2A3F4263-BD70-44E5-9F12-F5D710AEDF8C}" dt="2025-05-19T11:41:58.422" v="367" actId="255"/>
+        <pc:sldMkLst>
+          <pc:docMk/>
+          <pc:sldMk cId="2928198209" sldId="261"/>
+        </pc:sldMkLst>
+        <pc:spChg chg="mod">
+          <ac:chgData name="Maria Salma Burke" userId="60859f239cd54826" providerId="LiveId" clId="{2A3F4263-BD70-44E5-9F12-F5D710AEDF8C}" dt="2025-05-19T11:41:58.422" v="367" actId="255"/>
+          <ac:spMkLst>
+            <pc:docMk/>
+            <pc:sldMk cId="2928198209" sldId="261"/>
+            <ac:spMk id="9" creationId="{0EAF183F-B4BF-CB6F-6868-1C034DC22483}"/>
+          </ac:spMkLst>
+        </pc:spChg>
+      </pc:sldChg>
+      <pc:sldChg chg="addSp delSp modSp mod">
+        <pc:chgData name="Maria Salma Burke" userId="60859f239cd54826" providerId="LiveId" clId="{2A3F4263-BD70-44E5-9F12-F5D710AEDF8C}" dt="2025-05-19T11:19:39.026" v="100" actId="14100"/>
+        <pc:sldMkLst>
+          <pc:docMk/>
+          <pc:sldMk cId="96618135" sldId="267"/>
+        </pc:sldMkLst>
+        <pc:spChg chg="mod">
+          <ac:chgData name="Maria Salma Burke" userId="60859f239cd54826" providerId="LiveId" clId="{2A3F4263-BD70-44E5-9F12-F5D710AEDF8C}" dt="2025-05-19T11:19:09.052" v="95" actId="255"/>
+          <ac:spMkLst>
+            <pc:docMk/>
+            <pc:sldMk cId="96618135" sldId="267"/>
+            <ac:spMk id="2" creationId="{D4C484C4-9856-28B0-DE98-B71B1B162839}"/>
+          </ac:spMkLst>
+        </pc:spChg>
+        <pc:picChg chg="add mod">
+          <ac:chgData name="Maria Salma Burke" userId="60859f239cd54826" providerId="LiveId" clId="{2A3F4263-BD70-44E5-9F12-F5D710AEDF8C}" dt="2025-05-19T11:19:39.026" v="100" actId="14100"/>
+          <ac:picMkLst>
+            <pc:docMk/>
+            <pc:sldMk cId="96618135" sldId="267"/>
+            <ac:picMk id="4" creationId="{761DF619-2DDF-A26D-E9F2-EC9D97DF407C}"/>
+          </ac:picMkLst>
+        </pc:picChg>
+        <pc:picChg chg="del">
+          <ac:chgData name="Maria Salma Burke" userId="60859f239cd54826" providerId="LiveId" clId="{2A3F4263-BD70-44E5-9F12-F5D710AEDF8C}" dt="2025-05-19T11:19:13.230" v="96" actId="478"/>
+          <ac:picMkLst>
+            <pc:docMk/>
+            <pc:sldMk cId="96618135" sldId="267"/>
+            <ac:picMk id="8" creationId="{EF7B5E6B-463C-6034-6E75-F88152516E75}"/>
+          </ac:picMkLst>
+        </pc:picChg>
+      </pc:sldChg>
+      <pc:sldChg chg="modSp mod">
+        <pc:chgData name="Maria Salma Burke" userId="60859f239cd54826" providerId="LiveId" clId="{2A3F4263-BD70-44E5-9F12-F5D710AEDF8C}" dt="2025-05-19T11:22:56.571" v="117" actId="20577"/>
+        <pc:sldMkLst>
+          <pc:docMk/>
+          <pc:sldMk cId="2345567688" sldId="268"/>
+        </pc:sldMkLst>
+        <pc:spChg chg="mod">
+          <ac:chgData name="Maria Salma Burke" userId="60859f239cd54826" providerId="LiveId" clId="{2A3F4263-BD70-44E5-9F12-F5D710AEDF8C}" dt="2025-05-19T11:22:56.571" v="117" actId="20577"/>
+          <ac:spMkLst>
+            <pc:docMk/>
+            <pc:sldMk cId="2345567688" sldId="268"/>
+            <ac:spMk id="2" creationId="{8F22EB7A-36FE-7033-0A41-7D364A37F9D5}"/>
+          </ac:spMkLst>
+        </pc:spChg>
+      </pc:sldChg>
+      <pc:sldChg chg="addSp delSp modSp mod">
+        <pc:chgData name="Maria Salma Burke" userId="60859f239cd54826" providerId="LiveId" clId="{2A3F4263-BD70-44E5-9F12-F5D710AEDF8C}" dt="2025-05-19T11:37:07.278" v="307" actId="20577"/>
+        <pc:sldMkLst>
+          <pc:docMk/>
+          <pc:sldMk cId="1963447176" sldId="269"/>
+        </pc:sldMkLst>
+        <pc:spChg chg="mod">
+          <ac:chgData name="Maria Salma Burke" userId="60859f239cd54826" providerId="LiveId" clId="{2A3F4263-BD70-44E5-9F12-F5D710AEDF8C}" dt="2025-05-19T11:37:07.278" v="307" actId="20577"/>
+          <ac:spMkLst>
+            <pc:docMk/>
+            <pc:sldMk cId="1963447176" sldId="269"/>
+            <ac:spMk id="9" creationId="{88834005-4D1C-229C-2E9D-EEF05A2B459A}"/>
+          </ac:spMkLst>
+        </pc:spChg>
+        <pc:picChg chg="del">
+          <ac:chgData name="Maria Salma Burke" userId="60859f239cd54826" providerId="LiveId" clId="{2A3F4263-BD70-44E5-9F12-F5D710AEDF8C}" dt="2025-05-19T11:35:11.592" v="282" actId="478"/>
+          <ac:picMkLst>
+            <pc:docMk/>
+            <pc:sldMk cId="1963447176" sldId="269"/>
+            <ac:picMk id="3" creationId="{C089A48E-243D-BEC6-2AAC-8569A0E21F12}"/>
+          </ac:picMkLst>
+        </pc:picChg>
+        <pc:picChg chg="add mod">
+          <ac:chgData name="Maria Salma Burke" userId="60859f239cd54826" providerId="LiveId" clId="{2A3F4263-BD70-44E5-9F12-F5D710AEDF8C}" dt="2025-05-19T11:35:24.125" v="287" actId="14100"/>
+          <ac:picMkLst>
+            <pc:docMk/>
+            <pc:sldMk cId="1963447176" sldId="269"/>
+            <ac:picMk id="4" creationId="{28DC5716-5D8E-22CE-DA3C-BC8800EC8B8E}"/>
+          </ac:picMkLst>
+        </pc:picChg>
+      </pc:sldChg>
+      <pc:sldChg chg="addSp delSp modSp mod">
+        <pc:chgData name="Maria Salma Burke" userId="60859f239cd54826" providerId="LiveId" clId="{2A3F4263-BD70-44E5-9F12-F5D710AEDF8C}" dt="2025-05-19T11:39:05.287" v="340" actId="20577"/>
+        <pc:sldMkLst>
+          <pc:docMk/>
+          <pc:sldMk cId="1566760043" sldId="270"/>
+        </pc:sldMkLst>
+        <pc:spChg chg="mod">
+          <ac:chgData name="Maria Salma Burke" userId="60859f239cd54826" providerId="LiveId" clId="{2A3F4263-BD70-44E5-9F12-F5D710AEDF8C}" dt="2025-05-19T11:39:05.287" v="340" actId="20577"/>
+          <ac:spMkLst>
+            <pc:docMk/>
+            <pc:sldMk cId="1566760043" sldId="270"/>
+            <ac:spMk id="9" creationId="{B25B9BA3-AE72-50C3-066B-C1941556FD44}"/>
+          </ac:spMkLst>
+        </pc:spChg>
+        <pc:picChg chg="add mod">
+          <ac:chgData name="Maria Salma Burke" userId="60859f239cd54826" providerId="LiveId" clId="{2A3F4263-BD70-44E5-9F12-F5D710AEDF8C}" dt="2025-05-19T11:37:58.736" v="312" actId="1076"/>
+          <ac:picMkLst>
+            <pc:docMk/>
+            <pc:sldMk cId="1566760043" sldId="270"/>
+            <ac:picMk id="5" creationId="{2844F879-C018-72D9-13AC-89AACB1FD62C}"/>
+          </ac:picMkLst>
+        </pc:picChg>
+        <pc:picChg chg="del">
+          <ac:chgData name="Maria Salma Burke" userId="60859f239cd54826" providerId="LiveId" clId="{2A3F4263-BD70-44E5-9F12-F5D710AEDF8C}" dt="2025-05-19T11:37:47.844" v="308" actId="478"/>
+          <ac:picMkLst>
+            <pc:docMk/>
+            <pc:sldMk cId="1566760043" sldId="270"/>
+            <ac:picMk id="7" creationId="{B6999D38-EDA6-5DFC-6CE1-6F4F7AA878AE}"/>
+          </ac:picMkLst>
+        </pc:picChg>
+      </pc:sldChg>
+      <pc:sldChg chg="modSp del mod">
+        <pc:chgData name="Maria Salma Burke" userId="60859f239cd54826" providerId="LiveId" clId="{2A3F4263-BD70-44E5-9F12-F5D710AEDF8C}" dt="2025-05-19T11:44:01.761" v="369" actId="2696"/>
+        <pc:sldMkLst>
+          <pc:docMk/>
+          <pc:sldMk cId="559375921" sldId="271"/>
+        </pc:sldMkLst>
+        <pc:spChg chg="mod">
+          <ac:chgData name="Maria Salma Burke" userId="60859f239cd54826" providerId="LiveId" clId="{2A3F4263-BD70-44E5-9F12-F5D710AEDF8C}" dt="2025-05-19T11:43:53.111" v="368" actId="20577"/>
+          <ac:spMkLst>
+            <pc:docMk/>
+            <pc:sldMk cId="559375921" sldId="271"/>
+            <ac:spMk id="11" creationId="{DAD8387E-D6A8-C447-562A-5D8C53D82CDA}"/>
+          </ac:spMkLst>
+        </pc:spChg>
+      </pc:sldChg>
+      <pc:sldChg chg="modSp mod">
+        <pc:chgData name="Maria Salma Burke" userId="60859f239cd54826" providerId="LiveId" clId="{2A3F4263-BD70-44E5-9F12-F5D710AEDF8C}" dt="2025-05-19T11:45:19.431" v="373" actId="20577"/>
+        <pc:sldMkLst>
+          <pc:docMk/>
+          <pc:sldMk cId="46638765" sldId="273"/>
+        </pc:sldMkLst>
+        <pc:spChg chg="mod">
+          <ac:chgData name="Maria Salma Burke" userId="60859f239cd54826" providerId="LiveId" clId="{2A3F4263-BD70-44E5-9F12-F5D710AEDF8C}" dt="2025-05-19T11:45:19.431" v="373" actId="20577"/>
+          <ac:spMkLst>
+            <pc:docMk/>
+            <pc:sldMk cId="46638765" sldId="273"/>
+            <ac:spMk id="5" creationId="{5ADCD982-8924-A950-87FC-78FACF1B26A0}"/>
           </ac:spMkLst>
         </pc:spChg>
       </pc:sldChg>
@@ -365,7 +698,7 @@
           <a:p>
             <a:fld id="{48A87A34-81AB-432B-8DAE-1953F412C126}" type="datetimeFigureOut">
               <a:rPr lang="en-US" smtClean="0"/>
-              <a:t>5/17/2025</a:t>
+              <a:t>5/19/2025</a:t>
             </a:fld>
             <a:endParaRPr lang="en-US" dirty="0"/>
           </a:p>
@@ -640,7 +973,7 @@
           <a:p>
             <a:fld id="{48A87A34-81AB-432B-8DAE-1953F412C126}" type="datetimeFigureOut">
               <a:rPr lang="en-US" smtClean="0"/>
-              <a:t>5/17/2025</a:t>
+              <a:t>5/19/2025</a:t>
             </a:fld>
             <a:endParaRPr lang="en-US" dirty="0"/>
           </a:p>
@@ -834,7 +1167,7 @@
           <a:p>
             <a:fld id="{48A87A34-81AB-432B-8DAE-1953F412C126}" type="datetimeFigureOut">
               <a:rPr lang="en-US" smtClean="0"/>
-              <a:t>5/17/2025</a:t>
+              <a:t>5/19/2025</a:t>
             </a:fld>
             <a:endParaRPr lang="en-US" dirty="0"/>
           </a:p>
@@ -1106,7 +1439,7 @@
             <a:fld id="{48A87A34-81AB-432B-8DAE-1953F412C126}" type="datetimeFigureOut">
               <a:rPr lang="en-US" smtClean="0"/>
               <a:pPr/>
-              <a:t>5/17/2025</a:t>
+              <a:t>5/19/2025</a:t>
             </a:fld>
             <a:endParaRPr lang="en-US" dirty="0"/>
           </a:p>
@@ -1435,7 +1768,7 @@
             <a:fld id="{48A87A34-81AB-432B-8DAE-1953F412C126}" type="datetimeFigureOut">
               <a:rPr lang="en-US" smtClean="0"/>
               <a:pPr/>
-              <a:t>5/17/2025</a:t>
+              <a:t>5/19/2025</a:t>
             </a:fld>
             <a:endParaRPr lang="en-US" dirty="0"/>
           </a:p>
@@ -2055,7 +2388,7 @@
           <a:p>
             <a:fld id="{48A87A34-81AB-432B-8DAE-1953F412C126}" type="datetimeFigureOut">
               <a:rPr lang="en-US" smtClean="0"/>
-              <a:t>5/17/2025</a:t>
+              <a:t>5/19/2025</a:t>
             </a:fld>
             <a:endParaRPr lang="en-US" dirty="0"/>
           </a:p>
@@ -2902,7 +3235,7 @@
           <a:p>
             <a:fld id="{48A87A34-81AB-432B-8DAE-1953F412C126}" type="datetimeFigureOut">
               <a:rPr lang="en-US" smtClean="0"/>
-              <a:t>5/17/2025</a:t>
+              <a:t>5/19/2025</a:t>
             </a:fld>
             <a:endParaRPr lang="en-US" dirty="0"/>
           </a:p>
@@ -3072,7 +3405,7 @@
           <a:p>
             <a:fld id="{48A87A34-81AB-432B-8DAE-1953F412C126}" type="datetimeFigureOut">
               <a:rPr lang="en-US" smtClean="0"/>
-              <a:t>5/17/2025</a:t>
+              <a:t>5/19/2025</a:t>
             </a:fld>
             <a:endParaRPr lang="en-US" dirty="0"/>
           </a:p>
@@ -3252,7 +3585,7 @@
           <a:p>
             <a:fld id="{48A87A34-81AB-432B-8DAE-1953F412C126}" type="datetimeFigureOut">
               <a:rPr lang="en-US" smtClean="0"/>
-              <a:t>5/17/2025</a:t>
+              <a:t>5/19/2025</a:t>
             </a:fld>
             <a:endParaRPr lang="en-US" dirty="0"/>
           </a:p>
@@ -3422,7 +3755,7 @@
           <a:p>
             <a:fld id="{48A87A34-81AB-432B-8DAE-1953F412C126}" type="datetimeFigureOut">
               <a:rPr lang="en-US" smtClean="0"/>
-              <a:t>5/17/2025</a:t>
+              <a:t>5/19/2025</a:t>
             </a:fld>
             <a:endParaRPr lang="en-US" dirty="0"/>
           </a:p>
@@ -3669,7 +4002,7 @@
           <a:p>
             <a:fld id="{48A87A34-81AB-432B-8DAE-1953F412C126}" type="datetimeFigureOut">
               <a:rPr lang="en-US" smtClean="0"/>
-              <a:t>5/17/2025</a:t>
+              <a:t>5/19/2025</a:t>
             </a:fld>
             <a:endParaRPr lang="en-US" dirty="0"/>
           </a:p>
@@ -3961,7 +4294,7 @@
           <a:p>
             <a:fld id="{48A87A34-81AB-432B-8DAE-1953F412C126}" type="datetimeFigureOut">
               <a:rPr lang="en-US" smtClean="0"/>
-              <a:t>5/17/2025</a:t>
+              <a:t>5/19/2025</a:t>
             </a:fld>
             <a:endParaRPr lang="en-US" dirty="0"/>
           </a:p>
@@ -4405,7 +4738,7 @@
           <a:p>
             <a:fld id="{48A87A34-81AB-432B-8DAE-1953F412C126}" type="datetimeFigureOut">
               <a:rPr lang="en-US" smtClean="0"/>
-              <a:t>5/17/2025</a:t>
+              <a:t>5/19/2025</a:t>
             </a:fld>
             <a:endParaRPr lang="en-US" dirty="0"/>
           </a:p>
@@ -4523,7 +4856,7 @@
           <a:p>
             <a:fld id="{48A87A34-81AB-432B-8DAE-1953F412C126}" type="datetimeFigureOut">
               <a:rPr lang="en-US" smtClean="0"/>
-              <a:t>5/17/2025</a:t>
+              <a:t>5/19/2025</a:t>
             </a:fld>
             <a:endParaRPr lang="en-US" dirty="0"/>
           </a:p>
@@ -4618,7 +4951,7 @@
           <a:p>
             <a:fld id="{48A87A34-81AB-432B-8DAE-1953F412C126}" type="datetimeFigureOut">
               <a:rPr lang="en-US" smtClean="0"/>
-              <a:t>5/17/2025</a:t>
+              <a:t>5/19/2025</a:t>
             </a:fld>
             <a:endParaRPr lang="en-US" dirty="0"/>
           </a:p>
@@ -4897,7 +5230,7 @@
           <a:p>
             <a:fld id="{48A87A34-81AB-432B-8DAE-1953F412C126}" type="datetimeFigureOut">
               <a:rPr lang="en-US" smtClean="0"/>
-              <a:t>5/17/2025</a:t>
+              <a:t>5/19/2025</a:t>
             </a:fld>
             <a:endParaRPr lang="en-US" dirty="0"/>
           </a:p>
@@ -5172,7 +5505,7 @@
           <a:p>
             <a:fld id="{48A87A34-81AB-432B-8DAE-1953F412C126}" type="datetimeFigureOut">
               <a:rPr lang="en-US" smtClean="0"/>
-              <a:t>5/17/2025</a:t>
+              <a:t>5/19/2025</a:t>
             </a:fld>
             <a:endParaRPr lang="en-US" dirty="0"/>
           </a:p>
@@ -5596,7 +5929,7 @@
             <a:fld id="{48A87A34-81AB-432B-8DAE-1953F412C126}" type="datetimeFigureOut">
               <a:rPr lang="en-US" smtClean="0"/>
               <a:pPr/>
-              <a:t>5/17/2025</a:t>
+              <a:t>5/19/2025</a:t>
             </a:fld>
             <a:endParaRPr lang="en-US" dirty="0"/>
           </a:p>
@@ -6769,7 +7102,7 @@
         <p:spPr>
           <a:xfrm>
             <a:off x="5289754" y="1467427"/>
-            <a:ext cx="6764593" cy="3416320"/>
+            <a:ext cx="6764593" cy="4549964"/>
           </a:xfrm>
           <a:prstGeom prst="rect">
             <a:avLst/>
@@ -6790,12 +7123,12 @@
           </a:lstStyle>
           <a:p>
             <a:r>
-              <a:rPr lang="en-US" dirty="0"/>
+              <a:rPr lang="en-US" sz="1400" dirty="0"/>
               <a:t>Findings:</a:t>
             </a:r>
           </a:p>
           <a:p>
-            <a:endParaRPr lang="en-US" dirty="0"/>
+            <a:endParaRPr lang="en-US" sz="1400" dirty="0"/>
           </a:p>
           <a:p>
             <a:pPr marL="342900" indent="-342900">
@@ -6803,7 +7136,7 @@
               <a:buAutoNum type="arabicPeriod"/>
             </a:pPr>
             <a:r>
-              <a:rPr lang="en-US" b="0" dirty="0"/>
+              <a:rPr lang="en-US" sz="1400" b="0" dirty="0"/>
               <a:t>A significant majority of customers (over 2,000) do not churn (False), indicating high retention.</a:t>
             </a:r>
           </a:p>
@@ -6813,21 +7146,21 @@
               <a:buAutoNum type="arabicPeriod"/>
             </a:pPr>
             <a:r>
-              <a:rPr lang="en-US" b="0" dirty="0"/>
+              <a:rPr lang="en-US" sz="1400" b="0" dirty="0"/>
               <a:t>Only a small proportion (around 500) of customers have churned (True), suggesting low customer turnover.</a:t>
             </a:r>
           </a:p>
           <a:p>
-            <a:endParaRPr lang="en-US" dirty="0"/>
-          </a:p>
-          <a:p>
-            <a:r>
-              <a:rPr lang="en-US" dirty="0"/>
+            <a:endParaRPr lang="en-US" sz="1400" dirty="0"/>
+          </a:p>
+          <a:p>
+            <a:r>
+              <a:rPr lang="en-US" sz="1400" dirty="0"/>
               <a:t>Suggestions:</a:t>
             </a:r>
           </a:p>
           <a:p>
-            <a:endParaRPr lang="en-US" dirty="0"/>
+            <a:endParaRPr lang="en-US" sz="1400" dirty="0"/>
           </a:p>
           <a:p>
             <a:pPr marL="342900" indent="-342900">
@@ -6835,9 +7168,606 @@
               <a:buAutoNum type="arabicPeriod"/>
             </a:pPr>
             <a:r>
+              <a:rPr lang="en-US" sz="1400" b="0" dirty="0"/>
+              <a:t>To further decrease churn, focus on customer engagement strategies, feedback mechanisms, and enhancing service quality to retain existing subscribers</a:t>
+            </a:r>
+            <a:r>
               <a:rPr lang="en-US" b="0" dirty="0"/>
-              <a:t>To further decrease churn, focus on customer engagement strategies, feedback mechanisms, and enhancing service quality to retain existing subscribers.</a:t>
-            </a:r>
+              <a:t>.</a:t>
+            </a:r>
+          </a:p>
+          <a:p>
+            <a:r>
+              <a:rPr lang="en-US" sz="1400" b="0" dirty="0"/>
+              <a:t>Syntax:</a:t>
+            </a:r>
+          </a:p>
+          <a:p>
+            <a:pPr>
+              <a:lnSpc>
+                <a:spcPts val="1425"/>
+              </a:lnSpc>
+              <a:buNone/>
+            </a:pPr>
+            <a:r>
+              <a:rPr lang="en-IN" sz="1400" b="0" dirty="0" err="1">
+                <a:solidFill>
+                  <a:srgbClr val="4EC9B0"/>
+                </a:solidFill>
+                <a:effectLst/>
+                <a:latin typeface="Consolas" panose="020B0609020204030204" pitchFamily="49" charset="0"/>
+              </a:rPr>
+              <a:t>plt</a:t>
+            </a:r>
+            <a:r>
+              <a:rPr lang="en-IN" sz="1400" b="0" dirty="0" err="1">
+                <a:solidFill>
+                  <a:srgbClr val="CCCCCC"/>
+                </a:solidFill>
+                <a:effectLst/>
+                <a:latin typeface="Consolas" panose="020B0609020204030204" pitchFamily="49" charset="0"/>
+              </a:rPr>
+              <a:t>.</a:t>
+            </a:r>
+            <a:r>
+              <a:rPr lang="en-IN" sz="1400" b="0" dirty="0" err="1">
+                <a:solidFill>
+                  <a:srgbClr val="DCDCAA"/>
+                </a:solidFill>
+                <a:effectLst/>
+                <a:latin typeface="Consolas" panose="020B0609020204030204" pitchFamily="49" charset="0"/>
+              </a:rPr>
+              <a:t>figure</a:t>
+            </a:r>
+            <a:r>
+              <a:rPr lang="en-IN" sz="1400" b="0" dirty="0">
+                <a:solidFill>
+                  <a:srgbClr val="CCCCCC"/>
+                </a:solidFill>
+                <a:effectLst/>
+                <a:latin typeface="Consolas" panose="020B0609020204030204" pitchFamily="49" charset="0"/>
+              </a:rPr>
+              <a:t>(</a:t>
+            </a:r>
+            <a:r>
+              <a:rPr lang="en-IN" sz="1400" b="0" dirty="0" err="1">
+                <a:solidFill>
+                  <a:srgbClr val="9CDCFE"/>
+                </a:solidFill>
+                <a:effectLst/>
+                <a:latin typeface="Consolas" panose="020B0609020204030204" pitchFamily="49" charset="0"/>
+              </a:rPr>
+              <a:t>figsize</a:t>
+            </a:r>
+            <a:r>
+              <a:rPr lang="en-IN" sz="1400" b="0" dirty="0">
+                <a:solidFill>
+                  <a:srgbClr val="D4D4D4"/>
+                </a:solidFill>
+                <a:effectLst/>
+                <a:latin typeface="Consolas" panose="020B0609020204030204" pitchFamily="49" charset="0"/>
+              </a:rPr>
+              <a:t>=</a:t>
+            </a:r>
+            <a:r>
+              <a:rPr lang="en-IN" sz="1400" b="0" dirty="0">
+                <a:solidFill>
+                  <a:srgbClr val="CCCCCC"/>
+                </a:solidFill>
+                <a:effectLst/>
+                <a:latin typeface="Consolas" panose="020B0609020204030204" pitchFamily="49" charset="0"/>
+              </a:rPr>
+              <a:t>(</a:t>
+            </a:r>
+            <a:r>
+              <a:rPr lang="en-IN" sz="1400" b="0" dirty="0">
+                <a:solidFill>
+                  <a:srgbClr val="B5CEA8"/>
+                </a:solidFill>
+                <a:effectLst/>
+                <a:latin typeface="Consolas" panose="020B0609020204030204" pitchFamily="49" charset="0"/>
+              </a:rPr>
+              <a:t>6</a:t>
+            </a:r>
+            <a:r>
+              <a:rPr lang="en-IN" sz="1400" b="0" dirty="0">
+                <a:solidFill>
+                  <a:srgbClr val="CCCCCC"/>
+                </a:solidFill>
+                <a:effectLst/>
+                <a:latin typeface="Consolas" panose="020B0609020204030204" pitchFamily="49" charset="0"/>
+              </a:rPr>
+              <a:t>, </a:t>
+            </a:r>
+            <a:r>
+              <a:rPr lang="en-IN" sz="1400" b="0" dirty="0">
+                <a:solidFill>
+                  <a:srgbClr val="B5CEA8"/>
+                </a:solidFill>
+                <a:effectLst/>
+                <a:latin typeface="Consolas" panose="020B0609020204030204" pitchFamily="49" charset="0"/>
+              </a:rPr>
+              <a:t>4</a:t>
+            </a:r>
+            <a:r>
+              <a:rPr lang="en-IN" sz="1400" b="0" dirty="0">
+                <a:solidFill>
+                  <a:srgbClr val="CCCCCC"/>
+                </a:solidFill>
+                <a:effectLst/>
+                <a:latin typeface="Consolas" panose="020B0609020204030204" pitchFamily="49" charset="0"/>
+              </a:rPr>
+              <a:t>))</a:t>
+            </a:r>
+          </a:p>
+          <a:p>
+            <a:pPr>
+              <a:lnSpc>
+                <a:spcPts val="1425"/>
+              </a:lnSpc>
+              <a:buNone/>
+            </a:pPr>
+            <a:r>
+              <a:rPr lang="en-IN" sz="1400" b="0" dirty="0" err="1">
+                <a:solidFill>
+                  <a:srgbClr val="4EC9B0"/>
+                </a:solidFill>
+                <a:effectLst/>
+                <a:latin typeface="Consolas" panose="020B0609020204030204" pitchFamily="49" charset="0"/>
+              </a:rPr>
+              <a:t>sns</a:t>
+            </a:r>
+            <a:r>
+              <a:rPr lang="en-IN" sz="1400" b="0" dirty="0" err="1">
+                <a:solidFill>
+                  <a:srgbClr val="CCCCCC"/>
+                </a:solidFill>
+                <a:effectLst/>
+                <a:latin typeface="Consolas" panose="020B0609020204030204" pitchFamily="49" charset="0"/>
+              </a:rPr>
+              <a:t>.</a:t>
+            </a:r>
+            <a:r>
+              <a:rPr lang="en-IN" sz="1400" b="0" dirty="0" err="1">
+                <a:solidFill>
+                  <a:srgbClr val="DCDCAA"/>
+                </a:solidFill>
+                <a:effectLst/>
+                <a:latin typeface="Consolas" panose="020B0609020204030204" pitchFamily="49" charset="0"/>
+              </a:rPr>
+              <a:t>countplot</a:t>
+            </a:r>
+            <a:r>
+              <a:rPr lang="en-IN" sz="1400" b="0" dirty="0">
+                <a:solidFill>
+                  <a:srgbClr val="CCCCCC"/>
+                </a:solidFill>
+                <a:effectLst/>
+                <a:latin typeface="Consolas" panose="020B0609020204030204" pitchFamily="49" charset="0"/>
+              </a:rPr>
+              <a:t>(</a:t>
+            </a:r>
+            <a:r>
+              <a:rPr lang="en-IN" sz="1400" b="0" dirty="0">
+                <a:solidFill>
+                  <a:srgbClr val="9CDCFE"/>
+                </a:solidFill>
+                <a:effectLst/>
+                <a:latin typeface="Consolas" panose="020B0609020204030204" pitchFamily="49" charset="0"/>
+              </a:rPr>
+              <a:t>data</a:t>
+            </a:r>
+            <a:r>
+              <a:rPr lang="en-IN" sz="1400" b="0" dirty="0">
+                <a:solidFill>
+                  <a:srgbClr val="D4D4D4"/>
+                </a:solidFill>
+                <a:effectLst/>
+                <a:latin typeface="Consolas" panose="020B0609020204030204" pitchFamily="49" charset="0"/>
+              </a:rPr>
+              <a:t>=</a:t>
+            </a:r>
+            <a:r>
+              <a:rPr lang="en-IN" sz="1400" b="0" dirty="0" err="1">
+                <a:solidFill>
+                  <a:srgbClr val="9CDCFE"/>
+                </a:solidFill>
+                <a:effectLst/>
+                <a:latin typeface="Consolas" panose="020B0609020204030204" pitchFamily="49" charset="0"/>
+              </a:rPr>
+              <a:t>df</a:t>
+            </a:r>
+            <a:r>
+              <a:rPr lang="en-IN" sz="1400" b="0" dirty="0">
+                <a:solidFill>
+                  <a:srgbClr val="CCCCCC"/>
+                </a:solidFill>
+                <a:effectLst/>
+                <a:latin typeface="Consolas" panose="020B0609020204030204" pitchFamily="49" charset="0"/>
+              </a:rPr>
+              <a:t>, </a:t>
+            </a:r>
+            <a:r>
+              <a:rPr lang="en-IN" sz="1400" b="0" dirty="0">
+                <a:solidFill>
+                  <a:srgbClr val="9CDCFE"/>
+                </a:solidFill>
+                <a:effectLst/>
+                <a:latin typeface="Consolas" panose="020B0609020204030204" pitchFamily="49" charset="0"/>
+              </a:rPr>
+              <a:t>x</a:t>
+            </a:r>
+            <a:r>
+              <a:rPr lang="en-IN" sz="1400" b="0" dirty="0">
+                <a:solidFill>
+                  <a:srgbClr val="D4D4D4"/>
+                </a:solidFill>
+                <a:effectLst/>
+                <a:latin typeface="Consolas" panose="020B0609020204030204" pitchFamily="49" charset="0"/>
+              </a:rPr>
+              <a:t>=</a:t>
+            </a:r>
+            <a:r>
+              <a:rPr lang="en-IN" sz="1400" b="0" dirty="0">
+                <a:solidFill>
+                  <a:srgbClr val="CE9178"/>
+                </a:solidFill>
+                <a:effectLst/>
+                <a:latin typeface="Consolas" panose="020B0609020204030204" pitchFamily="49" charset="0"/>
+              </a:rPr>
+              <a:t>"Churn"</a:t>
+            </a:r>
+            <a:r>
+              <a:rPr lang="en-IN" sz="1400" b="0" dirty="0">
+                <a:solidFill>
+                  <a:srgbClr val="CCCCCC"/>
+                </a:solidFill>
+                <a:effectLst/>
+                <a:latin typeface="Consolas" panose="020B0609020204030204" pitchFamily="49" charset="0"/>
+              </a:rPr>
+              <a:t>, </a:t>
+            </a:r>
+            <a:r>
+              <a:rPr lang="en-IN" sz="1400" b="0" dirty="0">
+                <a:solidFill>
+                  <a:srgbClr val="9CDCFE"/>
+                </a:solidFill>
+                <a:effectLst/>
+                <a:latin typeface="Consolas" panose="020B0609020204030204" pitchFamily="49" charset="0"/>
+              </a:rPr>
+              <a:t>palette</a:t>
+            </a:r>
+            <a:r>
+              <a:rPr lang="en-IN" sz="1400" b="0" dirty="0">
+                <a:solidFill>
+                  <a:srgbClr val="D4D4D4"/>
+                </a:solidFill>
+                <a:effectLst/>
+                <a:latin typeface="Consolas" panose="020B0609020204030204" pitchFamily="49" charset="0"/>
+              </a:rPr>
+              <a:t>=</a:t>
+            </a:r>
+            <a:r>
+              <a:rPr lang="en-IN" sz="1400" b="0" dirty="0">
+                <a:solidFill>
+                  <a:srgbClr val="CE9178"/>
+                </a:solidFill>
+                <a:effectLst/>
+                <a:latin typeface="Consolas" panose="020B0609020204030204" pitchFamily="49" charset="0"/>
+              </a:rPr>
+              <a:t>"pastel"</a:t>
+            </a:r>
+            <a:r>
+              <a:rPr lang="en-IN" sz="1400" b="0" dirty="0">
+                <a:solidFill>
+                  <a:srgbClr val="CCCCCC"/>
+                </a:solidFill>
+                <a:effectLst/>
+                <a:latin typeface="Consolas" panose="020B0609020204030204" pitchFamily="49" charset="0"/>
+              </a:rPr>
+              <a:t>)</a:t>
+            </a:r>
+          </a:p>
+          <a:p>
+            <a:pPr>
+              <a:lnSpc>
+                <a:spcPts val="1425"/>
+              </a:lnSpc>
+              <a:buNone/>
+            </a:pPr>
+            <a:r>
+              <a:rPr lang="en-IN" sz="1400" b="0" dirty="0" err="1">
+                <a:solidFill>
+                  <a:srgbClr val="4EC9B0"/>
+                </a:solidFill>
+                <a:effectLst/>
+                <a:latin typeface="Consolas" panose="020B0609020204030204" pitchFamily="49" charset="0"/>
+              </a:rPr>
+              <a:t>plt</a:t>
+            </a:r>
+            <a:r>
+              <a:rPr lang="en-IN" sz="1400" b="0" dirty="0" err="1">
+                <a:solidFill>
+                  <a:srgbClr val="CCCCCC"/>
+                </a:solidFill>
+                <a:effectLst/>
+                <a:latin typeface="Consolas" panose="020B0609020204030204" pitchFamily="49" charset="0"/>
+              </a:rPr>
+              <a:t>.</a:t>
+            </a:r>
+            <a:r>
+              <a:rPr lang="en-IN" sz="1400" b="0" dirty="0" err="1">
+                <a:solidFill>
+                  <a:srgbClr val="DCDCAA"/>
+                </a:solidFill>
+                <a:effectLst/>
+                <a:latin typeface="Consolas" panose="020B0609020204030204" pitchFamily="49" charset="0"/>
+              </a:rPr>
+              <a:t>title</a:t>
+            </a:r>
+            <a:r>
+              <a:rPr lang="en-IN" sz="1400" b="0" dirty="0">
+                <a:solidFill>
+                  <a:srgbClr val="CCCCCC"/>
+                </a:solidFill>
+                <a:effectLst/>
+                <a:latin typeface="Consolas" panose="020B0609020204030204" pitchFamily="49" charset="0"/>
+              </a:rPr>
+              <a:t>(</a:t>
+            </a:r>
+            <a:r>
+              <a:rPr lang="en-IN" sz="1400" b="0" dirty="0">
+                <a:solidFill>
+                  <a:srgbClr val="CE9178"/>
+                </a:solidFill>
+                <a:effectLst/>
+                <a:latin typeface="Consolas" panose="020B0609020204030204" pitchFamily="49" charset="0"/>
+              </a:rPr>
+              <a:t>"Churn Status Distribution"</a:t>
+            </a:r>
+            <a:r>
+              <a:rPr lang="en-IN" sz="1400" b="0" dirty="0">
+                <a:solidFill>
+                  <a:srgbClr val="CCCCCC"/>
+                </a:solidFill>
+                <a:effectLst/>
+                <a:latin typeface="Consolas" panose="020B0609020204030204" pitchFamily="49" charset="0"/>
+              </a:rPr>
+              <a:t>)</a:t>
+            </a:r>
+          </a:p>
+          <a:p>
+            <a:pPr>
+              <a:lnSpc>
+                <a:spcPts val="1425"/>
+              </a:lnSpc>
+              <a:buNone/>
+            </a:pPr>
+            <a:r>
+              <a:rPr lang="en-IN" sz="1400" b="0" dirty="0" err="1">
+                <a:solidFill>
+                  <a:srgbClr val="4EC9B0"/>
+                </a:solidFill>
+                <a:effectLst/>
+                <a:latin typeface="Consolas" panose="020B0609020204030204" pitchFamily="49" charset="0"/>
+              </a:rPr>
+              <a:t>plt</a:t>
+            </a:r>
+            <a:r>
+              <a:rPr lang="en-IN" sz="1400" b="0" dirty="0" err="1">
+                <a:solidFill>
+                  <a:srgbClr val="CCCCCC"/>
+                </a:solidFill>
+                <a:effectLst/>
+                <a:latin typeface="Consolas" panose="020B0609020204030204" pitchFamily="49" charset="0"/>
+              </a:rPr>
+              <a:t>.</a:t>
+            </a:r>
+            <a:r>
+              <a:rPr lang="en-IN" sz="1400" b="0" dirty="0" err="1">
+                <a:solidFill>
+                  <a:srgbClr val="DCDCAA"/>
+                </a:solidFill>
+                <a:effectLst/>
+                <a:latin typeface="Consolas" panose="020B0609020204030204" pitchFamily="49" charset="0"/>
+              </a:rPr>
+              <a:t>xlabel</a:t>
+            </a:r>
+            <a:r>
+              <a:rPr lang="en-IN" sz="1400" b="0" dirty="0">
+                <a:solidFill>
+                  <a:srgbClr val="CCCCCC"/>
+                </a:solidFill>
+                <a:effectLst/>
+                <a:latin typeface="Consolas" panose="020B0609020204030204" pitchFamily="49" charset="0"/>
+              </a:rPr>
+              <a:t>(</a:t>
+            </a:r>
+            <a:r>
+              <a:rPr lang="en-IN" sz="1400" b="0" dirty="0">
+                <a:solidFill>
+                  <a:srgbClr val="CE9178"/>
+                </a:solidFill>
+                <a:effectLst/>
+                <a:latin typeface="Consolas" panose="020B0609020204030204" pitchFamily="49" charset="0"/>
+              </a:rPr>
+              <a:t>"Churn"</a:t>
+            </a:r>
+            <a:r>
+              <a:rPr lang="en-IN" sz="1400" b="0" dirty="0">
+                <a:solidFill>
+                  <a:srgbClr val="CCCCCC"/>
+                </a:solidFill>
+                <a:effectLst/>
+                <a:latin typeface="Consolas" panose="020B0609020204030204" pitchFamily="49" charset="0"/>
+              </a:rPr>
+              <a:t>)</a:t>
+            </a:r>
+          </a:p>
+          <a:p>
+            <a:pPr>
+              <a:lnSpc>
+                <a:spcPts val="1425"/>
+              </a:lnSpc>
+              <a:buNone/>
+            </a:pPr>
+            <a:r>
+              <a:rPr lang="en-IN" sz="1400" b="0" dirty="0" err="1">
+                <a:solidFill>
+                  <a:srgbClr val="4EC9B0"/>
+                </a:solidFill>
+                <a:effectLst/>
+                <a:latin typeface="Consolas" panose="020B0609020204030204" pitchFamily="49" charset="0"/>
+              </a:rPr>
+              <a:t>plt</a:t>
+            </a:r>
+            <a:r>
+              <a:rPr lang="en-IN" sz="1400" b="0" dirty="0" err="1">
+                <a:solidFill>
+                  <a:srgbClr val="CCCCCC"/>
+                </a:solidFill>
+                <a:effectLst/>
+                <a:latin typeface="Consolas" panose="020B0609020204030204" pitchFamily="49" charset="0"/>
+              </a:rPr>
+              <a:t>.</a:t>
+            </a:r>
+            <a:r>
+              <a:rPr lang="en-IN" sz="1400" b="0" dirty="0" err="1">
+                <a:solidFill>
+                  <a:srgbClr val="DCDCAA"/>
+                </a:solidFill>
+                <a:effectLst/>
+                <a:latin typeface="Consolas" panose="020B0609020204030204" pitchFamily="49" charset="0"/>
+              </a:rPr>
+              <a:t>ylabel</a:t>
+            </a:r>
+            <a:r>
+              <a:rPr lang="en-IN" sz="1400" b="0" dirty="0">
+                <a:solidFill>
+                  <a:srgbClr val="CCCCCC"/>
+                </a:solidFill>
+                <a:effectLst/>
+                <a:latin typeface="Consolas" panose="020B0609020204030204" pitchFamily="49" charset="0"/>
+              </a:rPr>
+              <a:t>(</a:t>
+            </a:r>
+            <a:r>
+              <a:rPr lang="en-IN" sz="1400" b="0" dirty="0">
+                <a:solidFill>
+                  <a:srgbClr val="CE9178"/>
+                </a:solidFill>
+                <a:effectLst/>
+                <a:latin typeface="Consolas" panose="020B0609020204030204" pitchFamily="49" charset="0"/>
+              </a:rPr>
+              <a:t>"Number of Customers"</a:t>
+            </a:r>
+            <a:r>
+              <a:rPr lang="en-IN" sz="1400" b="0" dirty="0">
+                <a:solidFill>
+                  <a:srgbClr val="CCCCCC"/>
+                </a:solidFill>
+                <a:effectLst/>
+                <a:latin typeface="Consolas" panose="020B0609020204030204" pitchFamily="49" charset="0"/>
+              </a:rPr>
+              <a:t>)</a:t>
+            </a:r>
+          </a:p>
+          <a:p>
+            <a:pPr>
+              <a:lnSpc>
+                <a:spcPts val="1425"/>
+              </a:lnSpc>
+              <a:buNone/>
+            </a:pPr>
+            <a:r>
+              <a:rPr lang="en-IN" sz="1400" b="0" dirty="0" err="1">
+                <a:solidFill>
+                  <a:srgbClr val="4EC9B0"/>
+                </a:solidFill>
+                <a:effectLst/>
+                <a:latin typeface="Consolas" panose="020B0609020204030204" pitchFamily="49" charset="0"/>
+              </a:rPr>
+              <a:t>plt</a:t>
+            </a:r>
+            <a:r>
+              <a:rPr lang="en-IN" sz="1400" b="0" dirty="0" err="1">
+                <a:solidFill>
+                  <a:srgbClr val="CCCCCC"/>
+                </a:solidFill>
+                <a:effectLst/>
+                <a:latin typeface="Consolas" panose="020B0609020204030204" pitchFamily="49" charset="0"/>
+              </a:rPr>
+              <a:t>.</a:t>
+            </a:r>
+            <a:r>
+              <a:rPr lang="en-IN" sz="1400" b="0" dirty="0" err="1">
+                <a:solidFill>
+                  <a:srgbClr val="DCDCAA"/>
+                </a:solidFill>
+                <a:effectLst/>
+                <a:latin typeface="Consolas" panose="020B0609020204030204" pitchFamily="49" charset="0"/>
+              </a:rPr>
+              <a:t>tight_layout</a:t>
+            </a:r>
+            <a:r>
+              <a:rPr lang="en-IN" sz="1400" b="0" dirty="0">
+                <a:solidFill>
+                  <a:srgbClr val="CCCCCC"/>
+                </a:solidFill>
+                <a:effectLst/>
+                <a:latin typeface="Consolas" panose="020B0609020204030204" pitchFamily="49" charset="0"/>
+              </a:rPr>
+              <a:t>()</a:t>
+            </a:r>
+          </a:p>
+          <a:p>
+            <a:pPr>
+              <a:lnSpc>
+                <a:spcPts val="1425"/>
+              </a:lnSpc>
+            </a:pPr>
+            <a:r>
+              <a:rPr lang="en-IN" sz="1400" b="0" dirty="0" err="1">
+                <a:solidFill>
+                  <a:srgbClr val="4EC9B0"/>
+                </a:solidFill>
+                <a:effectLst/>
+                <a:latin typeface="Consolas" panose="020B0609020204030204" pitchFamily="49" charset="0"/>
+              </a:rPr>
+              <a:t>plt</a:t>
+            </a:r>
+            <a:r>
+              <a:rPr lang="en-IN" sz="1400" b="0" dirty="0" err="1">
+                <a:solidFill>
+                  <a:srgbClr val="CCCCCC"/>
+                </a:solidFill>
+                <a:effectLst/>
+                <a:latin typeface="Consolas" panose="020B0609020204030204" pitchFamily="49" charset="0"/>
+              </a:rPr>
+              <a:t>.</a:t>
+            </a:r>
+            <a:r>
+              <a:rPr lang="en-IN" sz="1400" b="0" dirty="0" err="1">
+                <a:solidFill>
+                  <a:srgbClr val="DCDCAA"/>
+                </a:solidFill>
+                <a:effectLst/>
+                <a:latin typeface="Consolas" panose="020B0609020204030204" pitchFamily="49" charset="0"/>
+              </a:rPr>
+              <a:t>show</a:t>
+            </a:r>
+            <a:r>
+              <a:rPr lang="en-IN" sz="1400" b="0" dirty="0">
+                <a:solidFill>
+                  <a:srgbClr val="CCCCCC"/>
+                </a:solidFill>
+                <a:effectLst/>
+                <a:latin typeface="Consolas" panose="020B0609020204030204" pitchFamily="49" charset="0"/>
+              </a:rPr>
+              <a:t>()</a:t>
+            </a:r>
+          </a:p>
+          <a:p>
             <a:endParaRPr lang="en-IN" b="0" dirty="0"/>
           </a:p>
         </p:txBody>
@@ -6856,344 +7786,6 @@
 </file>
 
 <file path=ppt/slides/slide11.xml><?xml version="1.0" encoding="utf-8"?>
-<p:sld xmlns:a="http://schemas.openxmlformats.org/drawingml/2006/main" xmlns:r="http://schemas.openxmlformats.org/officeDocument/2006/relationships" xmlns:p="http://schemas.openxmlformats.org/presentationml/2006/main">
-  <p:cSld>
-    <p:spTree>
-      <p:nvGrpSpPr>
-        <p:cNvPr id="1" name="">
-          <a:extLst>
-            <a:ext uri="{FF2B5EF4-FFF2-40B4-BE49-F238E27FC236}">
-              <a16:creationId xmlns:a16="http://schemas.microsoft.com/office/drawing/2014/main" id="{E50E045A-8792-3499-CE26-DE6858EA3DAE}"/>
-            </a:ext>
-          </a:extLst>
-        </p:cNvPr>
-        <p:cNvGrpSpPr/>
-        <p:nvPr/>
-      </p:nvGrpSpPr>
-      <p:grpSpPr>
-        <a:xfrm>
-          <a:off x="0" y="0"/>
-          <a:ext cx="0" cy="0"/>
-          <a:chOff x="0" y="0"/>
-          <a:chExt cx="0" cy="0"/>
-        </a:xfrm>
-      </p:grpSpPr>
-      <p:pic>
-        <p:nvPicPr>
-          <p:cNvPr id="3" name="Picture 2">
-            <a:extLst>
-              <a:ext uri="{FF2B5EF4-FFF2-40B4-BE49-F238E27FC236}">
-                <a16:creationId xmlns:a16="http://schemas.microsoft.com/office/drawing/2014/main" id="{96A34366-F75F-AE76-3B65-B6395C9F9A59}"/>
-              </a:ext>
-            </a:extLst>
-          </p:cNvPr>
-          <p:cNvPicPr>
-            <a:picLocks noChangeAspect="1"/>
-          </p:cNvPicPr>
-          <p:nvPr/>
-        </p:nvPicPr>
-        <p:blipFill>
-          <a:blip r:embed="rId2"/>
-          <a:stretch>
-            <a:fillRect/>
-          </a:stretch>
-        </p:blipFill>
-        <p:spPr>
-          <a:xfrm>
-            <a:off x="466778" y="1455514"/>
-            <a:ext cx="4701947" cy="3475021"/>
-          </a:xfrm>
-          <a:prstGeom prst="rect">
-            <a:avLst/>
-          </a:prstGeom>
-        </p:spPr>
-      </p:pic>
-      <p:sp>
-        <p:nvSpPr>
-          <p:cNvPr id="4" name="TextBox 3">
-            <a:extLst>
-              <a:ext uri="{FF2B5EF4-FFF2-40B4-BE49-F238E27FC236}">
-                <a16:creationId xmlns:a16="http://schemas.microsoft.com/office/drawing/2014/main" id="{D66E31B2-A3EA-0836-858D-9F3D0B8E256C}"/>
-              </a:ext>
-            </a:extLst>
-          </p:cNvPr>
-          <p:cNvSpPr txBox="1"/>
-          <p:nvPr/>
-        </p:nvSpPr>
-        <p:spPr>
-          <a:xfrm>
-            <a:off x="698091" y="5124823"/>
-            <a:ext cx="6096000" cy="1477328"/>
-          </a:xfrm>
-          <a:prstGeom prst="rect">
-            <a:avLst/>
-          </a:prstGeom>
-          <a:noFill/>
-        </p:spPr>
-        <p:txBody>
-          <a:bodyPr wrap="square">
-            <a:spAutoFit/>
-          </a:bodyPr>
-          <a:lstStyle/>
-          <a:p>
-            <a:r>
-              <a:rPr lang="en-US" b="0" dirty="0"/>
-              <a:t>0 To 60 – Short Term</a:t>
-            </a:r>
-          </a:p>
-          <a:p>
-            <a:r>
-              <a:rPr lang="en-US" dirty="0"/>
-              <a:t>60 To 120 – Medium Term</a:t>
-            </a:r>
-          </a:p>
-          <a:p>
-            <a:r>
-              <a:rPr lang="en-US" dirty="0"/>
-              <a:t>120 To 180 – Long Term</a:t>
-            </a:r>
-            <a:endParaRPr lang="en-IN" dirty="0"/>
-          </a:p>
-          <a:p>
-            <a:r>
-              <a:rPr lang="en-US" dirty="0"/>
-              <a:t>180 To 250 – Very Long Term</a:t>
-            </a:r>
-            <a:endParaRPr lang="en-IN" dirty="0"/>
-          </a:p>
-          <a:p>
-            <a:endParaRPr lang="en-IN" dirty="0"/>
-          </a:p>
-        </p:txBody>
-      </p:sp>
-      <p:sp>
-        <p:nvSpPr>
-          <p:cNvPr id="7" name="TextBox 6">
-            <a:extLst>
-              <a:ext uri="{FF2B5EF4-FFF2-40B4-BE49-F238E27FC236}">
-                <a16:creationId xmlns:a16="http://schemas.microsoft.com/office/drawing/2014/main" id="{0246F320-5CFE-E3BF-B5DC-EE651CC41353}"/>
-              </a:ext>
-            </a:extLst>
-          </p:cNvPr>
-          <p:cNvSpPr txBox="1"/>
-          <p:nvPr/>
-        </p:nvSpPr>
-        <p:spPr>
-          <a:xfrm>
-            <a:off x="353962" y="290806"/>
-            <a:ext cx="3608438" cy="438582"/>
-          </a:xfrm>
-          <a:prstGeom prst="rect">
-            <a:avLst/>
-          </a:prstGeom>
-          <a:noFill/>
-          <a:ln>
-            <a:noFill/>
-          </a:ln>
-        </p:spPr>
-        <p:txBody>
-          <a:bodyPr spcFirstLastPara="1" wrap="square" lIns="91425" tIns="45700" rIns="91425" bIns="45700" anchor="t" anchorCtr="0">
-            <a:normAutofit/>
-          </a:bodyPr>
-          <a:lstStyle>
-            <a:defPPr>
-              <a:defRPr lang="en-US"/>
-            </a:defPPr>
-            <a:lvl1pPr defTabSz="914400">
-              <a:lnSpc>
-                <a:spcPct val="90000"/>
-              </a:lnSpc>
-              <a:spcBef>
-                <a:spcPct val="0"/>
-              </a:spcBef>
-              <a:buSzPts val="4200"/>
-              <a:buNone/>
-              <a:defRPr sz="2500" cap="all" baseline="0">
-                <a:latin typeface="+mj-lt"/>
-                <a:ea typeface="+mj-ea"/>
-                <a:cs typeface="+mj-cs"/>
-              </a:defRPr>
-            </a:lvl1pPr>
-            <a:lvl2pPr>
-              <a:defRPr>
-                <a:solidFill>
-                  <a:schemeClr val="tx2"/>
-                </a:solidFill>
-              </a:defRPr>
-            </a:lvl2pPr>
-            <a:lvl3pPr>
-              <a:defRPr>
-                <a:solidFill>
-                  <a:schemeClr val="tx2"/>
-                </a:solidFill>
-              </a:defRPr>
-            </a:lvl3pPr>
-            <a:lvl4pPr>
-              <a:defRPr>
-                <a:solidFill>
-                  <a:schemeClr val="tx2"/>
-                </a:solidFill>
-              </a:defRPr>
-            </a:lvl4pPr>
-            <a:lvl5pPr>
-              <a:defRPr>
-                <a:solidFill>
-                  <a:schemeClr val="tx2"/>
-                </a:solidFill>
-              </a:defRPr>
-            </a:lvl5pPr>
-            <a:lvl6pPr>
-              <a:defRPr>
-                <a:solidFill>
-                  <a:schemeClr val="tx2"/>
-                </a:solidFill>
-              </a:defRPr>
-            </a:lvl6pPr>
-            <a:lvl7pPr>
-              <a:defRPr>
-                <a:solidFill>
-                  <a:schemeClr val="tx2"/>
-                </a:solidFill>
-              </a:defRPr>
-            </a:lvl7pPr>
-            <a:lvl8pPr>
-              <a:defRPr>
-                <a:solidFill>
-                  <a:schemeClr val="tx2"/>
-                </a:solidFill>
-              </a:defRPr>
-            </a:lvl8pPr>
-            <a:lvl9pPr>
-              <a:defRPr>
-                <a:solidFill>
-                  <a:schemeClr val="tx2"/>
-                </a:solidFill>
-              </a:defRPr>
-            </a:lvl9pPr>
-          </a:lstStyle>
-          <a:p>
-            <a:r>
-              <a:rPr lang="en-IN" dirty="0"/>
-              <a:t>Business Insights</a:t>
-            </a:r>
-          </a:p>
-        </p:txBody>
-      </p:sp>
-      <p:sp>
-        <p:nvSpPr>
-          <p:cNvPr id="9" name="TextBox 8">
-            <a:extLst>
-              <a:ext uri="{FF2B5EF4-FFF2-40B4-BE49-F238E27FC236}">
-                <a16:creationId xmlns:a16="http://schemas.microsoft.com/office/drawing/2014/main" id="{54C386CD-09EF-7DC1-306A-403316C79FEB}"/>
-              </a:ext>
-            </a:extLst>
-          </p:cNvPr>
-          <p:cNvSpPr txBox="1"/>
-          <p:nvPr/>
-        </p:nvSpPr>
-        <p:spPr>
-          <a:xfrm>
-            <a:off x="580104" y="994513"/>
-            <a:ext cx="6096000" cy="369332"/>
-          </a:xfrm>
-          <a:prstGeom prst="rect">
-            <a:avLst/>
-          </a:prstGeom>
-          <a:noFill/>
-          <a:ln>
-            <a:noFill/>
-          </a:ln>
-        </p:spPr>
-        <p:txBody>
-          <a:bodyPr spcFirstLastPara="1" wrap="square" lIns="91425" tIns="45700" rIns="91425" bIns="45700" anchor="t" anchorCtr="0">
-            <a:normAutofit/>
-          </a:bodyPr>
-          <a:lstStyle>
-            <a:defPPr>
-              <a:defRPr lang="en-US"/>
-            </a:defPPr>
-            <a:lvl1pPr defTabSz="914400">
-              <a:lnSpc>
-                <a:spcPct val="90000"/>
-              </a:lnSpc>
-              <a:spcBef>
-                <a:spcPct val="0"/>
-              </a:spcBef>
-              <a:buSzPts val="4200"/>
-              <a:buNone/>
-              <a:defRPr sz="2000" cap="all" baseline="0">
-                <a:latin typeface="+mj-lt"/>
-                <a:ea typeface="+mj-ea"/>
-                <a:cs typeface="+mj-cs"/>
-              </a:defRPr>
-            </a:lvl1pPr>
-          </a:lstStyle>
-          <a:p>
-            <a:r>
-              <a:rPr lang="en-IN" dirty="0"/>
-              <a:t>Churn Rate by Account Length</a:t>
-            </a:r>
-          </a:p>
-        </p:txBody>
-      </p:sp>
-      <p:sp>
-        <p:nvSpPr>
-          <p:cNvPr id="11" name="TextBox 10">
-            <a:extLst>
-              <a:ext uri="{FF2B5EF4-FFF2-40B4-BE49-F238E27FC236}">
-                <a16:creationId xmlns:a16="http://schemas.microsoft.com/office/drawing/2014/main" id="{DAD8387E-D6A8-C447-562A-5D8C53D82CDA}"/>
-              </a:ext>
-            </a:extLst>
-          </p:cNvPr>
-          <p:cNvSpPr txBox="1"/>
-          <p:nvPr/>
-        </p:nvSpPr>
-        <p:spPr>
-          <a:xfrm>
-            <a:off x="5294925" y="1455514"/>
-            <a:ext cx="6779088" cy="2862322"/>
-          </a:xfrm>
-          <a:prstGeom prst="rect">
-            <a:avLst/>
-          </a:prstGeom>
-          <a:noFill/>
-        </p:spPr>
-        <p:txBody>
-          <a:bodyPr wrap="square">
-            <a:spAutoFit/>
-          </a:bodyPr>
-          <a:lstStyle/>
-          <a:p>
-            <a:r>
-              <a:rPr lang="en-US" dirty="0"/>
-              <a:t>The churn status data shows a generally increasing trend across different time frames. There is a steady rise in churn in the short term, followed by a slight decrease in the long term. However, this decrease is temporary, as the churn rate starts to rise again in the very long term, indicating a growing concern over time.</a:t>
-            </a:r>
-          </a:p>
-          <a:p>
-            <a:endParaRPr lang="en-US" dirty="0"/>
-          </a:p>
-          <a:p>
-            <a:r>
-              <a:rPr lang="en-US" dirty="0"/>
-              <a:t>This version accurately incorporates the slight decrease in churn during the long term while maintaining the overall upward trend in the very long term.</a:t>
-            </a:r>
-          </a:p>
-        </p:txBody>
-      </p:sp>
-    </p:spTree>
-    <p:extLst>
-      <p:ext uri="{BB962C8B-B14F-4D97-AF65-F5344CB8AC3E}">
-        <p14:creationId xmlns:p14="http://schemas.microsoft.com/office/powerpoint/2010/main" val="559375921"/>
-      </p:ext>
-    </p:extLst>
-  </p:cSld>
-  <p:clrMapOvr>
-    <a:masterClrMapping/>
-  </p:clrMapOvr>
-</p:sld>
-</file>
-
-<file path=ppt/slides/slide12.xml><?xml version="1.0" encoding="utf-8"?>
 <p:sld xmlns:a="http://schemas.openxmlformats.org/drawingml/2006/main" xmlns:r="http://schemas.openxmlformats.org/officeDocument/2006/relationships" xmlns:p="http://schemas.openxmlformats.org/presentationml/2006/main">
   <p:cSld>
     <p:spTree>
@@ -7545,7 +8137,7 @@
 </p:sld>
 </file>
 
-<file path=ppt/slides/slide13.xml><?xml version="1.0" encoding="utf-8"?>
+<file path=ppt/slides/slide12.xml><?xml version="1.0" encoding="utf-8"?>
 <p:sld xmlns:a="http://schemas.openxmlformats.org/drawingml/2006/main" xmlns:r="http://schemas.openxmlformats.org/officeDocument/2006/relationships" xmlns:p="http://schemas.openxmlformats.org/presentationml/2006/main">
   <p:cSld>
     <p:spTree>
@@ -7775,7 +8367,7 @@
 </p:sld>
 </file>
 
-<file path=ppt/slides/slide14.xml><?xml version="1.0" encoding="utf-8"?>
+<file path=ppt/slides/slide13.xml><?xml version="1.0" encoding="utf-8"?>
 <p:sld xmlns:a="http://schemas.openxmlformats.org/drawingml/2006/main" xmlns:r="http://schemas.openxmlformats.org/officeDocument/2006/relationships" xmlns:p="http://schemas.openxmlformats.org/presentationml/2006/main">
   <p:cSld>
     <p:spTree>
@@ -8076,7 +8668,7 @@
                 </a:solidFill>
                 <a:latin typeface="+mn-lt"/>
               </a:rPr>
-              <a:t>: Likely have correlations that can be noted, although their exact values aren't detailed in your description.</a:t>
+              <a:t>: Likely have correlations that can be noted, although their exact values aren't detailed in  description.</a:t>
             </a:r>
           </a:p>
           <a:p>
@@ -8114,7 +8706,7 @@
 </p:sld>
 </file>
 
-<file path=ppt/slides/slide15.xml><?xml version="1.0" encoding="utf-8"?>
+<file path=ppt/slides/slide14.xml><?xml version="1.0" encoding="utf-8"?>
 <p:sld xmlns:a="http://schemas.openxmlformats.org/drawingml/2006/main" xmlns:r="http://schemas.openxmlformats.org/officeDocument/2006/relationships" xmlns:p="http://schemas.openxmlformats.org/presentationml/2006/main">
   <p:cSld>
     <p:spTree>
@@ -8610,7 +9202,7 @@
 </p:sld>
 </file>
 
-<file path=ppt/slides/slide16.xml><?xml version="1.0" encoding="utf-8"?>
+<file path=ppt/slides/slide15.xml><?xml version="1.0" encoding="utf-8"?>
 <p:sld xmlns:a="http://schemas.openxmlformats.org/drawingml/2006/main" xmlns:r="http://schemas.openxmlformats.org/officeDocument/2006/relationships" xmlns:p="http://schemas.openxmlformats.org/presentationml/2006/main">
   <p:cSld>
     <p:spTree>
@@ -9113,7 +9705,7 @@
 </p:sld>
 </file>
 
-<file path=ppt/slides/slide17.xml><?xml version="1.0" encoding="utf-8"?>
+<file path=ppt/slides/slide16.xml><?xml version="1.0" encoding="utf-8"?>
 <p:sld xmlns:a="http://schemas.openxmlformats.org/drawingml/2006/main" xmlns:r="http://schemas.openxmlformats.org/officeDocument/2006/relationships" xmlns:p="http://schemas.openxmlformats.org/presentationml/2006/main">
   <p:cSld>
     <p:spTree>
@@ -9627,7 +10219,7 @@
 </p:sld>
 </file>
 
-<file path=ppt/slides/slide18.xml><?xml version="1.0" encoding="utf-8"?>
+<file path=ppt/slides/slide17.xml><?xml version="1.0" encoding="utf-8"?>
 <p:sld xmlns:a="http://schemas.openxmlformats.org/drawingml/2006/main" xmlns:r="http://schemas.openxmlformats.org/officeDocument/2006/relationships" xmlns:p="http://schemas.openxmlformats.org/presentationml/2006/main">
   <p:cSld>
     <p:spTree>
@@ -10135,7 +10727,7 @@
 </p:sld>
 </file>
 
-<file path=ppt/slides/slide19.xml><?xml version="1.0" encoding="utf-8"?>
+<file path=ppt/slides/slide18.xml><?xml version="1.0" encoding="utf-8"?>
 <p:sld xmlns:a="http://schemas.openxmlformats.org/drawingml/2006/main" xmlns:r="http://schemas.openxmlformats.org/officeDocument/2006/relationships" xmlns:p="http://schemas.openxmlformats.org/presentationml/2006/main">
   <p:cSld>
     <p:spTree>
@@ -10468,188 +11060,7 @@
 </p:sld>
 </file>
 
-<file path=ppt/slides/slide2.xml><?xml version="1.0" encoding="utf-8"?>
-<p:sld xmlns:a="http://schemas.openxmlformats.org/drawingml/2006/main" xmlns:r="http://schemas.openxmlformats.org/officeDocument/2006/relationships" xmlns:p="http://schemas.openxmlformats.org/presentationml/2006/main">
-  <p:cSld>
-    <p:spTree>
-      <p:nvGrpSpPr>
-        <p:cNvPr id="1" name=""/>
-        <p:cNvGrpSpPr/>
-        <p:nvPr/>
-      </p:nvGrpSpPr>
-      <p:grpSpPr>
-        <a:xfrm>
-          <a:off x="0" y="0"/>
-          <a:ext cx="0" cy="0"/>
-          <a:chOff x="0" y="0"/>
-          <a:chExt cx="0" cy="0"/>
-        </a:xfrm>
-      </p:grpSpPr>
-      <p:pic>
-        <p:nvPicPr>
-          <p:cNvPr id="5" name="Picture 4">
-            <a:extLst>
-              <a:ext uri="{FF2B5EF4-FFF2-40B4-BE49-F238E27FC236}">
-                <a16:creationId xmlns:a16="http://schemas.microsoft.com/office/drawing/2014/main" id="{063F66AE-5DCE-11ED-DD98-D324CD1EDA95}"/>
-              </a:ext>
-            </a:extLst>
-          </p:cNvPr>
-          <p:cNvPicPr>
-            <a:picLocks noChangeAspect="1"/>
-          </p:cNvPicPr>
-          <p:nvPr/>
-        </p:nvPicPr>
-        <p:blipFill>
-          <a:blip r:embed="rId2"/>
-          <a:stretch>
-            <a:fillRect/>
-          </a:stretch>
-        </p:blipFill>
-        <p:spPr>
-          <a:xfrm>
-            <a:off x="303313" y="859624"/>
-            <a:ext cx="6798424" cy="4908130"/>
-          </a:xfrm>
-          <a:prstGeom prst="rect">
-            <a:avLst/>
-          </a:prstGeom>
-        </p:spPr>
-      </p:pic>
-      <p:pic>
-        <p:nvPicPr>
-          <p:cNvPr id="7" name="Picture 6">
-            <a:extLst>
-              <a:ext uri="{FF2B5EF4-FFF2-40B4-BE49-F238E27FC236}">
-                <a16:creationId xmlns:a16="http://schemas.microsoft.com/office/drawing/2014/main" id="{63CEA755-972F-91A3-BC0E-82D6C89006E8}"/>
-              </a:ext>
-            </a:extLst>
-          </p:cNvPr>
-          <p:cNvPicPr>
-            <a:picLocks noChangeAspect="1"/>
-          </p:cNvPicPr>
-          <p:nvPr/>
-        </p:nvPicPr>
-        <p:blipFill>
-          <a:blip r:embed="rId3"/>
-          <a:stretch>
-            <a:fillRect/>
-          </a:stretch>
-        </p:blipFill>
-        <p:spPr>
-          <a:xfrm>
-            <a:off x="7231679" y="859624"/>
-            <a:ext cx="4575858" cy="4908130"/>
-          </a:xfrm>
-          <a:prstGeom prst="rect">
-            <a:avLst/>
-          </a:prstGeom>
-        </p:spPr>
-      </p:pic>
-      <p:sp>
-        <p:nvSpPr>
-          <p:cNvPr id="2" name="Google Shape;170;p5">
-            <a:extLst>
-              <a:ext uri="{FF2B5EF4-FFF2-40B4-BE49-F238E27FC236}">
-                <a16:creationId xmlns:a16="http://schemas.microsoft.com/office/drawing/2014/main" id="{85CBF576-E928-632B-7439-6A9C8856A78A}"/>
-              </a:ext>
-            </a:extLst>
-          </p:cNvPr>
-          <p:cNvSpPr txBox="1">
-            <a:spLocks/>
-          </p:cNvSpPr>
-          <p:nvPr/>
-        </p:nvSpPr>
-        <p:spPr>
-          <a:xfrm>
-            <a:off x="0" y="181413"/>
-            <a:ext cx="9404723" cy="441586"/>
-          </a:xfrm>
-          <a:prstGeom prst="rect">
-            <a:avLst/>
-          </a:prstGeom>
-          <a:noFill/>
-          <a:ln>
-            <a:noFill/>
-          </a:ln>
-        </p:spPr>
-        <p:txBody>
-          <a:bodyPr spcFirstLastPara="1" wrap="square" lIns="91425" tIns="45700" rIns="91425" bIns="45700" anchor="t" anchorCtr="0">
-            <a:normAutofit/>
-          </a:bodyPr>
-          <a:lstStyle>
-            <a:lvl1pPr algn="l" defTabSz="914400" rtl="0" eaLnBrk="1" latinLnBrk="0" hangingPunct="1">
-              <a:lnSpc>
-                <a:spcPct val="90000"/>
-              </a:lnSpc>
-              <a:spcBef>
-                <a:spcPct val="0"/>
-              </a:spcBef>
-              <a:buNone/>
-              <a:defRPr sz="3600" kern="1200" cap="all" baseline="0">
-                <a:solidFill>
-                  <a:schemeClr val="tx1"/>
-                </a:solidFill>
-                <a:latin typeface="+mj-lt"/>
-                <a:ea typeface="+mj-ea"/>
-                <a:cs typeface="+mj-cs"/>
-              </a:defRPr>
-            </a:lvl1pPr>
-          </a:lstStyle>
-          <a:p>
-            <a:pPr>
-              <a:buSzPts val="4200"/>
-            </a:pPr>
-            <a:r>
-              <a:rPr lang="en-US" sz="2500" dirty="0"/>
-              <a:t>Exploratory Data Analysis (EDA):</a:t>
-            </a:r>
-          </a:p>
-        </p:txBody>
-      </p:sp>
-      <p:pic>
-        <p:nvPicPr>
-          <p:cNvPr id="3" name="Picture 2">
-            <a:extLst>
-              <a:ext uri="{FF2B5EF4-FFF2-40B4-BE49-F238E27FC236}">
-                <a16:creationId xmlns:a16="http://schemas.microsoft.com/office/drawing/2014/main" id="{F67D0A0C-A6C0-C3FC-05CE-9112BCC52AF3}"/>
-              </a:ext>
-            </a:extLst>
-          </p:cNvPr>
-          <p:cNvPicPr>
-            <a:picLocks noChangeAspect="1"/>
-          </p:cNvPicPr>
-          <p:nvPr/>
-        </p:nvPicPr>
-        <p:blipFill>
-          <a:blip r:embed="rId4"/>
-          <a:stretch>
-            <a:fillRect/>
-          </a:stretch>
-        </p:blipFill>
-        <p:spPr>
-          <a:xfrm>
-            <a:off x="303313" y="5888335"/>
-            <a:ext cx="2590612" cy="788252"/>
-          </a:xfrm>
-          <a:prstGeom prst="rect">
-            <a:avLst/>
-          </a:prstGeom>
-        </p:spPr>
-      </p:pic>
-    </p:spTree>
-    <p:extLst>
-      <p:ext uri="{BB962C8B-B14F-4D97-AF65-F5344CB8AC3E}">
-        <p14:creationId xmlns:p14="http://schemas.microsoft.com/office/powerpoint/2010/main" val="2060828890"/>
-      </p:ext>
-    </p:extLst>
-  </p:cSld>
-  <p:clrMapOvr>
-    <a:masterClrMapping/>
-  </p:clrMapOvr>
-</p:sld>
-</file>
-
-<file path=ppt/slides/slide20.xml><?xml version="1.0" encoding="utf-8"?>
+<file path=ppt/slides/slide19.xml><?xml version="1.0" encoding="utf-8"?>
 <p:sld xmlns:a="http://schemas.openxmlformats.org/drawingml/2006/main" xmlns:r="http://schemas.openxmlformats.org/officeDocument/2006/relationships" xmlns:p="http://schemas.openxmlformats.org/presentationml/2006/main">
   <p:cSld>
     <p:spTree>
@@ -10962,7 +11373,188 @@
 </p:sld>
 </file>
 
-<file path=ppt/slides/slide21.xml><?xml version="1.0" encoding="utf-8"?>
+<file path=ppt/slides/slide2.xml><?xml version="1.0" encoding="utf-8"?>
+<p:sld xmlns:a="http://schemas.openxmlformats.org/drawingml/2006/main" xmlns:r="http://schemas.openxmlformats.org/officeDocument/2006/relationships" xmlns:p="http://schemas.openxmlformats.org/presentationml/2006/main">
+  <p:cSld>
+    <p:spTree>
+      <p:nvGrpSpPr>
+        <p:cNvPr id="1" name=""/>
+        <p:cNvGrpSpPr/>
+        <p:nvPr/>
+      </p:nvGrpSpPr>
+      <p:grpSpPr>
+        <a:xfrm>
+          <a:off x="0" y="0"/>
+          <a:ext cx="0" cy="0"/>
+          <a:chOff x="0" y="0"/>
+          <a:chExt cx="0" cy="0"/>
+        </a:xfrm>
+      </p:grpSpPr>
+      <p:pic>
+        <p:nvPicPr>
+          <p:cNvPr id="5" name="Picture 4">
+            <a:extLst>
+              <a:ext uri="{FF2B5EF4-FFF2-40B4-BE49-F238E27FC236}">
+                <a16:creationId xmlns:a16="http://schemas.microsoft.com/office/drawing/2014/main" id="{063F66AE-5DCE-11ED-DD98-D324CD1EDA95}"/>
+              </a:ext>
+            </a:extLst>
+          </p:cNvPr>
+          <p:cNvPicPr>
+            <a:picLocks noChangeAspect="1"/>
+          </p:cNvPicPr>
+          <p:nvPr/>
+        </p:nvPicPr>
+        <p:blipFill>
+          <a:blip r:embed="rId2"/>
+          <a:stretch>
+            <a:fillRect/>
+          </a:stretch>
+        </p:blipFill>
+        <p:spPr>
+          <a:xfrm>
+            <a:off x="303313" y="859624"/>
+            <a:ext cx="6798424" cy="4908130"/>
+          </a:xfrm>
+          <a:prstGeom prst="rect">
+            <a:avLst/>
+          </a:prstGeom>
+        </p:spPr>
+      </p:pic>
+      <p:pic>
+        <p:nvPicPr>
+          <p:cNvPr id="7" name="Picture 6">
+            <a:extLst>
+              <a:ext uri="{FF2B5EF4-FFF2-40B4-BE49-F238E27FC236}">
+                <a16:creationId xmlns:a16="http://schemas.microsoft.com/office/drawing/2014/main" id="{63CEA755-972F-91A3-BC0E-82D6C89006E8}"/>
+              </a:ext>
+            </a:extLst>
+          </p:cNvPr>
+          <p:cNvPicPr>
+            <a:picLocks noChangeAspect="1"/>
+          </p:cNvPicPr>
+          <p:nvPr/>
+        </p:nvPicPr>
+        <p:blipFill>
+          <a:blip r:embed="rId3"/>
+          <a:stretch>
+            <a:fillRect/>
+          </a:stretch>
+        </p:blipFill>
+        <p:spPr>
+          <a:xfrm>
+            <a:off x="7231679" y="859624"/>
+            <a:ext cx="4575858" cy="4908130"/>
+          </a:xfrm>
+          <a:prstGeom prst="rect">
+            <a:avLst/>
+          </a:prstGeom>
+        </p:spPr>
+      </p:pic>
+      <p:sp>
+        <p:nvSpPr>
+          <p:cNvPr id="2" name="Google Shape;170;p5">
+            <a:extLst>
+              <a:ext uri="{FF2B5EF4-FFF2-40B4-BE49-F238E27FC236}">
+                <a16:creationId xmlns:a16="http://schemas.microsoft.com/office/drawing/2014/main" id="{85CBF576-E928-632B-7439-6A9C8856A78A}"/>
+              </a:ext>
+            </a:extLst>
+          </p:cNvPr>
+          <p:cNvSpPr txBox="1">
+            <a:spLocks/>
+          </p:cNvSpPr>
+          <p:nvPr/>
+        </p:nvSpPr>
+        <p:spPr>
+          <a:xfrm>
+            <a:off x="0" y="181413"/>
+            <a:ext cx="9404723" cy="441586"/>
+          </a:xfrm>
+          <a:prstGeom prst="rect">
+            <a:avLst/>
+          </a:prstGeom>
+          <a:noFill/>
+          <a:ln>
+            <a:noFill/>
+          </a:ln>
+        </p:spPr>
+        <p:txBody>
+          <a:bodyPr spcFirstLastPara="1" wrap="square" lIns="91425" tIns="45700" rIns="91425" bIns="45700" anchor="t" anchorCtr="0">
+            <a:normAutofit/>
+          </a:bodyPr>
+          <a:lstStyle>
+            <a:lvl1pPr algn="l" defTabSz="914400" rtl="0" eaLnBrk="1" latinLnBrk="0" hangingPunct="1">
+              <a:lnSpc>
+                <a:spcPct val="90000"/>
+              </a:lnSpc>
+              <a:spcBef>
+                <a:spcPct val="0"/>
+              </a:spcBef>
+              <a:buNone/>
+              <a:defRPr sz="3600" kern="1200" cap="all" baseline="0">
+                <a:solidFill>
+                  <a:schemeClr val="tx1"/>
+                </a:solidFill>
+                <a:latin typeface="+mj-lt"/>
+                <a:ea typeface="+mj-ea"/>
+                <a:cs typeface="+mj-cs"/>
+              </a:defRPr>
+            </a:lvl1pPr>
+          </a:lstStyle>
+          <a:p>
+            <a:pPr>
+              <a:buSzPts val="4200"/>
+            </a:pPr>
+            <a:r>
+              <a:rPr lang="en-US" sz="2500" dirty="0"/>
+              <a:t>Exploratory Data Analysis (EDA):</a:t>
+            </a:r>
+          </a:p>
+        </p:txBody>
+      </p:sp>
+      <p:pic>
+        <p:nvPicPr>
+          <p:cNvPr id="3" name="Picture 2">
+            <a:extLst>
+              <a:ext uri="{FF2B5EF4-FFF2-40B4-BE49-F238E27FC236}">
+                <a16:creationId xmlns:a16="http://schemas.microsoft.com/office/drawing/2014/main" id="{F67D0A0C-A6C0-C3FC-05CE-9112BCC52AF3}"/>
+              </a:ext>
+            </a:extLst>
+          </p:cNvPr>
+          <p:cNvPicPr>
+            <a:picLocks noChangeAspect="1"/>
+          </p:cNvPicPr>
+          <p:nvPr/>
+        </p:nvPicPr>
+        <p:blipFill>
+          <a:blip r:embed="rId4"/>
+          <a:stretch>
+            <a:fillRect/>
+          </a:stretch>
+        </p:blipFill>
+        <p:spPr>
+          <a:xfrm>
+            <a:off x="303313" y="5888335"/>
+            <a:ext cx="2590612" cy="788252"/>
+          </a:xfrm>
+          <a:prstGeom prst="rect">
+            <a:avLst/>
+          </a:prstGeom>
+        </p:spPr>
+      </p:pic>
+    </p:spTree>
+    <p:extLst>
+      <p:ext uri="{BB962C8B-B14F-4D97-AF65-F5344CB8AC3E}">
+        <p14:creationId xmlns:p14="http://schemas.microsoft.com/office/powerpoint/2010/main" val="2060828890"/>
+      </p:ext>
+    </p:extLst>
+  </p:cSld>
+  <p:clrMapOvr>
+    <a:masterClrMapping/>
+  </p:clrMapOvr>
+</p:sld>
+</file>
+
+<file path=ppt/slides/slide20.xml><?xml version="1.0" encoding="utf-8"?>
 <p:sld xmlns:a="http://schemas.openxmlformats.org/drawingml/2006/main" xmlns:r="http://schemas.openxmlformats.org/officeDocument/2006/relationships" xmlns:p="http://schemas.openxmlformats.org/presentationml/2006/main">
   <p:cSld>
     <p:spTree>
@@ -11241,7 +11833,7 @@
 </p:sld>
 </file>
 
-<file path=ppt/slides/slide22.xml><?xml version="1.0" encoding="utf-8"?>
+<file path=ppt/slides/slide21.xml><?xml version="1.0" encoding="utf-8"?>
 <p:sld xmlns:a="http://schemas.openxmlformats.org/drawingml/2006/main" xmlns:r="http://schemas.openxmlformats.org/officeDocument/2006/relationships" xmlns:p="http://schemas.openxmlformats.org/presentationml/2006/main">
   <p:cSld>
     <p:spTree>
@@ -11497,7 +12089,7 @@
 </p:sld>
 </file>
 
-<file path=ppt/slides/slide23.xml><?xml version="1.0" encoding="utf-8"?>
+<file path=ppt/slides/slide22.xml><?xml version="1.0" encoding="utf-8"?>
 <p:sld xmlns:a="http://schemas.openxmlformats.org/drawingml/2006/main" xmlns:r="http://schemas.openxmlformats.org/officeDocument/2006/relationships" xmlns:p="http://schemas.openxmlformats.org/presentationml/2006/main">
   <p:cSld>
     <p:spTree>
@@ -11758,7 +12350,7 @@
 </p:sld>
 </file>
 
-<file path=ppt/slides/slide24.xml><?xml version="1.0" encoding="utf-8"?>
+<file path=ppt/slides/slide23.xml><?xml version="1.0" encoding="utf-8"?>
 <p:sld xmlns:a="http://schemas.openxmlformats.org/drawingml/2006/main" xmlns:r="http://schemas.openxmlformats.org/officeDocument/2006/relationships" xmlns:p="http://schemas.openxmlformats.org/presentationml/2006/main">
   <p:cSld>
     <p:spTree>
@@ -11933,36 +12525,6 @@
           <a:chExt cx="0" cy="0"/>
         </a:xfrm>
       </p:grpSpPr>
-      <p:pic>
-        <p:nvPicPr>
-          <p:cNvPr id="3" name="Picture 2">
-            <a:extLst>
-              <a:ext uri="{FF2B5EF4-FFF2-40B4-BE49-F238E27FC236}">
-                <a16:creationId xmlns:a16="http://schemas.microsoft.com/office/drawing/2014/main" id="{662C41E9-EDC9-3676-06C0-2B08B88DA091}"/>
-              </a:ext>
-            </a:extLst>
-          </p:cNvPr>
-          <p:cNvPicPr>
-            <a:picLocks noChangeAspect="1"/>
-          </p:cNvPicPr>
-          <p:nvPr/>
-        </p:nvPicPr>
-        <p:blipFill>
-          <a:blip r:embed="rId2"/>
-          <a:stretch>
-            <a:fillRect/>
-          </a:stretch>
-        </p:blipFill>
-        <p:spPr>
-          <a:xfrm>
-            <a:off x="182274" y="1145794"/>
-            <a:ext cx="5306944" cy="4271443"/>
-          </a:xfrm>
-          <a:prstGeom prst="rect">
-            <a:avLst/>
-          </a:prstGeom>
-        </p:spPr>
-      </p:pic>
       <p:sp>
         <p:nvSpPr>
           <p:cNvPr id="9" name="Google Shape;170;p5">
@@ -12038,8 +12600,8 @@
         </p:nvSpPr>
         <p:spPr>
           <a:xfrm>
-            <a:off x="5614815" y="1019357"/>
-            <a:ext cx="6577185" cy="4801314"/>
+            <a:off x="5458967" y="1019357"/>
+            <a:ext cx="6733033" cy="6145272"/>
           </a:xfrm>
           <a:prstGeom prst="rect">
             <a:avLst/>
@@ -12053,12 +12615,9 @@
           <a:lstStyle/>
           <a:p>
             <a:r>
-              <a:rPr lang="en-US" b="1" dirty="0"/>
+              <a:rPr lang="en-US" sz="1400" b="1" dirty="0"/>
               <a:t>Results:</a:t>
             </a:r>
-          </a:p>
-          <a:p>
-            <a:endParaRPr lang="en-US" b="1" dirty="0"/>
           </a:p>
           <a:p>
             <a:pPr marL="342900" indent="-342900">
@@ -12066,7 +12625,7 @@
               <a:buAutoNum type="arabicPeriod"/>
             </a:pPr>
             <a:r>
-              <a:rPr lang="en-US" dirty="0"/>
+              <a:rPr lang="en-US" sz="1400" dirty="0"/>
               <a:t> Most customers stay for 90–120 days, making this the most common tenure range.</a:t>
             </a:r>
           </a:p>
@@ -12076,7 +12635,7 @@
               <a:buAutoNum type="arabicPeriod"/>
             </a:pPr>
             <a:r>
-              <a:rPr lang="en-US" dirty="0"/>
+              <a:rPr lang="en-US" sz="1400" dirty="0"/>
               <a:t> Very short-tenure (0–30 days) and long-tenure (180+ days) customers are fewer.</a:t>
             </a:r>
           </a:p>
@@ -12086,25 +12645,21 @@
               <a:buAutoNum type="arabicPeriod"/>
             </a:pPr>
             <a:r>
-              <a:rPr lang="en-US" dirty="0"/>
+              <a:rPr lang="en-US" sz="1400" dirty="0"/>
               <a:t> The chart shows a bell-shaped distribution, with most customers around the average tenure.</a:t>
             </a:r>
           </a:p>
           <a:p>
-            <a:pPr>
-              <a:buFont typeface="Arial" panose="020B0604020202020204" pitchFamily="34" charset="0"/>
-              <a:buChar char="•"/>
-            </a:pPr>
-            <a:endParaRPr lang="en-US" dirty="0"/>
-          </a:p>
-          <a:p>
-            <a:r>
-              <a:rPr lang="en-US" b="1" dirty="0"/>
+            <a:endParaRPr lang="en-US" sz="1400" dirty="0"/>
+          </a:p>
+          <a:p>
+            <a:r>
+              <a:rPr lang="en-US" sz="1400" b="1" dirty="0"/>
               <a:t>Suggestions:</a:t>
             </a:r>
           </a:p>
           <a:p>
-            <a:endParaRPr lang="en-US" b="1" dirty="0"/>
+            <a:endParaRPr lang="en-US" sz="1400" b="1" dirty="0"/>
           </a:p>
           <a:p>
             <a:pPr marL="342900" indent="-342900">
@@ -12112,7 +12667,7 @@
               <a:buAutoNum type="arabicPeriod"/>
             </a:pPr>
             <a:r>
-              <a:rPr lang="en-US" dirty="0"/>
+              <a:rPr lang="en-US" sz="1400" dirty="0"/>
               <a:t> Focus on retaining customers in the 90–120 days range with rewards or offers.</a:t>
             </a:r>
           </a:p>
@@ -12122,7 +12677,7 @@
               <a:buAutoNum type="arabicPeriod"/>
             </a:pPr>
             <a:r>
-              <a:rPr lang="en-US" dirty="0"/>
+              <a:rPr lang="en-US" sz="1400" dirty="0"/>
               <a:t> Improve onboarding to engage new customers in the 0–30 days range.</a:t>
             </a:r>
           </a:p>
@@ -12132,12 +12687,689 @@
               <a:buAutoNum type="arabicPeriod"/>
             </a:pPr>
             <a:r>
+              <a:rPr lang="en-US" sz="1400" dirty="0"/>
+              <a:t> Reward long-tenure customers (180+ da</a:t>
+            </a:r>
+            <a:r>
               <a:rPr lang="en-US" dirty="0"/>
-              <a:t> Reward long-tenure customers (180+ days) with loyalty benefits to retain them.</a:t>
-            </a:r>
+              <a:t>ys) with loyalty benefits to retain them.</a:t>
+            </a:r>
+          </a:p>
+          <a:p>
+            <a:endParaRPr lang="en-US" dirty="0"/>
+          </a:p>
+          <a:p>
+            <a:r>
+              <a:rPr lang="en-US" sz="1400" dirty="0"/>
+              <a:t>Syntax:</a:t>
+            </a:r>
+          </a:p>
+          <a:p>
+            <a:endParaRPr lang="en-US" sz="1400" dirty="0"/>
+          </a:p>
+          <a:p>
+            <a:pPr>
+              <a:lnSpc>
+                <a:spcPts val="1425"/>
+              </a:lnSpc>
+              <a:buNone/>
+            </a:pPr>
+            <a:r>
+              <a:rPr lang="en-IN" sz="1400" b="0" dirty="0" err="1">
+                <a:solidFill>
+                  <a:srgbClr val="4EC9B0"/>
+                </a:solidFill>
+                <a:effectLst/>
+                <a:latin typeface="Consolas" panose="020B0609020204030204" pitchFamily="49" charset="0"/>
+              </a:rPr>
+              <a:t>plt</a:t>
+            </a:r>
+            <a:r>
+              <a:rPr lang="en-IN" sz="1400" b="0" dirty="0" err="1">
+                <a:solidFill>
+                  <a:srgbClr val="CCCCCC"/>
+                </a:solidFill>
+                <a:effectLst/>
+                <a:latin typeface="Consolas" panose="020B0609020204030204" pitchFamily="49" charset="0"/>
+              </a:rPr>
+              <a:t>.</a:t>
+            </a:r>
+            <a:r>
+              <a:rPr lang="en-IN" sz="1400" b="0" dirty="0" err="1">
+                <a:solidFill>
+                  <a:srgbClr val="DCDCAA"/>
+                </a:solidFill>
+                <a:effectLst/>
+                <a:latin typeface="Consolas" panose="020B0609020204030204" pitchFamily="49" charset="0"/>
+              </a:rPr>
+              <a:t>figure</a:t>
+            </a:r>
+            <a:r>
+              <a:rPr lang="en-IN" sz="1400" b="0" dirty="0">
+                <a:solidFill>
+                  <a:srgbClr val="CCCCCC"/>
+                </a:solidFill>
+                <a:effectLst/>
+                <a:latin typeface="Consolas" panose="020B0609020204030204" pitchFamily="49" charset="0"/>
+              </a:rPr>
+              <a:t>(</a:t>
+            </a:r>
+            <a:r>
+              <a:rPr lang="en-IN" sz="1400" b="0" dirty="0" err="1">
+                <a:solidFill>
+                  <a:srgbClr val="9CDCFE"/>
+                </a:solidFill>
+                <a:effectLst/>
+                <a:latin typeface="Consolas" panose="020B0609020204030204" pitchFamily="49" charset="0"/>
+              </a:rPr>
+              <a:t>figsize</a:t>
+            </a:r>
+            <a:r>
+              <a:rPr lang="en-IN" sz="1400" b="0" dirty="0">
+                <a:solidFill>
+                  <a:srgbClr val="D4D4D4"/>
+                </a:solidFill>
+                <a:effectLst/>
+                <a:latin typeface="Consolas" panose="020B0609020204030204" pitchFamily="49" charset="0"/>
+              </a:rPr>
+              <a:t>=</a:t>
+            </a:r>
+            <a:r>
+              <a:rPr lang="en-IN" sz="1400" b="0" dirty="0">
+                <a:solidFill>
+                  <a:srgbClr val="CCCCCC"/>
+                </a:solidFill>
+                <a:effectLst/>
+                <a:latin typeface="Consolas" panose="020B0609020204030204" pitchFamily="49" charset="0"/>
+              </a:rPr>
+              <a:t>(</a:t>
+            </a:r>
+            <a:r>
+              <a:rPr lang="en-IN" sz="1400" b="0" dirty="0">
+                <a:solidFill>
+                  <a:srgbClr val="B5CEA8"/>
+                </a:solidFill>
+                <a:effectLst/>
+                <a:latin typeface="Consolas" panose="020B0609020204030204" pitchFamily="49" charset="0"/>
+              </a:rPr>
+              <a:t>8</a:t>
+            </a:r>
+            <a:r>
+              <a:rPr lang="en-IN" sz="1400" b="0" dirty="0">
+                <a:solidFill>
+                  <a:srgbClr val="CCCCCC"/>
+                </a:solidFill>
+                <a:effectLst/>
+                <a:latin typeface="Consolas" panose="020B0609020204030204" pitchFamily="49" charset="0"/>
+              </a:rPr>
+              <a:t>, </a:t>
+            </a:r>
+            <a:r>
+              <a:rPr lang="en-IN" sz="1400" b="0" dirty="0">
+                <a:solidFill>
+                  <a:srgbClr val="B5CEA8"/>
+                </a:solidFill>
+                <a:effectLst/>
+                <a:latin typeface="Consolas" panose="020B0609020204030204" pitchFamily="49" charset="0"/>
+              </a:rPr>
+              <a:t>5</a:t>
+            </a:r>
+            <a:r>
+              <a:rPr lang="en-IN" sz="1400" b="0" dirty="0">
+                <a:solidFill>
+                  <a:srgbClr val="CCCCCC"/>
+                </a:solidFill>
+                <a:effectLst/>
+                <a:latin typeface="Consolas" panose="020B0609020204030204" pitchFamily="49" charset="0"/>
+              </a:rPr>
+              <a:t>))</a:t>
+            </a:r>
+          </a:p>
+          <a:p>
+            <a:pPr>
+              <a:lnSpc>
+                <a:spcPts val="1425"/>
+              </a:lnSpc>
+              <a:buNone/>
+            </a:pPr>
+            <a:r>
+              <a:rPr lang="en-IN" sz="1400" b="0" dirty="0" err="1">
+                <a:solidFill>
+                  <a:srgbClr val="4EC9B0"/>
+                </a:solidFill>
+                <a:effectLst/>
+                <a:latin typeface="Consolas" panose="020B0609020204030204" pitchFamily="49" charset="0"/>
+              </a:rPr>
+              <a:t>sns</a:t>
+            </a:r>
+            <a:r>
+              <a:rPr lang="en-IN" sz="1400" b="0" dirty="0" err="1">
+                <a:solidFill>
+                  <a:srgbClr val="CCCCCC"/>
+                </a:solidFill>
+                <a:effectLst/>
+                <a:latin typeface="Consolas" panose="020B0609020204030204" pitchFamily="49" charset="0"/>
+              </a:rPr>
+              <a:t>.</a:t>
+            </a:r>
+            <a:r>
+              <a:rPr lang="en-IN" sz="1400" b="0" dirty="0" err="1">
+                <a:solidFill>
+                  <a:srgbClr val="DCDCAA"/>
+                </a:solidFill>
+                <a:effectLst/>
+                <a:latin typeface="Consolas" panose="020B0609020204030204" pitchFamily="49" charset="0"/>
+              </a:rPr>
+              <a:t>histplot</a:t>
+            </a:r>
+            <a:r>
+              <a:rPr lang="en-IN" sz="1400" b="0" dirty="0">
+                <a:solidFill>
+                  <a:srgbClr val="CCCCCC"/>
+                </a:solidFill>
+                <a:effectLst/>
+                <a:latin typeface="Consolas" panose="020B0609020204030204" pitchFamily="49" charset="0"/>
+              </a:rPr>
+              <a:t>(</a:t>
+            </a:r>
+            <a:r>
+              <a:rPr lang="en-IN" sz="1400" b="0" dirty="0" err="1">
+                <a:solidFill>
+                  <a:srgbClr val="9CDCFE"/>
+                </a:solidFill>
+                <a:effectLst/>
+                <a:latin typeface="Consolas" panose="020B0609020204030204" pitchFamily="49" charset="0"/>
+              </a:rPr>
+              <a:t>df</a:t>
+            </a:r>
+            <a:r>
+              <a:rPr lang="en-IN" sz="1400" b="0" dirty="0">
+                <a:solidFill>
+                  <a:srgbClr val="CCCCCC"/>
+                </a:solidFill>
+                <a:effectLst/>
+                <a:latin typeface="Consolas" panose="020B0609020204030204" pitchFamily="49" charset="0"/>
+              </a:rPr>
+              <a:t>[</a:t>
+            </a:r>
+            <a:r>
+              <a:rPr lang="en-IN" sz="1400" b="0" dirty="0">
+                <a:solidFill>
+                  <a:srgbClr val="CE9178"/>
+                </a:solidFill>
+                <a:effectLst/>
+                <a:latin typeface="Consolas" panose="020B0609020204030204" pitchFamily="49" charset="0"/>
+              </a:rPr>
+              <a:t>"Account length"</a:t>
+            </a:r>
+            <a:r>
+              <a:rPr lang="en-IN" sz="1400" b="0" dirty="0">
+                <a:solidFill>
+                  <a:srgbClr val="CCCCCC"/>
+                </a:solidFill>
+                <a:effectLst/>
+                <a:latin typeface="Consolas" panose="020B0609020204030204" pitchFamily="49" charset="0"/>
+              </a:rPr>
+              <a:t>], </a:t>
+            </a:r>
+            <a:r>
+              <a:rPr lang="en-IN" sz="1400" b="0" dirty="0">
+                <a:solidFill>
+                  <a:srgbClr val="9CDCFE"/>
+                </a:solidFill>
+                <a:effectLst/>
+                <a:latin typeface="Consolas" panose="020B0609020204030204" pitchFamily="49" charset="0"/>
+              </a:rPr>
+              <a:t>bins</a:t>
+            </a:r>
+            <a:r>
+              <a:rPr lang="en-IN" sz="1400" b="0" dirty="0">
+                <a:solidFill>
+                  <a:srgbClr val="D4D4D4"/>
+                </a:solidFill>
+                <a:effectLst/>
+                <a:latin typeface="Consolas" panose="020B0609020204030204" pitchFamily="49" charset="0"/>
+              </a:rPr>
+              <a:t>=</a:t>
+            </a:r>
+            <a:r>
+              <a:rPr lang="en-IN" sz="1400" b="0" dirty="0">
+                <a:solidFill>
+                  <a:srgbClr val="B5CEA8"/>
+                </a:solidFill>
+                <a:effectLst/>
+                <a:latin typeface="Consolas" panose="020B0609020204030204" pitchFamily="49" charset="0"/>
+              </a:rPr>
+              <a:t>30</a:t>
+            </a:r>
+            <a:r>
+              <a:rPr lang="en-IN" sz="1400" b="0" dirty="0">
+                <a:solidFill>
+                  <a:srgbClr val="CCCCCC"/>
+                </a:solidFill>
+                <a:effectLst/>
+                <a:latin typeface="Consolas" panose="020B0609020204030204" pitchFamily="49" charset="0"/>
+              </a:rPr>
+              <a:t>, </a:t>
+            </a:r>
+            <a:r>
+              <a:rPr lang="en-IN" sz="1400" b="0" dirty="0" err="1">
+                <a:solidFill>
+                  <a:srgbClr val="9CDCFE"/>
+                </a:solidFill>
+                <a:effectLst/>
+                <a:latin typeface="Consolas" panose="020B0609020204030204" pitchFamily="49" charset="0"/>
+              </a:rPr>
+              <a:t>kde</a:t>
+            </a:r>
+            <a:r>
+              <a:rPr lang="en-IN" sz="1400" b="0" dirty="0">
+                <a:solidFill>
+                  <a:srgbClr val="D4D4D4"/>
+                </a:solidFill>
+                <a:effectLst/>
+                <a:latin typeface="Consolas" panose="020B0609020204030204" pitchFamily="49" charset="0"/>
+              </a:rPr>
+              <a:t>=</a:t>
+            </a:r>
+            <a:r>
+              <a:rPr lang="en-IN" sz="1400" b="0" dirty="0">
+                <a:solidFill>
+                  <a:srgbClr val="569CD6"/>
+                </a:solidFill>
+                <a:effectLst/>
+                <a:latin typeface="Consolas" panose="020B0609020204030204" pitchFamily="49" charset="0"/>
+              </a:rPr>
+              <a:t>True</a:t>
+            </a:r>
+            <a:r>
+              <a:rPr lang="en-IN" sz="1400" b="0" dirty="0">
+                <a:solidFill>
+                  <a:srgbClr val="CCCCCC"/>
+                </a:solidFill>
+                <a:effectLst/>
+                <a:latin typeface="Consolas" panose="020B0609020204030204" pitchFamily="49" charset="0"/>
+              </a:rPr>
+              <a:t>, </a:t>
+            </a:r>
+            <a:r>
+              <a:rPr lang="en-IN" sz="1400" b="0" dirty="0" err="1">
+                <a:solidFill>
+                  <a:srgbClr val="9CDCFE"/>
+                </a:solidFill>
+                <a:effectLst/>
+                <a:latin typeface="Consolas" panose="020B0609020204030204" pitchFamily="49" charset="0"/>
+              </a:rPr>
+              <a:t>color</a:t>
+            </a:r>
+            <a:r>
+              <a:rPr lang="en-IN" sz="1400" b="0" dirty="0">
+                <a:solidFill>
+                  <a:srgbClr val="D4D4D4"/>
+                </a:solidFill>
+                <a:effectLst/>
+                <a:latin typeface="Consolas" panose="020B0609020204030204" pitchFamily="49" charset="0"/>
+              </a:rPr>
+              <a:t>=</a:t>
+            </a:r>
+            <a:r>
+              <a:rPr lang="en-IN" sz="1400" b="0" dirty="0">
+                <a:solidFill>
+                  <a:srgbClr val="CE9178"/>
+                </a:solidFill>
+                <a:effectLst/>
+                <a:latin typeface="Consolas" panose="020B0609020204030204" pitchFamily="49" charset="0"/>
+              </a:rPr>
+              <a:t>'green'</a:t>
+            </a:r>
+            <a:r>
+              <a:rPr lang="en-IN" sz="1400" b="0" dirty="0">
+                <a:solidFill>
+                  <a:srgbClr val="CCCCCC"/>
+                </a:solidFill>
+                <a:effectLst/>
+                <a:latin typeface="Consolas" panose="020B0609020204030204" pitchFamily="49" charset="0"/>
+              </a:rPr>
+              <a:t>)</a:t>
+            </a:r>
+          </a:p>
+          <a:p>
+            <a:pPr>
+              <a:lnSpc>
+                <a:spcPts val="1425"/>
+              </a:lnSpc>
+              <a:buNone/>
+            </a:pPr>
+            <a:r>
+              <a:rPr lang="en-IN" sz="1400" b="0" dirty="0" err="1">
+                <a:solidFill>
+                  <a:srgbClr val="4EC9B0"/>
+                </a:solidFill>
+                <a:effectLst/>
+                <a:latin typeface="Consolas" panose="020B0609020204030204" pitchFamily="49" charset="0"/>
+              </a:rPr>
+              <a:t>plt</a:t>
+            </a:r>
+            <a:r>
+              <a:rPr lang="en-IN" sz="1400" b="0" dirty="0" err="1">
+                <a:solidFill>
+                  <a:srgbClr val="CCCCCC"/>
+                </a:solidFill>
+                <a:effectLst/>
+                <a:latin typeface="Consolas" panose="020B0609020204030204" pitchFamily="49" charset="0"/>
+              </a:rPr>
+              <a:t>.</a:t>
+            </a:r>
+            <a:r>
+              <a:rPr lang="en-IN" sz="1400" b="0" dirty="0" err="1">
+                <a:solidFill>
+                  <a:srgbClr val="DCDCAA"/>
+                </a:solidFill>
+                <a:effectLst/>
+                <a:latin typeface="Consolas" panose="020B0609020204030204" pitchFamily="49" charset="0"/>
+              </a:rPr>
+              <a:t>title</a:t>
+            </a:r>
+            <a:r>
+              <a:rPr lang="en-IN" sz="1400" b="0" dirty="0">
+                <a:solidFill>
+                  <a:srgbClr val="CCCCCC"/>
+                </a:solidFill>
+                <a:effectLst/>
+                <a:latin typeface="Consolas" panose="020B0609020204030204" pitchFamily="49" charset="0"/>
+              </a:rPr>
+              <a:t>(</a:t>
+            </a:r>
+            <a:r>
+              <a:rPr lang="en-IN" sz="1400" b="0" dirty="0">
+                <a:solidFill>
+                  <a:srgbClr val="CE9178"/>
+                </a:solidFill>
+                <a:effectLst/>
+                <a:latin typeface="Consolas" panose="020B0609020204030204" pitchFamily="49" charset="0"/>
+              </a:rPr>
+              <a:t>"Distribution of Customer Tenure (Account Length)"</a:t>
+            </a:r>
+            <a:r>
+              <a:rPr lang="en-IN" sz="1400" b="0" dirty="0">
+                <a:solidFill>
+                  <a:srgbClr val="CCCCCC"/>
+                </a:solidFill>
+                <a:effectLst/>
+                <a:latin typeface="Consolas" panose="020B0609020204030204" pitchFamily="49" charset="0"/>
+              </a:rPr>
+              <a:t>)</a:t>
+            </a:r>
+          </a:p>
+          <a:p>
+            <a:pPr>
+              <a:lnSpc>
+                <a:spcPts val="1425"/>
+              </a:lnSpc>
+              <a:buNone/>
+            </a:pPr>
+            <a:r>
+              <a:rPr lang="en-IN" sz="1400" b="0" dirty="0" err="1">
+                <a:solidFill>
+                  <a:srgbClr val="4EC9B0"/>
+                </a:solidFill>
+                <a:effectLst/>
+                <a:latin typeface="Consolas" panose="020B0609020204030204" pitchFamily="49" charset="0"/>
+              </a:rPr>
+              <a:t>plt</a:t>
+            </a:r>
+            <a:r>
+              <a:rPr lang="en-IN" sz="1400" b="0" dirty="0" err="1">
+                <a:solidFill>
+                  <a:srgbClr val="CCCCCC"/>
+                </a:solidFill>
+                <a:effectLst/>
+                <a:latin typeface="Consolas" panose="020B0609020204030204" pitchFamily="49" charset="0"/>
+              </a:rPr>
+              <a:t>.</a:t>
+            </a:r>
+            <a:r>
+              <a:rPr lang="en-IN" sz="1400" b="0" dirty="0" err="1">
+                <a:solidFill>
+                  <a:srgbClr val="DCDCAA"/>
+                </a:solidFill>
+                <a:effectLst/>
+                <a:latin typeface="Consolas" panose="020B0609020204030204" pitchFamily="49" charset="0"/>
+              </a:rPr>
+              <a:t>xlabel</a:t>
+            </a:r>
+            <a:r>
+              <a:rPr lang="en-IN" sz="1400" b="0" dirty="0">
+                <a:solidFill>
+                  <a:srgbClr val="CCCCCC"/>
+                </a:solidFill>
+                <a:effectLst/>
+                <a:latin typeface="Consolas" panose="020B0609020204030204" pitchFamily="49" charset="0"/>
+              </a:rPr>
+              <a:t>(</a:t>
+            </a:r>
+            <a:r>
+              <a:rPr lang="en-IN" sz="1400" b="0" dirty="0">
+                <a:solidFill>
+                  <a:srgbClr val="CE9178"/>
+                </a:solidFill>
+                <a:effectLst/>
+                <a:latin typeface="Consolas" panose="020B0609020204030204" pitchFamily="49" charset="0"/>
+              </a:rPr>
+              <a:t>"Account Length"</a:t>
+            </a:r>
+            <a:r>
+              <a:rPr lang="en-IN" sz="1400" b="0" dirty="0">
+                <a:solidFill>
+                  <a:srgbClr val="CCCCCC"/>
+                </a:solidFill>
+                <a:effectLst/>
+                <a:latin typeface="Consolas" panose="020B0609020204030204" pitchFamily="49" charset="0"/>
+              </a:rPr>
+              <a:t>)</a:t>
+            </a:r>
+          </a:p>
+          <a:p>
+            <a:pPr>
+              <a:lnSpc>
+                <a:spcPts val="1425"/>
+              </a:lnSpc>
+              <a:buNone/>
+            </a:pPr>
+            <a:r>
+              <a:rPr lang="en-IN" sz="1400" b="0" dirty="0" err="1">
+                <a:solidFill>
+                  <a:srgbClr val="4EC9B0"/>
+                </a:solidFill>
+                <a:effectLst/>
+                <a:latin typeface="Consolas" panose="020B0609020204030204" pitchFamily="49" charset="0"/>
+              </a:rPr>
+              <a:t>plt</a:t>
+            </a:r>
+            <a:r>
+              <a:rPr lang="en-IN" sz="1400" b="0" dirty="0" err="1">
+                <a:solidFill>
+                  <a:srgbClr val="CCCCCC"/>
+                </a:solidFill>
+                <a:effectLst/>
+                <a:latin typeface="Consolas" panose="020B0609020204030204" pitchFamily="49" charset="0"/>
+              </a:rPr>
+              <a:t>.</a:t>
+            </a:r>
+            <a:r>
+              <a:rPr lang="en-IN" sz="1400" b="0" dirty="0" err="1">
+                <a:solidFill>
+                  <a:srgbClr val="DCDCAA"/>
+                </a:solidFill>
+                <a:effectLst/>
+                <a:latin typeface="Consolas" panose="020B0609020204030204" pitchFamily="49" charset="0"/>
+              </a:rPr>
+              <a:t>ylabel</a:t>
+            </a:r>
+            <a:r>
+              <a:rPr lang="en-IN" sz="1400" b="0" dirty="0">
+                <a:solidFill>
+                  <a:srgbClr val="CCCCCC"/>
+                </a:solidFill>
+                <a:effectLst/>
+                <a:latin typeface="Consolas" panose="020B0609020204030204" pitchFamily="49" charset="0"/>
+              </a:rPr>
+              <a:t>(</a:t>
+            </a:r>
+            <a:r>
+              <a:rPr lang="en-IN" sz="1400" b="0" dirty="0">
+                <a:solidFill>
+                  <a:srgbClr val="CE9178"/>
+                </a:solidFill>
+                <a:effectLst/>
+                <a:latin typeface="Consolas" panose="020B0609020204030204" pitchFamily="49" charset="0"/>
+              </a:rPr>
+              <a:t>"Count"</a:t>
+            </a:r>
+            <a:r>
+              <a:rPr lang="en-IN" sz="1400" b="0" dirty="0">
+                <a:solidFill>
+                  <a:srgbClr val="CCCCCC"/>
+                </a:solidFill>
+                <a:effectLst/>
+                <a:latin typeface="Consolas" panose="020B0609020204030204" pitchFamily="49" charset="0"/>
+              </a:rPr>
+              <a:t>)</a:t>
+            </a:r>
+          </a:p>
+          <a:p>
+            <a:pPr>
+              <a:lnSpc>
+                <a:spcPts val="1425"/>
+              </a:lnSpc>
+              <a:buNone/>
+            </a:pPr>
+            <a:r>
+              <a:rPr lang="en-IN" sz="1400" b="0" dirty="0" err="1">
+                <a:solidFill>
+                  <a:srgbClr val="4EC9B0"/>
+                </a:solidFill>
+                <a:effectLst/>
+                <a:latin typeface="Consolas" panose="020B0609020204030204" pitchFamily="49" charset="0"/>
+              </a:rPr>
+              <a:t>plt</a:t>
+            </a:r>
+            <a:r>
+              <a:rPr lang="en-IN" sz="1400" b="0" dirty="0" err="1">
+                <a:solidFill>
+                  <a:srgbClr val="CCCCCC"/>
+                </a:solidFill>
+                <a:effectLst/>
+                <a:latin typeface="Consolas" panose="020B0609020204030204" pitchFamily="49" charset="0"/>
+              </a:rPr>
+              <a:t>.</a:t>
+            </a:r>
+            <a:r>
+              <a:rPr lang="en-IN" sz="1400" b="0" dirty="0" err="1">
+                <a:solidFill>
+                  <a:srgbClr val="DCDCAA"/>
+                </a:solidFill>
+                <a:effectLst/>
+                <a:latin typeface="Consolas" panose="020B0609020204030204" pitchFamily="49" charset="0"/>
+              </a:rPr>
+              <a:t>tight_layout</a:t>
+            </a:r>
+            <a:r>
+              <a:rPr lang="en-IN" sz="1400" b="0" dirty="0">
+                <a:solidFill>
+                  <a:srgbClr val="CCCCCC"/>
+                </a:solidFill>
+                <a:effectLst/>
+                <a:latin typeface="Consolas" panose="020B0609020204030204" pitchFamily="49" charset="0"/>
+              </a:rPr>
+              <a:t>()</a:t>
+            </a:r>
+          </a:p>
+          <a:p>
+            <a:pPr>
+              <a:lnSpc>
+                <a:spcPts val="1425"/>
+              </a:lnSpc>
+            </a:pPr>
+            <a:r>
+              <a:rPr lang="en-IN" sz="1400" b="0" dirty="0" err="1">
+                <a:solidFill>
+                  <a:srgbClr val="4EC9B0"/>
+                </a:solidFill>
+                <a:effectLst/>
+                <a:latin typeface="Consolas" panose="020B0609020204030204" pitchFamily="49" charset="0"/>
+              </a:rPr>
+              <a:t>plt</a:t>
+            </a:r>
+            <a:r>
+              <a:rPr lang="en-IN" sz="1400" b="0" dirty="0" err="1">
+                <a:solidFill>
+                  <a:srgbClr val="CCCCCC"/>
+                </a:solidFill>
+                <a:effectLst/>
+                <a:latin typeface="Consolas" panose="020B0609020204030204" pitchFamily="49" charset="0"/>
+              </a:rPr>
+              <a:t>.</a:t>
+            </a:r>
+            <a:r>
+              <a:rPr lang="en-IN" sz="1400" b="0" dirty="0" err="1">
+                <a:solidFill>
+                  <a:srgbClr val="DCDCAA"/>
+                </a:solidFill>
+                <a:effectLst/>
+                <a:latin typeface="Consolas" panose="020B0609020204030204" pitchFamily="49" charset="0"/>
+              </a:rPr>
+              <a:t>show</a:t>
+            </a:r>
+            <a:r>
+              <a:rPr lang="en-IN" sz="1400" b="0" dirty="0">
+                <a:solidFill>
+                  <a:srgbClr val="CCCCCC"/>
+                </a:solidFill>
+                <a:effectLst/>
+                <a:latin typeface="Consolas" panose="020B0609020204030204" pitchFamily="49" charset="0"/>
+              </a:rPr>
+              <a:t>()</a:t>
+            </a:r>
+          </a:p>
+          <a:p>
+            <a:endParaRPr lang="en-US" dirty="0"/>
+          </a:p>
+          <a:p>
+            <a:endParaRPr lang="en-US" dirty="0"/>
           </a:p>
         </p:txBody>
       </p:sp>
+      <p:pic>
+        <p:nvPicPr>
+          <p:cNvPr id="4" name="Picture 3">
+            <a:extLst>
+              <a:ext uri="{FF2B5EF4-FFF2-40B4-BE49-F238E27FC236}">
+                <a16:creationId xmlns:a16="http://schemas.microsoft.com/office/drawing/2014/main" id="{9D984532-4EFE-0E94-67BF-497F00A406F2}"/>
+              </a:ext>
+            </a:extLst>
+          </p:cNvPr>
+          <p:cNvPicPr>
+            <a:picLocks noChangeAspect="1"/>
+          </p:cNvPicPr>
+          <p:nvPr/>
+        </p:nvPicPr>
+        <p:blipFill>
+          <a:blip r:embed="rId2"/>
+          <a:stretch>
+            <a:fillRect/>
+          </a:stretch>
+        </p:blipFill>
+        <p:spPr>
+          <a:xfrm>
+            <a:off x="265176" y="1211835"/>
+            <a:ext cx="4919472" cy="3890518"/>
+          </a:xfrm>
+          <a:prstGeom prst="rect">
+            <a:avLst/>
+          </a:prstGeom>
+        </p:spPr>
+      </p:pic>
     </p:spTree>
     <p:extLst>
       <p:ext uri="{BB962C8B-B14F-4D97-AF65-F5344CB8AC3E}">
@@ -12174,36 +13406,6 @@
           <a:chExt cx="0" cy="0"/>
         </a:xfrm>
       </p:grpSpPr>
-      <p:pic>
-        <p:nvPicPr>
-          <p:cNvPr id="8" name="Picture 7">
-            <a:extLst>
-              <a:ext uri="{FF2B5EF4-FFF2-40B4-BE49-F238E27FC236}">
-                <a16:creationId xmlns:a16="http://schemas.microsoft.com/office/drawing/2014/main" id="{EF7B5E6B-463C-6034-6E75-F88152516E75}"/>
-              </a:ext>
-            </a:extLst>
-          </p:cNvPr>
-          <p:cNvPicPr>
-            <a:picLocks noChangeAspect="1"/>
-          </p:cNvPicPr>
-          <p:nvPr/>
-        </p:nvPicPr>
-        <p:blipFill>
-          <a:blip r:embed="rId2"/>
-          <a:stretch>
-            <a:fillRect/>
-          </a:stretch>
-        </p:blipFill>
-        <p:spPr>
-          <a:xfrm>
-            <a:off x="180652" y="932756"/>
-            <a:ext cx="5027046" cy="4042367"/>
-          </a:xfrm>
-          <a:prstGeom prst="rect">
-            <a:avLst/>
-          </a:prstGeom>
-        </p:spPr>
-      </p:pic>
       <p:sp>
         <p:nvSpPr>
           <p:cNvPr id="9" name="Google Shape;170;p5">
@@ -12279,8 +13481,8 @@
         </p:nvSpPr>
         <p:spPr>
           <a:xfrm>
-            <a:off x="5313091" y="1004805"/>
-            <a:ext cx="6878909" cy="4801314"/>
+            <a:off x="5207699" y="722377"/>
+            <a:ext cx="6984302" cy="6406882"/>
           </a:xfrm>
           <a:prstGeom prst="rect">
             <a:avLst/>
@@ -12301,16 +13503,16 @@
           </a:lstStyle>
           <a:p>
             <a:r>
-              <a:rPr lang="en-US" b="1" dirty="0"/>
+              <a:rPr lang="en-US" sz="1400" b="1" dirty="0"/>
               <a:t>Results </a:t>
             </a:r>
             <a:r>
-              <a:rPr lang="en-US" dirty="0"/>
+              <a:rPr lang="en-US" sz="1400" dirty="0"/>
               <a:t>:</a:t>
             </a:r>
           </a:p>
           <a:p>
-            <a:endParaRPr lang="en-US" dirty="0"/>
+            <a:endParaRPr lang="en-US" sz="1400" dirty="0"/>
           </a:p>
           <a:p>
             <a:pPr marL="342900" indent="-342900">
@@ -12318,7 +13520,7 @@
               <a:buAutoNum type="arabicPeriod"/>
             </a:pPr>
             <a:r>
-              <a:rPr lang="en-US" b="0" dirty="0"/>
+              <a:rPr lang="en-US" sz="1400" b="0" dirty="0"/>
               <a:t>Normal Distribution: The charges are normally distributed, with most customers paying around 30.</a:t>
             </a:r>
           </a:p>
@@ -12328,7 +13530,7 @@
               <a:buAutoNum type="arabicPeriod"/>
             </a:pPr>
             <a:r>
-              <a:rPr lang="en-US" b="0" dirty="0"/>
+              <a:rPr lang="en-US" sz="1400" b="0" dirty="0"/>
               <a:t>Frequency: The peak frequency occurs between 20 and 40, indicating a common billing range among subscribers.</a:t>
             </a:r>
           </a:p>
@@ -12338,21 +13540,21 @@
               <a:buAutoNum type="arabicPeriod"/>
             </a:pPr>
             <a:r>
-              <a:rPr lang="en-US" b="0" dirty="0"/>
+              <a:rPr lang="en-US" sz="1400" b="0" dirty="0"/>
               <a:t>Outliers: There are fewer instances of charges exceeding 50, highlighting that very high bills are less common.</a:t>
             </a:r>
           </a:p>
           <a:p>
-            <a:endParaRPr lang="en-US" dirty="0"/>
-          </a:p>
-          <a:p>
-            <a:r>
-              <a:rPr lang="en-US" dirty="0"/>
+            <a:endParaRPr lang="en-US" sz="1400" dirty="0"/>
+          </a:p>
+          <a:p>
+            <a:r>
+              <a:rPr lang="en-US" sz="1400" dirty="0"/>
               <a:t>Suggestions:</a:t>
             </a:r>
           </a:p>
           <a:p>
-            <a:endParaRPr lang="en-US" dirty="0"/>
+            <a:endParaRPr lang="en-US" sz="1400" dirty="0"/>
           </a:p>
           <a:p>
             <a:pPr marL="342900" indent="-342900">
@@ -12360,7 +13562,7 @@
               <a:buAutoNum type="arabicPeriod"/>
             </a:pPr>
             <a:r>
-              <a:rPr lang="en-US" b="0" dirty="0"/>
+              <a:rPr lang="en-US" sz="1400" b="0" dirty="0"/>
               <a:t>Consider reviewing pricing strategies to ensure competitiveness in the most common charge range.</a:t>
             </a:r>
           </a:p>
@@ -12370,15 +13572,990 @@
               <a:buAutoNum type="arabicPeriod"/>
             </a:pPr>
             <a:r>
+              <a:rPr lang="en-US" sz="1400" b="0" dirty="0"/>
+              <a:t>Examine customers with higher charges to identify potential issues or areas for improvement in service plans.</a:t>
+            </a:r>
+          </a:p>
+          <a:p>
+            <a:r>
               <a:rPr lang="en-US" b="0" dirty="0"/>
-              <a:t>Examine customers with higher charges to identify potential issues or areas for improvement in service plans.</a:t>
-            </a:r>
+              <a:t>Syntax:</a:t>
+            </a:r>
+          </a:p>
+          <a:p>
+            <a:endParaRPr lang="en-US" sz="1400" b="0" dirty="0"/>
+          </a:p>
+          <a:p>
+            <a:pPr>
+              <a:lnSpc>
+                <a:spcPts val="1425"/>
+              </a:lnSpc>
+              <a:buNone/>
+            </a:pPr>
+            <a:r>
+              <a:rPr lang="en-IN" sz="1400" b="0" dirty="0" err="1">
+                <a:solidFill>
+                  <a:srgbClr val="9CDCFE"/>
+                </a:solidFill>
+                <a:effectLst/>
+                <a:latin typeface="Consolas" panose="020B0609020204030204" pitchFamily="49" charset="0"/>
+              </a:rPr>
+              <a:t>df</a:t>
+            </a:r>
+            <a:r>
+              <a:rPr lang="en-IN" sz="1400" b="0" dirty="0">
+                <a:solidFill>
+                  <a:srgbClr val="CCCCCC"/>
+                </a:solidFill>
+                <a:effectLst/>
+                <a:latin typeface="Consolas" panose="020B0609020204030204" pitchFamily="49" charset="0"/>
+              </a:rPr>
+              <a:t>[</a:t>
+            </a:r>
+            <a:r>
+              <a:rPr lang="en-IN" sz="1400" b="0" dirty="0">
+                <a:solidFill>
+                  <a:srgbClr val="CE9178"/>
+                </a:solidFill>
+                <a:effectLst/>
+                <a:latin typeface="Consolas" panose="020B0609020204030204" pitchFamily="49" charset="0"/>
+              </a:rPr>
+              <a:t>"Monthly Charges"</a:t>
+            </a:r>
+            <a:r>
+              <a:rPr lang="en-IN" sz="1400" b="0" dirty="0">
+                <a:solidFill>
+                  <a:srgbClr val="CCCCCC"/>
+                </a:solidFill>
+                <a:effectLst/>
+                <a:latin typeface="Consolas" panose="020B0609020204030204" pitchFamily="49" charset="0"/>
+              </a:rPr>
+              <a:t>] </a:t>
+            </a:r>
+            <a:r>
+              <a:rPr lang="en-IN" sz="1400" b="0" dirty="0">
+                <a:solidFill>
+                  <a:srgbClr val="D4D4D4"/>
+                </a:solidFill>
+                <a:effectLst/>
+                <a:latin typeface="Consolas" panose="020B0609020204030204" pitchFamily="49" charset="0"/>
+              </a:rPr>
+              <a:t>=</a:t>
+            </a:r>
+            <a:r>
+              <a:rPr lang="en-IN" sz="1400" b="0" dirty="0">
+                <a:solidFill>
+                  <a:srgbClr val="CCCCCC"/>
+                </a:solidFill>
+                <a:effectLst/>
+                <a:latin typeface="Consolas" panose="020B0609020204030204" pitchFamily="49" charset="0"/>
+              </a:rPr>
+              <a:t> </a:t>
+            </a:r>
+            <a:r>
+              <a:rPr lang="en-IN" sz="1400" b="0" dirty="0" err="1">
+                <a:solidFill>
+                  <a:srgbClr val="9CDCFE"/>
+                </a:solidFill>
+                <a:effectLst/>
+                <a:latin typeface="Consolas" panose="020B0609020204030204" pitchFamily="49" charset="0"/>
+              </a:rPr>
+              <a:t>df</a:t>
+            </a:r>
+            <a:r>
+              <a:rPr lang="en-IN" sz="1400" b="0" dirty="0">
+                <a:solidFill>
+                  <a:srgbClr val="CCCCCC"/>
+                </a:solidFill>
+                <a:effectLst/>
+                <a:latin typeface="Consolas" panose="020B0609020204030204" pitchFamily="49" charset="0"/>
+              </a:rPr>
+              <a:t>[</a:t>
+            </a:r>
+            <a:r>
+              <a:rPr lang="en-IN" sz="1400" b="0" dirty="0">
+                <a:solidFill>
+                  <a:srgbClr val="CE9178"/>
+                </a:solidFill>
+                <a:effectLst/>
+                <a:latin typeface="Consolas" panose="020B0609020204030204" pitchFamily="49" charset="0"/>
+              </a:rPr>
+              <a:t>"Total day charge"</a:t>
+            </a:r>
+            <a:r>
+              <a:rPr lang="en-IN" sz="1400" b="0" dirty="0">
+                <a:solidFill>
+                  <a:srgbClr val="CCCCCC"/>
+                </a:solidFill>
+                <a:effectLst/>
+                <a:latin typeface="Consolas" panose="020B0609020204030204" pitchFamily="49" charset="0"/>
+              </a:rPr>
+              <a:t>] </a:t>
+            </a:r>
+            <a:r>
+              <a:rPr lang="en-IN" sz="1400" b="0" dirty="0">
+                <a:solidFill>
+                  <a:srgbClr val="DCDCAA"/>
+                </a:solidFill>
+                <a:effectLst/>
+                <a:latin typeface="Consolas" panose="020B0609020204030204" pitchFamily="49" charset="0"/>
+              </a:rPr>
+              <a:t>+</a:t>
+            </a:r>
+            <a:r>
+              <a:rPr lang="en-IN" sz="1400" b="0" dirty="0">
+                <a:solidFill>
+                  <a:srgbClr val="CCCCCC"/>
+                </a:solidFill>
+                <a:effectLst/>
+                <a:latin typeface="Consolas" panose="020B0609020204030204" pitchFamily="49" charset="0"/>
+              </a:rPr>
+              <a:t> </a:t>
+            </a:r>
+            <a:r>
+              <a:rPr lang="en-IN" sz="1400" b="0" dirty="0" err="1">
+                <a:solidFill>
+                  <a:srgbClr val="9CDCFE"/>
+                </a:solidFill>
+                <a:effectLst/>
+                <a:latin typeface="Consolas" panose="020B0609020204030204" pitchFamily="49" charset="0"/>
+              </a:rPr>
+              <a:t>df</a:t>
+            </a:r>
+            <a:r>
+              <a:rPr lang="en-IN" sz="1400" b="0" dirty="0">
+                <a:solidFill>
+                  <a:srgbClr val="CCCCCC"/>
+                </a:solidFill>
+                <a:effectLst/>
+                <a:latin typeface="Consolas" panose="020B0609020204030204" pitchFamily="49" charset="0"/>
+              </a:rPr>
+              <a:t>[</a:t>
+            </a:r>
+            <a:r>
+              <a:rPr lang="en-IN" sz="1400" b="0" dirty="0">
+                <a:solidFill>
+                  <a:srgbClr val="CE9178"/>
+                </a:solidFill>
+                <a:effectLst/>
+                <a:latin typeface="Consolas" panose="020B0609020204030204" pitchFamily="49" charset="0"/>
+              </a:rPr>
+              <a:t>"Total eve charge"</a:t>
+            </a:r>
+            <a:r>
+              <a:rPr lang="en-IN" sz="1400" b="0" dirty="0">
+                <a:solidFill>
+                  <a:srgbClr val="CCCCCC"/>
+                </a:solidFill>
+                <a:effectLst/>
+                <a:latin typeface="Consolas" panose="020B0609020204030204" pitchFamily="49" charset="0"/>
+              </a:rPr>
+              <a:t>] </a:t>
+            </a:r>
+            <a:r>
+              <a:rPr lang="en-IN" sz="1400" b="0" dirty="0">
+                <a:solidFill>
+                  <a:srgbClr val="DCDCAA"/>
+                </a:solidFill>
+                <a:effectLst/>
+                <a:latin typeface="Consolas" panose="020B0609020204030204" pitchFamily="49" charset="0"/>
+              </a:rPr>
+              <a:t>+</a:t>
+            </a:r>
+            <a:r>
+              <a:rPr lang="en-IN" sz="1400" b="0" dirty="0">
+                <a:solidFill>
+                  <a:srgbClr val="CCCCCC"/>
+                </a:solidFill>
+                <a:effectLst/>
+                <a:latin typeface="Consolas" panose="020B0609020204030204" pitchFamily="49" charset="0"/>
+              </a:rPr>
+              <a:t> </a:t>
+            </a:r>
+            <a:r>
+              <a:rPr lang="en-IN" sz="1400" b="0" dirty="0" err="1">
+                <a:solidFill>
+                  <a:srgbClr val="9CDCFE"/>
+                </a:solidFill>
+                <a:effectLst/>
+                <a:latin typeface="Consolas" panose="020B0609020204030204" pitchFamily="49" charset="0"/>
+              </a:rPr>
+              <a:t>df</a:t>
+            </a:r>
+            <a:r>
+              <a:rPr lang="en-IN" sz="1400" b="0" dirty="0">
+                <a:solidFill>
+                  <a:srgbClr val="CCCCCC"/>
+                </a:solidFill>
+                <a:effectLst/>
+                <a:latin typeface="Consolas" panose="020B0609020204030204" pitchFamily="49" charset="0"/>
+              </a:rPr>
+              <a:t>[</a:t>
+            </a:r>
+            <a:r>
+              <a:rPr lang="en-IN" sz="1400" b="0" dirty="0">
+                <a:solidFill>
+                  <a:srgbClr val="CE9178"/>
+                </a:solidFill>
+                <a:effectLst/>
+                <a:latin typeface="Consolas" panose="020B0609020204030204" pitchFamily="49" charset="0"/>
+              </a:rPr>
+              <a:t>"Total night charge"</a:t>
+            </a:r>
+            <a:r>
+              <a:rPr lang="en-IN" sz="1400" b="0" dirty="0">
+                <a:solidFill>
+                  <a:srgbClr val="CCCCCC"/>
+                </a:solidFill>
+                <a:effectLst/>
+                <a:latin typeface="Consolas" panose="020B0609020204030204" pitchFamily="49" charset="0"/>
+              </a:rPr>
+              <a:t>] </a:t>
+            </a:r>
+            <a:r>
+              <a:rPr lang="en-IN" sz="1400" b="0" dirty="0">
+                <a:solidFill>
+                  <a:srgbClr val="DCDCAA"/>
+                </a:solidFill>
+                <a:effectLst/>
+                <a:latin typeface="Consolas" panose="020B0609020204030204" pitchFamily="49" charset="0"/>
+              </a:rPr>
+              <a:t>+</a:t>
+            </a:r>
+            <a:r>
+              <a:rPr lang="en-IN" sz="1400" b="0" dirty="0">
+                <a:solidFill>
+                  <a:srgbClr val="CCCCCC"/>
+                </a:solidFill>
+                <a:effectLst/>
+                <a:latin typeface="Consolas" panose="020B0609020204030204" pitchFamily="49" charset="0"/>
+              </a:rPr>
+              <a:t> </a:t>
+            </a:r>
+            <a:r>
+              <a:rPr lang="en-IN" sz="1400" b="0" dirty="0" err="1">
+                <a:solidFill>
+                  <a:srgbClr val="9CDCFE"/>
+                </a:solidFill>
+                <a:effectLst/>
+                <a:latin typeface="Consolas" panose="020B0609020204030204" pitchFamily="49" charset="0"/>
+              </a:rPr>
+              <a:t>df</a:t>
+            </a:r>
+            <a:r>
+              <a:rPr lang="en-IN" sz="1400" b="0" dirty="0">
+                <a:solidFill>
+                  <a:srgbClr val="CCCCCC"/>
+                </a:solidFill>
+                <a:effectLst/>
+                <a:latin typeface="Consolas" panose="020B0609020204030204" pitchFamily="49" charset="0"/>
+              </a:rPr>
+              <a:t>[</a:t>
+            </a:r>
+            <a:r>
+              <a:rPr lang="en-IN" sz="1400" b="0" dirty="0">
+                <a:solidFill>
+                  <a:srgbClr val="CE9178"/>
+                </a:solidFill>
+                <a:effectLst/>
+                <a:latin typeface="Consolas" panose="020B0609020204030204" pitchFamily="49" charset="0"/>
+              </a:rPr>
+              <a:t>"Total </a:t>
+            </a:r>
+            <a:r>
+              <a:rPr lang="en-IN" sz="1400" b="0" dirty="0" err="1">
+                <a:solidFill>
+                  <a:srgbClr val="CE9178"/>
+                </a:solidFill>
+                <a:effectLst/>
+                <a:latin typeface="Consolas" panose="020B0609020204030204" pitchFamily="49" charset="0"/>
+              </a:rPr>
+              <a:t>intl</a:t>
+            </a:r>
+            <a:r>
+              <a:rPr lang="en-IN" sz="1400" b="0" dirty="0">
+                <a:solidFill>
+                  <a:srgbClr val="CE9178"/>
+                </a:solidFill>
+                <a:effectLst/>
+                <a:latin typeface="Consolas" panose="020B0609020204030204" pitchFamily="49" charset="0"/>
+              </a:rPr>
+              <a:t> charge"</a:t>
+            </a:r>
+            <a:r>
+              <a:rPr lang="en-IN" sz="1400" b="0" dirty="0">
+                <a:solidFill>
+                  <a:srgbClr val="CCCCCC"/>
+                </a:solidFill>
+                <a:effectLst/>
+                <a:latin typeface="Consolas" panose="020B0609020204030204" pitchFamily="49" charset="0"/>
+              </a:rPr>
+              <a:t>]</a:t>
+            </a:r>
+          </a:p>
+          <a:p>
+            <a:pPr>
+              <a:lnSpc>
+                <a:spcPts val="1425"/>
+              </a:lnSpc>
+              <a:buNone/>
+            </a:pPr>
+            <a:r>
+              <a:rPr lang="en-IN" sz="1400" b="0" dirty="0" err="1">
+                <a:solidFill>
+                  <a:srgbClr val="4EC9B0"/>
+                </a:solidFill>
+                <a:effectLst/>
+                <a:latin typeface="Consolas" panose="020B0609020204030204" pitchFamily="49" charset="0"/>
+              </a:rPr>
+              <a:t>plt</a:t>
+            </a:r>
+            <a:r>
+              <a:rPr lang="en-IN" sz="1400" b="0" dirty="0" err="1">
+                <a:solidFill>
+                  <a:srgbClr val="CCCCCC"/>
+                </a:solidFill>
+                <a:effectLst/>
+                <a:latin typeface="Consolas" panose="020B0609020204030204" pitchFamily="49" charset="0"/>
+              </a:rPr>
+              <a:t>.</a:t>
+            </a:r>
+            <a:r>
+              <a:rPr lang="en-IN" sz="1400" b="0" dirty="0" err="1">
+                <a:solidFill>
+                  <a:srgbClr val="DCDCAA"/>
+                </a:solidFill>
+                <a:effectLst/>
+                <a:latin typeface="Consolas" panose="020B0609020204030204" pitchFamily="49" charset="0"/>
+              </a:rPr>
+              <a:t>figure</a:t>
+            </a:r>
+            <a:r>
+              <a:rPr lang="en-IN" sz="1400" b="0" dirty="0">
+                <a:solidFill>
+                  <a:srgbClr val="CCCCCC"/>
+                </a:solidFill>
+                <a:effectLst/>
+                <a:latin typeface="Consolas" panose="020B0609020204030204" pitchFamily="49" charset="0"/>
+              </a:rPr>
+              <a:t>(</a:t>
+            </a:r>
+            <a:r>
+              <a:rPr lang="en-IN" sz="1400" b="0" dirty="0" err="1">
+                <a:solidFill>
+                  <a:srgbClr val="9CDCFE"/>
+                </a:solidFill>
+                <a:effectLst/>
+                <a:latin typeface="Consolas" panose="020B0609020204030204" pitchFamily="49" charset="0"/>
+              </a:rPr>
+              <a:t>figsize</a:t>
+            </a:r>
+            <a:r>
+              <a:rPr lang="en-IN" sz="1400" b="0" dirty="0">
+                <a:solidFill>
+                  <a:srgbClr val="D4D4D4"/>
+                </a:solidFill>
+                <a:effectLst/>
+                <a:latin typeface="Consolas" panose="020B0609020204030204" pitchFamily="49" charset="0"/>
+              </a:rPr>
+              <a:t>=</a:t>
+            </a:r>
+            <a:r>
+              <a:rPr lang="en-IN" sz="1400" b="0" dirty="0">
+                <a:solidFill>
+                  <a:srgbClr val="CCCCCC"/>
+                </a:solidFill>
+                <a:effectLst/>
+                <a:latin typeface="Consolas" panose="020B0609020204030204" pitchFamily="49" charset="0"/>
+              </a:rPr>
+              <a:t>(</a:t>
+            </a:r>
+            <a:r>
+              <a:rPr lang="en-IN" sz="1400" b="0" dirty="0">
+                <a:solidFill>
+                  <a:srgbClr val="B5CEA8"/>
+                </a:solidFill>
+                <a:effectLst/>
+                <a:latin typeface="Consolas" panose="020B0609020204030204" pitchFamily="49" charset="0"/>
+              </a:rPr>
+              <a:t>8</a:t>
+            </a:r>
+            <a:r>
+              <a:rPr lang="en-IN" sz="1400" b="0" dirty="0">
+                <a:solidFill>
+                  <a:srgbClr val="CCCCCC"/>
+                </a:solidFill>
+                <a:effectLst/>
+                <a:latin typeface="Consolas" panose="020B0609020204030204" pitchFamily="49" charset="0"/>
+              </a:rPr>
+              <a:t>, </a:t>
+            </a:r>
+            <a:r>
+              <a:rPr lang="en-IN" sz="1400" b="0" dirty="0">
+                <a:solidFill>
+                  <a:srgbClr val="B5CEA8"/>
+                </a:solidFill>
+                <a:effectLst/>
+                <a:latin typeface="Consolas" panose="020B0609020204030204" pitchFamily="49" charset="0"/>
+              </a:rPr>
+              <a:t>5</a:t>
+            </a:r>
+            <a:r>
+              <a:rPr lang="en-IN" sz="1400" b="0" dirty="0">
+                <a:solidFill>
+                  <a:srgbClr val="CCCCCC"/>
+                </a:solidFill>
+                <a:effectLst/>
+                <a:latin typeface="Consolas" panose="020B0609020204030204" pitchFamily="49" charset="0"/>
+              </a:rPr>
+              <a:t>))</a:t>
+            </a:r>
+          </a:p>
+          <a:p>
+            <a:pPr>
+              <a:lnSpc>
+                <a:spcPts val="1425"/>
+              </a:lnSpc>
+              <a:buNone/>
+            </a:pPr>
+            <a:r>
+              <a:rPr lang="en-IN" sz="1400" b="0" dirty="0" err="1">
+                <a:solidFill>
+                  <a:srgbClr val="4EC9B0"/>
+                </a:solidFill>
+                <a:effectLst/>
+                <a:latin typeface="Consolas" panose="020B0609020204030204" pitchFamily="49" charset="0"/>
+              </a:rPr>
+              <a:t>sns</a:t>
+            </a:r>
+            <a:r>
+              <a:rPr lang="en-IN" sz="1400" b="0" dirty="0" err="1">
+                <a:solidFill>
+                  <a:srgbClr val="CCCCCC"/>
+                </a:solidFill>
+                <a:effectLst/>
+                <a:latin typeface="Consolas" panose="020B0609020204030204" pitchFamily="49" charset="0"/>
+              </a:rPr>
+              <a:t>.</a:t>
+            </a:r>
+            <a:r>
+              <a:rPr lang="en-IN" sz="1400" b="0" dirty="0" err="1">
+                <a:solidFill>
+                  <a:srgbClr val="DCDCAA"/>
+                </a:solidFill>
+                <a:effectLst/>
+                <a:latin typeface="Consolas" panose="020B0609020204030204" pitchFamily="49" charset="0"/>
+              </a:rPr>
+              <a:t>histplot</a:t>
+            </a:r>
+            <a:r>
+              <a:rPr lang="en-IN" sz="1400" b="0" dirty="0">
+                <a:solidFill>
+                  <a:srgbClr val="CCCCCC"/>
+                </a:solidFill>
+                <a:effectLst/>
+                <a:latin typeface="Consolas" panose="020B0609020204030204" pitchFamily="49" charset="0"/>
+              </a:rPr>
+              <a:t>(</a:t>
+            </a:r>
+            <a:r>
+              <a:rPr lang="en-IN" sz="1400" b="0" dirty="0" err="1">
+                <a:solidFill>
+                  <a:srgbClr val="9CDCFE"/>
+                </a:solidFill>
+                <a:effectLst/>
+                <a:latin typeface="Consolas" panose="020B0609020204030204" pitchFamily="49" charset="0"/>
+              </a:rPr>
+              <a:t>df</a:t>
+            </a:r>
+            <a:r>
+              <a:rPr lang="en-IN" sz="1400" b="0" dirty="0">
+                <a:solidFill>
+                  <a:srgbClr val="CCCCCC"/>
+                </a:solidFill>
+                <a:effectLst/>
+                <a:latin typeface="Consolas" panose="020B0609020204030204" pitchFamily="49" charset="0"/>
+              </a:rPr>
+              <a:t>[</a:t>
+            </a:r>
+            <a:r>
+              <a:rPr lang="en-IN" sz="1400" b="0" dirty="0">
+                <a:solidFill>
+                  <a:srgbClr val="CE9178"/>
+                </a:solidFill>
+                <a:effectLst/>
+                <a:latin typeface="Consolas" panose="020B0609020204030204" pitchFamily="49" charset="0"/>
+              </a:rPr>
+              <a:t>"Monthly Charges"</a:t>
+            </a:r>
+            <a:r>
+              <a:rPr lang="en-IN" sz="1400" b="0" dirty="0">
+                <a:solidFill>
+                  <a:srgbClr val="CCCCCC"/>
+                </a:solidFill>
+                <a:effectLst/>
+                <a:latin typeface="Consolas" panose="020B0609020204030204" pitchFamily="49" charset="0"/>
+              </a:rPr>
+              <a:t>], </a:t>
+            </a:r>
+            <a:r>
+              <a:rPr lang="en-IN" sz="1400" b="0" dirty="0">
+                <a:solidFill>
+                  <a:srgbClr val="9CDCFE"/>
+                </a:solidFill>
+                <a:effectLst/>
+                <a:latin typeface="Consolas" panose="020B0609020204030204" pitchFamily="49" charset="0"/>
+              </a:rPr>
+              <a:t>bins</a:t>
+            </a:r>
+            <a:r>
+              <a:rPr lang="en-IN" sz="1400" b="0" dirty="0">
+                <a:solidFill>
+                  <a:srgbClr val="D4D4D4"/>
+                </a:solidFill>
+                <a:effectLst/>
+                <a:latin typeface="Consolas" panose="020B0609020204030204" pitchFamily="49" charset="0"/>
+              </a:rPr>
+              <a:t>=</a:t>
+            </a:r>
+            <a:r>
+              <a:rPr lang="en-IN" sz="1400" b="0" dirty="0">
+                <a:solidFill>
+                  <a:srgbClr val="B5CEA8"/>
+                </a:solidFill>
+                <a:effectLst/>
+                <a:latin typeface="Consolas" panose="020B0609020204030204" pitchFamily="49" charset="0"/>
+              </a:rPr>
+              <a:t>30</a:t>
+            </a:r>
+            <a:r>
+              <a:rPr lang="en-IN" sz="1400" b="0" dirty="0">
+                <a:solidFill>
+                  <a:srgbClr val="CCCCCC"/>
+                </a:solidFill>
+                <a:effectLst/>
+                <a:latin typeface="Consolas" panose="020B0609020204030204" pitchFamily="49" charset="0"/>
+              </a:rPr>
+              <a:t>, </a:t>
+            </a:r>
+            <a:r>
+              <a:rPr lang="en-IN" sz="1400" b="0" dirty="0" err="1">
+                <a:solidFill>
+                  <a:srgbClr val="9CDCFE"/>
+                </a:solidFill>
+                <a:effectLst/>
+                <a:latin typeface="Consolas" panose="020B0609020204030204" pitchFamily="49" charset="0"/>
+              </a:rPr>
+              <a:t>kde</a:t>
+            </a:r>
+            <a:r>
+              <a:rPr lang="en-IN" sz="1400" b="0" dirty="0">
+                <a:solidFill>
+                  <a:srgbClr val="D4D4D4"/>
+                </a:solidFill>
+                <a:effectLst/>
+                <a:latin typeface="Consolas" panose="020B0609020204030204" pitchFamily="49" charset="0"/>
+              </a:rPr>
+              <a:t>=</a:t>
+            </a:r>
+            <a:r>
+              <a:rPr lang="en-IN" sz="1400" b="0" dirty="0">
+                <a:solidFill>
+                  <a:srgbClr val="569CD6"/>
+                </a:solidFill>
+                <a:effectLst/>
+                <a:latin typeface="Consolas" panose="020B0609020204030204" pitchFamily="49" charset="0"/>
+              </a:rPr>
+              <a:t>True</a:t>
+            </a:r>
+            <a:r>
+              <a:rPr lang="en-IN" sz="1400" b="0" dirty="0">
+                <a:solidFill>
+                  <a:srgbClr val="CCCCCC"/>
+                </a:solidFill>
+                <a:effectLst/>
+                <a:latin typeface="Consolas" panose="020B0609020204030204" pitchFamily="49" charset="0"/>
+              </a:rPr>
+              <a:t>, </a:t>
+            </a:r>
+            <a:r>
+              <a:rPr lang="en-IN" sz="1400" b="0" dirty="0" err="1">
+                <a:solidFill>
+                  <a:srgbClr val="9CDCFE"/>
+                </a:solidFill>
+                <a:effectLst/>
+                <a:latin typeface="Consolas" panose="020B0609020204030204" pitchFamily="49" charset="0"/>
+              </a:rPr>
+              <a:t>color</a:t>
+            </a:r>
+            <a:r>
+              <a:rPr lang="en-IN" sz="1400" b="0" dirty="0">
+                <a:solidFill>
+                  <a:srgbClr val="D4D4D4"/>
+                </a:solidFill>
+                <a:effectLst/>
+                <a:latin typeface="Consolas" panose="020B0609020204030204" pitchFamily="49" charset="0"/>
+              </a:rPr>
+              <a:t>=</a:t>
+            </a:r>
+            <a:r>
+              <a:rPr lang="en-IN" sz="1400" b="0" dirty="0">
+                <a:solidFill>
+                  <a:srgbClr val="CE9178"/>
+                </a:solidFill>
+                <a:effectLst/>
+                <a:latin typeface="Consolas" panose="020B0609020204030204" pitchFamily="49" charset="0"/>
+              </a:rPr>
+              <a:t>'salmon'</a:t>
+            </a:r>
+            <a:r>
+              <a:rPr lang="en-IN" sz="1400" b="0" dirty="0">
+                <a:solidFill>
+                  <a:srgbClr val="CCCCCC"/>
+                </a:solidFill>
+                <a:effectLst/>
+                <a:latin typeface="Consolas" panose="020B0609020204030204" pitchFamily="49" charset="0"/>
+              </a:rPr>
+              <a:t>)</a:t>
+            </a:r>
+          </a:p>
+          <a:p>
+            <a:pPr>
+              <a:lnSpc>
+                <a:spcPts val="1425"/>
+              </a:lnSpc>
+              <a:buNone/>
+            </a:pPr>
+            <a:r>
+              <a:rPr lang="en-IN" sz="1400" b="0" dirty="0" err="1">
+                <a:solidFill>
+                  <a:srgbClr val="4EC9B0"/>
+                </a:solidFill>
+                <a:effectLst/>
+                <a:latin typeface="Consolas" panose="020B0609020204030204" pitchFamily="49" charset="0"/>
+              </a:rPr>
+              <a:t>plt</a:t>
+            </a:r>
+            <a:r>
+              <a:rPr lang="en-IN" sz="1400" b="0" dirty="0" err="1">
+                <a:solidFill>
+                  <a:srgbClr val="CCCCCC"/>
+                </a:solidFill>
+                <a:effectLst/>
+                <a:latin typeface="Consolas" panose="020B0609020204030204" pitchFamily="49" charset="0"/>
+              </a:rPr>
+              <a:t>.</a:t>
+            </a:r>
+            <a:r>
+              <a:rPr lang="en-IN" sz="1400" b="0" dirty="0" err="1">
+                <a:solidFill>
+                  <a:srgbClr val="DCDCAA"/>
+                </a:solidFill>
+                <a:effectLst/>
+                <a:latin typeface="Consolas" panose="020B0609020204030204" pitchFamily="49" charset="0"/>
+              </a:rPr>
+              <a:t>title</a:t>
+            </a:r>
+            <a:r>
+              <a:rPr lang="en-IN" sz="1400" b="0" dirty="0">
+                <a:solidFill>
+                  <a:srgbClr val="CCCCCC"/>
+                </a:solidFill>
+                <a:effectLst/>
+                <a:latin typeface="Consolas" panose="020B0609020204030204" pitchFamily="49" charset="0"/>
+              </a:rPr>
+              <a:t>(</a:t>
+            </a:r>
+            <a:r>
+              <a:rPr lang="en-IN" sz="1400" b="0" dirty="0">
+                <a:solidFill>
+                  <a:srgbClr val="CE9178"/>
+                </a:solidFill>
+                <a:effectLst/>
+                <a:latin typeface="Consolas" panose="020B0609020204030204" pitchFamily="49" charset="0"/>
+              </a:rPr>
+              <a:t>"Monthly Charges Distribution"</a:t>
+            </a:r>
+            <a:r>
+              <a:rPr lang="en-IN" sz="1400" b="0" dirty="0">
+                <a:solidFill>
+                  <a:srgbClr val="CCCCCC"/>
+                </a:solidFill>
+                <a:effectLst/>
+                <a:latin typeface="Consolas" panose="020B0609020204030204" pitchFamily="49" charset="0"/>
+              </a:rPr>
+              <a:t>)</a:t>
+            </a:r>
+          </a:p>
+          <a:p>
+            <a:pPr>
+              <a:lnSpc>
+                <a:spcPts val="1425"/>
+              </a:lnSpc>
+              <a:buNone/>
+            </a:pPr>
+            <a:r>
+              <a:rPr lang="en-IN" sz="1400" b="0" dirty="0" err="1">
+                <a:solidFill>
+                  <a:srgbClr val="4EC9B0"/>
+                </a:solidFill>
+                <a:effectLst/>
+                <a:latin typeface="Consolas" panose="020B0609020204030204" pitchFamily="49" charset="0"/>
+              </a:rPr>
+              <a:t>plt</a:t>
+            </a:r>
+            <a:r>
+              <a:rPr lang="en-IN" sz="1400" b="0" dirty="0" err="1">
+                <a:solidFill>
+                  <a:srgbClr val="CCCCCC"/>
+                </a:solidFill>
+                <a:effectLst/>
+                <a:latin typeface="Consolas" panose="020B0609020204030204" pitchFamily="49" charset="0"/>
+              </a:rPr>
+              <a:t>.</a:t>
+            </a:r>
+            <a:r>
+              <a:rPr lang="en-IN" sz="1400" b="0" dirty="0" err="1">
+                <a:solidFill>
+                  <a:srgbClr val="DCDCAA"/>
+                </a:solidFill>
+                <a:effectLst/>
+                <a:latin typeface="Consolas" panose="020B0609020204030204" pitchFamily="49" charset="0"/>
+              </a:rPr>
+              <a:t>xlabel</a:t>
+            </a:r>
+            <a:r>
+              <a:rPr lang="en-IN" sz="1400" b="0" dirty="0">
+                <a:solidFill>
+                  <a:srgbClr val="CCCCCC"/>
+                </a:solidFill>
+                <a:effectLst/>
+                <a:latin typeface="Consolas" panose="020B0609020204030204" pitchFamily="49" charset="0"/>
+              </a:rPr>
+              <a:t>(</a:t>
+            </a:r>
+            <a:r>
+              <a:rPr lang="en-IN" sz="1400" b="0" dirty="0">
+                <a:solidFill>
+                  <a:srgbClr val="CE9178"/>
+                </a:solidFill>
+                <a:effectLst/>
+                <a:latin typeface="Consolas" panose="020B0609020204030204" pitchFamily="49" charset="0"/>
+              </a:rPr>
+              <a:t>"Monthly Charges"</a:t>
+            </a:r>
+            <a:r>
+              <a:rPr lang="en-IN" sz="1400" b="0" dirty="0">
+                <a:solidFill>
+                  <a:srgbClr val="CCCCCC"/>
+                </a:solidFill>
+                <a:effectLst/>
+                <a:latin typeface="Consolas" panose="020B0609020204030204" pitchFamily="49" charset="0"/>
+              </a:rPr>
+              <a:t>)</a:t>
+            </a:r>
+          </a:p>
+          <a:p>
+            <a:pPr>
+              <a:lnSpc>
+                <a:spcPts val="1425"/>
+              </a:lnSpc>
+              <a:buNone/>
+            </a:pPr>
+            <a:r>
+              <a:rPr lang="en-IN" sz="1400" b="0" dirty="0" err="1">
+                <a:solidFill>
+                  <a:srgbClr val="4EC9B0"/>
+                </a:solidFill>
+                <a:effectLst/>
+                <a:latin typeface="Consolas" panose="020B0609020204030204" pitchFamily="49" charset="0"/>
+              </a:rPr>
+              <a:t>plt</a:t>
+            </a:r>
+            <a:r>
+              <a:rPr lang="en-IN" sz="1400" b="0" dirty="0" err="1">
+                <a:solidFill>
+                  <a:srgbClr val="CCCCCC"/>
+                </a:solidFill>
+                <a:effectLst/>
+                <a:latin typeface="Consolas" panose="020B0609020204030204" pitchFamily="49" charset="0"/>
+              </a:rPr>
+              <a:t>.</a:t>
+            </a:r>
+            <a:r>
+              <a:rPr lang="en-IN" sz="1400" b="0" dirty="0" err="1">
+                <a:solidFill>
+                  <a:srgbClr val="DCDCAA"/>
+                </a:solidFill>
+                <a:effectLst/>
+                <a:latin typeface="Consolas" panose="020B0609020204030204" pitchFamily="49" charset="0"/>
+              </a:rPr>
+              <a:t>ylabel</a:t>
+            </a:r>
+            <a:r>
+              <a:rPr lang="en-IN" sz="1400" b="0" dirty="0">
+                <a:solidFill>
+                  <a:srgbClr val="CCCCCC"/>
+                </a:solidFill>
+                <a:effectLst/>
+                <a:latin typeface="Consolas" panose="020B0609020204030204" pitchFamily="49" charset="0"/>
+              </a:rPr>
+              <a:t>(</a:t>
+            </a:r>
+            <a:r>
+              <a:rPr lang="en-IN" sz="1400" b="0" dirty="0">
+                <a:solidFill>
+                  <a:srgbClr val="CE9178"/>
+                </a:solidFill>
+                <a:effectLst/>
+                <a:latin typeface="Consolas" panose="020B0609020204030204" pitchFamily="49" charset="0"/>
+              </a:rPr>
+              <a:t>"Count"</a:t>
+            </a:r>
+            <a:r>
+              <a:rPr lang="en-IN" sz="1400" b="0" dirty="0">
+                <a:solidFill>
+                  <a:srgbClr val="CCCCCC"/>
+                </a:solidFill>
+                <a:effectLst/>
+                <a:latin typeface="Consolas" panose="020B0609020204030204" pitchFamily="49" charset="0"/>
+              </a:rPr>
+              <a:t>)</a:t>
+            </a:r>
+          </a:p>
+          <a:p>
+            <a:pPr>
+              <a:lnSpc>
+                <a:spcPts val="1425"/>
+              </a:lnSpc>
+              <a:buNone/>
+            </a:pPr>
+            <a:r>
+              <a:rPr lang="en-IN" sz="1400" b="0" dirty="0" err="1">
+                <a:solidFill>
+                  <a:srgbClr val="4EC9B0"/>
+                </a:solidFill>
+                <a:effectLst/>
+                <a:latin typeface="Consolas" panose="020B0609020204030204" pitchFamily="49" charset="0"/>
+              </a:rPr>
+              <a:t>plt</a:t>
+            </a:r>
+            <a:r>
+              <a:rPr lang="en-IN" sz="1400" b="0" dirty="0" err="1">
+                <a:solidFill>
+                  <a:srgbClr val="CCCCCC"/>
+                </a:solidFill>
+                <a:effectLst/>
+                <a:latin typeface="Consolas" panose="020B0609020204030204" pitchFamily="49" charset="0"/>
+              </a:rPr>
+              <a:t>.</a:t>
+            </a:r>
+            <a:r>
+              <a:rPr lang="en-IN" sz="1400" b="0" dirty="0" err="1">
+                <a:solidFill>
+                  <a:srgbClr val="DCDCAA"/>
+                </a:solidFill>
+                <a:effectLst/>
+                <a:latin typeface="Consolas" panose="020B0609020204030204" pitchFamily="49" charset="0"/>
+              </a:rPr>
+              <a:t>tight_layout</a:t>
+            </a:r>
+            <a:r>
+              <a:rPr lang="en-IN" sz="1400" b="0" dirty="0">
+                <a:solidFill>
+                  <a:srgbClr val="CCCCCC"/>
+                </a:solidFill>
+                <a:effectLst/>
+                <a:latin typeface="Consolas" panose="020B0609020204030204" pitchFamily="49" charset="0"/>
+              </a:rPr>
+              <a:t>()</a:t>
+            </a:r>
+          </a:p>
+          <a:p>
+            <a:pPr>
+              <a:lnSpc>
+                <a:spcPts val="1425"/>
+              </a:lnSpc>
+            </a:pPr>
+            <a:r>
+              <a:rPr lang="en-IN" sz="1400" b="0" dirty="0" err="1">
+                <a:solidFill>
+                  <a:srgbClr val="4EC9B0"/>
+                </a:solidFill>
+                <a:effectLst/>
+                <a:latin typeface="Consolas" panose="020B0609020204030204" pitchFamily="49" charset="0"/>
+              </a:rPr>
+              <a:t>plt</a:t>
+            </a:r>
+            <a:r>
+              <a:rPr lang="en-IN" sz="1400" b="0" dirty="0" err="1">
+                <a:solidFill>
+                  <a:srgbClr val="CCCCCC"/>
+                </a:solidFill>
+                <a:effectLst/>
+                <a:latin typeface="Consolas" panose="020B0609020204030204" pitchFamily="49" charset="0"/>
+              </a:rPr>
+              <a:t>.</a:t>
+            </a:r>
+            <a:r>
+              <a:rPr lang="en-IN" sz="1400" b="0" dirty="0" err="1">
+                <a:solidFill>
+                  <a:srgbClr val="DCDCAA"/>
+                </a:solidFill>
+                <a:effectLst/>
+                <a:latin typeface="Consolas" panose="020B0609020204030204" pitchFamily="49" charset="0"/>
+              </a:rPr>
+              <a:t>show</a:t>
+            </a:r>
+            <a:r>
+              <a:rPr lang="en-IN" sz="1400" b="0" dirty="0">
+                <a:solidFill>
+                  <a:srgbClr val="CCCCCC"/>
+                </a:solidFill>
+                <a:effectLst/>
+                <a:latin typeface="Consolas" panose="020B0609020204030204" pitchFamily="49" charset="0"/>
+              </a:rPr>
+              <a:t>()</a:t>
+            </a:r>
+          </a:p>
+          <a:p>
+            <a:endParaRPr lang="en-US" b="0" dirty="0"/>
           </a:p>
           <a:p>
             <a:endParaRPr lang="en-IN" dirty="0"/>
           </a:p>
         </p:txBody>
       </p:sp>
+      <p:pic>
+        <p:nvPicPr>
+          <p:cNvPr id="4" name="Picture 3">
+            <a:extLst>
+              <a:ext uri="{FF2B5EF4-FFF2-40B4-BE49-F238E27FC236}">
+                <a16:creationId xmlns:a16="http://schemas.microsoft.com/office/drawing/2014/main" id="{761DF619-2DDF-A26D-E9F2-EC9D97DF407C}"/>
+              </a:ext>
+            </a:extLst>
+          </p:cNvPr>
+          <p:cNvPicPr>
+            <a:picLocks noChangeAspect="1"/>
+          </p:cNvPicPr>
+          <p:nvPr/>
+        </p:nvPicPr>
+        <p:blipFill>
+          <a:blip r:embed="rId2"/>
+          <a:stretch>
+            <a:fillRect/>
+          </a:stretch>
+        </p:blipFill>
+        <p:spPr>
+          <a:xfrm>
+            <a:off x="554783" y="877824"/>
+            <a:ext cx="4373833" cy="4726237"/>
+          </a:xfrm>
+          <a:prstGeom prst="rect">
+            <a:avLst/>
+          </a:prstGeom>
+        </p:spPr>
+      </p:pic>
     </p:spTree>
     <p:extLst>
       <p:ext uri="{BB962C8B-B14F-4D97-AF65-F5344CB8AC3E}">
@@ -12550,8 +14727,8 @@
         </p:nvSpPr>
         <p:spPr>
           <a:xfrm>
-            <a:off x="5902142" y="1311802"/>
-            <a:ext cx="6289857" cy="4524315"/>
+            <a:off x="5074920" y="1311802"/>
+            <a:ext cx="7117079" cy="5155257"/>
           </a:xfrm>
           <a:prstGeom prst="rect">
             <a:avLst/>
@@ -12572,48 +14749,669 @@
           </a:lstStyle>
           <a:p>
             <a:r>
-              <a:rPr lang="en-US" dirty="0"/>
+              <a:rPr lang="en-US" sz="1400" dirty="0"/>
               <a:t>Results:</a:t>
             </a:r>
           </a:p>
           <a:p>
-            <a:endParaRPr lang="en-US" dirty="0"/>
-          </a:p>
-          <a:p>
-            <a:r>
-              <a:rPr lang="en-US" b="0" dirty="0"/>
+            <a:endParaRPr lang="en-US" sz="1400" dirty="0"/>
+          </a:p>
+          <a:p>
+            <a:r>
+              <a:rPr lang="en-US" sz="1400" b="0" dirty="0"/>
               <a:t>Churn Status: A significant majority of customers (over 2,000) do not churn (False), indicating high retention.</a:t>
             </a:r>
           </a:p>
           <a:p>
             <a:r>
-              <a:rPr lang="en-US" b="0" dirty="0"/>
+              <a:rPr lang="en-US" sz="1400" b="0" dirty="0"/>
               <a:t>Churn Rate: Only a small proportion (around 500) of customers have churned (True), suggesting low customer turnover.</a:t>
             </a:r>
           </a:p>
           <a:p>
-            <a:endParaRPr lang="en-US" dirty="0"/>
-          </a:p>
-          <a:p>
-            <a:r>
-              <a:rPr lang="en-US" dirty="0"/>
+            <a:endParaRPr lang="en-US" sz="1400" dirty="0"/>
+          </a:p>
+          <a:p>
+            <a:r>
+              <a:rPr lang="en-US" sz="1400" dirty="0"/>
               <a:t>Suggestions:</a:t>
             </a:r>
           </a:p>
           <a:p>
-            <a:endParaRPr lang="en-US" dirty="0"/>
-          </a:p>
-          <a:p>
-            <a:r>
-              <a:rPr lang="en-US" b="0" dirty="0"/>
+            <a:endParaRPr lang="en-US" sz="1400" dirty="0"/>
+          </a:p>
+          <a:p>
+            <a:r>
+              <a:rPr lang="en-US" sz="1400" b="0" dirty="0"/>
               <a:t>To further decrease churn, focus on customer engagement strategies, feedback mechanisms, and enhancing service quality to retain existing subscribers.</a:t>
             </a:r>
           </a:p>
           <a:p>
             <a:r>
-              <a:rPr lang="en-US" b="0" dirty="0"/>
+              <a:rPr lang="en-US" sz="1400" b="0" dirty="0"/>
               <a:t>Conduct targeted retention campaigns for the small percentage of customers at risk of churning to understand their concerns and improve satisfaction.</a:t>
             </a:r>
+          </a:p>
+          <a:p>
+            <a:endParaRPr lang="en-US" sz="1400" b="0" dirty="0"/>
+          </a:p>
+          <a:p>
+            <a:r>
+              <a:rPr lang="en-US" sz="1400" b="0" dirty="0"/>
+              <a:t>Syntax:</a:t>
+            </a:r>
+          </a:p>
+          <a:p>
+            <a:pPr>
+              <a:lnSpc>
+                <a:spcPts val="1425"/>
+              </a:lnSpc>
+              <a:buNone/>
+            </a:pPr>
+            <a:r>
+              <a:rPr lang="en-IN" sz="1400" b="0" dirty="0" err="1">
+                <a:solidFill>
+                  <a:srgbClr val="4EC9B0"/>
+                </a:solidFill>
+                <a:effectLst/>
+                <a:latin typeface="Consolas" panose="020B0609020204030204" pitchFamily="49" charset="0"/>
+              </a:rPr>
+              <a:t>plt</a:t>
+            </a:r>
+            <a:r>
+              <a:rPr lang="en-IN" sz="1400" b="0" dirty="0" err="1">
+                <a:solidFill>
+                  <a:srgbClr val="CCCCCC"/>
+                </a:solidFill>
+                <a:effectLst/>
+                <a:latin typeface="Consolas" panose="020B0609020204030204" pitchFamily="49" charset="0"/>
+              </a:rPr>
+              <a:t>.</a:t>
+            </a:r>
+            <a:r>
+              <a:rPr lang="en-IN" sz="1400" b="0" dirty="0" err="1">
+                <a:solidFill>
+                  <a:srgbClr val="DCDCAA"/>
+                </a:solidFill>
+                <a:effectLst/>
+                <a:latin typeface="Consolas" panose="020B0609020204030204" pitchFamily="49" charset="0"/>
+              </a:rPr>
+              <a:t>figure</a:t>
+            </a:r>
+            <a:r>
+              <a:rPr lang="en-IN" sz="1400" b="0" dirty="0">
+                <a:solidFill>
+                  <a:srgbClr val="CCCCCC"/>
+                </a:solidFill>
+                <a:effectLst/>
+                <a:latin typeface="Consolas" panose="020B0609020204030204" pitchFamily="49" charset="0"/>
+              </a:rPr>
+              <a:t>(</a:t>
+            </a:r>
+            <a:r>
+              <a:rPr lang="en-IN" sz="1400" b="0" dirty="0" err="1">
+                <a:solidFill>
+                  <a:srgbClr val="9CDCFE"/>
+                </a:solidFill>
+                <a:effectLst/>
+                <a:latin typeface="Consolas" panose="020B0609020204030204" pitchFamily="49" charset="0"/>
+              </a:rPr>
+              <a:t>figsize</a:t>
+            </a:r>
+            <a:r>
+              <a:rPr lang="en-IN" sz="1400" b="0" dirty="0">
+                <a:solidFill>
+                  <a:srgbClr val="D4D4D4"/>
+                </a:solidFill>
+                <a:effectLst/>
+                <a:latin typeface="Consolas" panose="020B0609020204030204" pitchFamily="49" charset="0"/>
+              </a:rPr>
+              <a:t>=</a:t>
+            </a:r>
+            <a:r>
+              <a:rPr lang="en-IN" sz="1400" b="0" dirty="0">
+                <a:solidFill>
+                  <a:srgbClr val="CCCCCC"/>
+                </a:solidFill>
+                <a:effectLst/>
+                <a:latin typeface="Consolas" panose="020B0609020204030204" pitchFamily="49" charset="0"/>
+              </a:rPr>
+              <a:t>(</a:t>
+            </a:r>
+            <a:r>
+              <a:rPr lang="en-IN" sz="1400" b="0" dirty="0">
+                <a:solidFill>
+                  <a:srgbClr val="B5CEA8"/>
+                </a:solidFill>
+                <a:effectLst/>
+                <a:latin typeface="Consolas" panose="020B0609020204030204" pitchFamily="49" charset="0"/>
+              </a:rPr>
+              <a:t>6</a:t>
+            </a:r>
+            <a:r>
+              <a:rPr lang="en-IN" sz="1400" b="0" dirty="0">
+                <a:solidFill>
+                  <a:srgbClr val="CCCCCC"/>
+                </a:solidFill>
+                <a:effectLst/>
+                <a:latin typeface="Consolas" panose="020B0609020204030204" pitchFamily="49" charset="0"/>
+              </a:rPr>
+              <a:t>, </a:t>
+            </a:r>
+            <a:r>
+              <a:rPr lang="en-IN" sz="1400" b="0" dirty="0">
+                <a:solidFill>
+                  <a:srgbClr val="B5CEA8"/>
+                </a:solidFill>
+                <a:effectLst/>
+                <a:latin typeface="Consolas" panose="020B0609020204030204" pitchFamily="49" charset="0"/>
+              </a:rPr>
+              <a:t>4</a:t>
+            </a:r>
+            <a:r>
+              <a:rPr lang="en-IN" sz="1400" b="0" dirty="0">
+                <a:solidFill>
+                  <a:srgbClr val="CCCCCC"/>
+                </a:solidFill>
+                <a:effectLst/>
+                <a:latin typeface="Consolas" panose="020B0609020204030204" pitchFamily="49" charset="0"/>
+              </a:rPr>
+              <a:t>))</a:t>
+            </a:r>
+          </a:p>
+          <a:p>
+            <a:pPr>
+              <a:lnSpc>
+                <a:spcPts val="1425"/>
+              </a:lnSpc>
+              <a:buNone/>
+            </a:pPr>
+            <a:r>
+              <a:rPr lang="en-IN" sz="1400" b="0" dirty="0" err="1">
+                <a:solidFill>
+                  <a:srgbClr val="4EC9B0"/>
+                </a:solidFill>
+                <a:effectLst/>
+                <a:latin typeface="Consolas" panose="020B0609020204030204" pitchFamily="49" charset="0"/>
+              </a:rPr>
+              <a:t>sns</a:t>
+            </a:r>
+            <a:r>
+              <a:rPr lang="en-IN" sz="1400" b="0" dirty="0" err="1">
+                <a:solidFill>
+                  <a:srgbClr val="CCCCCC"/>
+                </a:solidFill>
+                <a:effectLst/>
+                <a:latin typeface="Consolas" panose="020B0609020204030204" pitchFamily="49" charset="0"/>
+              </a:rPr>
+              <a:t>.</a:t>
+            </a:r>
+            <a:r>
+              <a:rPr lang="en-IN" sz="1400" b="0" dirty="0" err="1">
+                <a:solidFill>
+                  <a:srgbClr val="DCDCAA"/>
+                </a:solidFill>
+                <a:effectLst/>
+                <a:latin typeface="Consolas" panose="020B0609020204030204" pitchFamily="49" charset="0"/>
+              </a:rPr>
+              <a:t>countplot</a:t>
+            </a:r>
+            <a:r>
+              <a:rPr lang="en-IN" sz="1400" b="0" dirty="0">
+                <a:solidFill>
+                  <a:srgbClr val="CCCCCC"/>
+                </a:solidFill>
+                <a:effectLst/>
+                <a:latin typeface="Consolas" panose="020B0609020204030204" pitchFamily="49" charset="0"/>
+              </a:rPr>
+              <a:t>(</a:t>
+            </a:r>
+            <a:r>
+              <a:rPr lang="en-IN" sz="1400" b="0" dirty="0">
+                <a:solidFill>
+                  <a:srgbClr val="9CDCFE"/>
+                </a:solidFill>
+                <a:effectLst/>
+                <a:latin typeface="Consolas" panose="020B0609020204030204" pitchFamily="49" charset="0"/>
+              </a:rPr>
+              <a:t>data</a:t>
+            </a:r>
+            <a:r>
+              <a:rPr lang="en-IN" sz="1400" b="0" dirty="0">
+                <a:solidFill>
+                  <a:srgbClr val="D4D4D4"/>
+                </a:solidFill>
+                <a:effectLst/>
+                <a:latin typeface="Consolas" panose="020B0609020204030204" pitchFamily="49" charset="0"/>
+              </a:rPr>
+              <a:t>=</a:t>
+            </a:r>
+            <a:r>
+              <a:rPr lang="en-IN" sz="1400" b="0" dirty="0" err="1">
+                <a:solidFill>
+                  <a:srgbClr val="9CDCFE"/>
+                </a:solidFill>
+                <a:effectLst/>
+                <a:latin typeface="Consolas" panose="020B0609020204030204" pitchFamily="49" charset="0"/>
+              </a:rPr>
+              <a:t>df</a:t>
+            </a:r>
+            <a:r>
+              <a:rPr lang="en-IN" sz="1400" b="0" dirty="0">
+                <a:solidFill>
+                  <a:srgbClr val="CCCCCC"/>
+                </a:solidFill>
+                <a:effectLst/>
+                <a:latin typeface="Consolas" panose="020B0609020204030204" pitchFamily="49" charset="0"/>
+              </a:rPr>
+              <a:t>, </a:t>
+            </a:r>
+            <a:r>
+              <a:rPr lang="en-IN" sz="1400" b="0" dirty="0">
+                <a:solidFill>
+                  <a:srgbClr val="9CDCFE"/>
+                </a:solidFill>
+                <a:effectLst/>
+                <a:latin typeface="Consolas" panose="020B0609020204030204" pitchFamily="49" charset="0"/>
+              </a:rPr>
+              <a:t>x</a:t>
+            </a:r>
+            <a:r>
+              <a:rPr lang="en-IN" sz="1400" b="0" dirty="0">
+                <a:solidFill>
+                  <a:srgbClr val="D4D4D4"/>
+                </a:solidFill>
+                <a:effectLst/>
+                <a:latin typeface="Consolas" panose="020B0609020204030204" pitchFamily="49" charset="0"/>
+              </a:rPr>
+              <a:t>=</a:t>
+            </a:r>
+            <a:r>
+              <a:rPr lang="en-IN" sz="1400" b="0" dirty="0">
+                <a:solidFill>
+                  <a:srgbClr val="CE9178"/>
+                </a:solidFill>
+                <a:effectLst/>
+                <a:latin typeface="Consolas" panose="020B0609020204030204" pitchFamily="49" charset="0"/>
+              </a:rPr>
+              <a:t>"Churn"</a:t>
+            </a:r>
+            <a:r>
+              <a:rPr lang="en-IN" sz="1400" b="0" dirty="0">
+                <a:solidFill>
+                  <a:srgbClr val="CCCCCC"/>
+                </a:solidFill>
+                <a:effectLst/>
+                <a:latin typeface="Consolas" panose="020B0609020204030204" pitchFamily="49" charset="0"/>
+              </a:rPr>
+              <a:t>, </a:t>
+            </a:r>
+            <a:r>
+              <a:rPr lang="en-IN" sz="1400" b="0" dirty="0">
+                <a:solidFill>
+                  <a:srgbClr val="9CDCFE"/>
+                </a:solidFill>
+                <a:effectLst/>
+                <a:latin typeface="Consolas" panose="020B0609020204030204" pitchFamily="49" charset="0"/>
+              </a:rPr>
+              <a:t>palette</a:t>
+            </a:r>
+            <a:r>
+              <a:rPr lang="en-IN" sz="1400" b="0" dirty="0">
+                <a:solidFill>
+                  <a:srgbClr val="D4D4D4"/>
+                </a:solidFill>
+                <a:effectLst/>
+                <a:latin typeface="Consolas" panose="020B0609020204030204" pitchFamily="49" charset="0"/>
+              </a:rPr>
+              <a:t>=</a:t>
+            </a:r>
+            <a:r>
+              <a:rPr lang="en-IN" sz="1400" b="0" dirty="0">
+                <a:solidFill>
+                  <a:srgbClr val="CE9178"/>
+                </a:solidFill>
+                <a:effectLst/>
+                <a:latin typeface="Consolas" panose="020B0609020204030204" pitchFamily="49" charset="0"/>
+              </a:rPr>
+              <a:t>"Set2"</a:t>
+            </a:r>
+            <a:r>
+              <a:rPr lang="en-IN" sz="1400" b="0" dirty="0">
+                <a:solidFill>
+                  <a:srgbClr val="CCCCCC"/>
+                </a:solidFill>
+                <a:effectLst/>
+                <a:latin typeface="Consolas" panose="020B0609020204030204" pitchFamily="49" charset="0"/>
+              </a:rPr>
+              <a:t>)</a:t>
+            </a:r>
+          </a:p>
+          <a:p>
+            <a:pPr>
+              <a:lnSpc>
+                <a:spcPts val="1425"/>
+              </a:lnSpc>
+              <a:buNone/>
+            </a:pPr>
+            <a:r>
+              <a:rPr lang="en-IN" sz="1400" b="0" dirty="0" err="1">
+                <a:solidFill>
+                  <a:srgbClr val="4EC9B0"/>
+                </a:solidFill>
+                <a:effectLst/>
+                <a:latin typeface="Consolas" panose="020B0609020204030204" pitchFamily="49" charset="0"/>
+              </a:rPr>
+              <a:t>plt</a:t>
+            </a:r>
+            <a:r>
+              <a:rPr lang="en-IN" sz="1400" b="0" dirty="0" err="1">
+                <a:solidFill>
+                  <a:srgbClr val="CCCCCC"/>
+                </a:solidFill>
+                <a:effectLst/>
+                <a:latin typeface="Consolas" panose="020B0609020204030204" pitchFamily="49" charset="0"/>
+              </a:rPr>
+              <a:t>.</a:t>
+            </a:r>
+            <a:r>
+              <a:rPr lang="en-IN" sz="1400" b="0" dirty="0" err="1">
+                <a:solidFill>
+                  <a:srgbClr val="DCDCAA"/>
+                </a:solidFill>
+                <a:effectLst/>
+                <a:latin typeface="Consolas" panose="020B0609020204030204" pitchFamily="49" charset="0"/>
+              </a:rPr>
+              <a:t>title</a:t>
+            </a:r>
+            <a:r>
+              <a:rPr lang="en-IN" sz="1400" b="0" dirty="0">
+                <a:solidFill>
+                  <a:srgbClr val="CCCCCC"/>
+                </a:solidFill>
+                <a:effectLst/>
+                <a:latin typeface="Consolas" panose="020B0609020204030204" pitchFamily="49" charset="0"/>
+              </a:rPr>
+              <a:t>(</a:t>
+            </a:r>
+            <a:r>
+              <a:rPr lang="en-IN" sz="1400" b="0" dirty="0">
+                <a:solidFill>
+                  <a:srgbClr val="CE9178"/>
+                </a:solidFill>
+                <a:effectLst/>
+                <a:latin typeface="Consolas" panose="020B0609020204030204" pitchFamily="49" charset="0"/>
+              </a:rPr>
+              <a:t>"Count of Customers by Churn Status"</a:t>
+            </a:r>
+            <a:r>
+              <a:rPr lang="en-IN" sz="1400" b="0" dirty="0">
+                <a:solidFill>
+                  <a:srgbClr val="CCCCCC"/>
+                </a:solidFill>
+                <a:effectLst/>
+                <a:latin typeface="Consolas" panose="020B0609020204030204" pitchFamily="49" charset="0"/>
+              </a:rPr>
+              <a:t>)</a:t>
+            </a:r>
+          </a:p>
+          <a:p>
+            <a:pPr>
+              <a:lnSpc>
+                <a:spcPts val="1425"/>
+              </a:lnSpc>
+              <a:buNone/>
+            </a:pPr>
+            <a:r>
+              <a:rPr lang="en-IN" sz="1400" b="0" dirty="0" err="1">
+                <a:solidFill>
+                  <a:srgbClr val="4EC9B0"/>
+                </a:solidFill>
+                <a:effectLst/>
+                <a:latin typeface="Consolas" panose="020B0609020204030204" pitchFamily="49" charset="0"/>
+              </a:rPr>
+              <a:t>plt</a:t>
+            </a:r>
+            <a:r>
+              <a:rPr lang="en-IN" sz="1400" b="0" dirty="0" err="1">
+                <a:solidFill>
+                  <a:srgbClr val="CCCCCC"/>
+                </a:solidFill>
+                <a:effectLst/>
+                <a:latin typeface="Consolas" panose="020B0609020204030204" pitchFamily="49" charset="0"/>
+              </a:rPr>
+              <a:t>.</a:t>
+            </a:r>
+            <a:r>
+              <a:rPr lang="en-IN" sz="1400" b="0" dirty="0" err="1">
+                <a:solidFill>
+                  <a:srgbClr val="DCDCAA"/>
+                </a:solidFill>
+                <a:effectLst/>
+                <a:latin typeface="Consolas" panose="020B0609020204030204" pitchFamily="49" charset="0"/>
+              </a:rPr>
+              <a:t>xlabel</a:t>
+            </a:r>
+            <a:r>
+              <a:rPr lang="en-IN" sz="1400" b="0" dirty="0">
+                <a:solidFill>
+                  <a:srgbClr val="CCCCCC"/>
+                </a:solidFill>
+                <a:effectLst/>
+                <a:latin typeface="Consolas" panose="020B0609020204030204" pitchFamily="49" charset="0"/>
+              </a:rPr>
+              <a:t>(</a:t>
+            </a:r>
+            <a:r>
+              <a:rPr lang="en-IN" sz="1400" b="0" dirty="0">
+                <a:solidFill>
+                  <a:srgbClr val="CE9178"/>
+                </a:solidFill>
+                <a:effectLst/>
+                <a:latin typeface="Consolas" panose="020B0609020204030204" pitchFamily="49" charset="0"/>
+              </a:rPr>
+              <a:t>"Churn"</a:t>
+            </a:r>
+            <a:r>
+              <a:rPr lang="en-IN" sz="1400" b="0" dirty="0">
+                <a:solidFill>
+                  <a:srgbClr val="CCCCCC"/>
+                </a:solidFill>
+                <a:effectLst/>
+                <a:latin typeface="Consolas" panose="020B0609020204030204" pitchFamily="49" charset="0"/>
+              </a:rPr>
+              <a:t>)</a:t>
+            </a:r>
+          </a:p>
+          <a:p>
+            <a:pPr>
+              <a:lnSpc>
+                <a:spcPts val="1425"/>
+              </a:lnSpc>
+              <a:buNone/>
+            </a:pPr>
+            <a:r>
+              <a:rPr lang="en-IN" sz="1400" b="0" dirty="0" err="1">
+                <a:solidFill>
+                  <a:srgbClr val="4EC9B0"/>
+                </a:solidFill>
+                <a:effectLst/>
+                <a:latin typeface="Consolas" panose="020B0609020204030204" pitchFamily="49" charset="0"/>
+              </a:rPr>
+              <a:t>plt</a:t>
+            </a:r>
+            <a:r>
+              <a:rPr lang="en-IN" sz="1400" b="0" dirty="0" err="1">
+                <a:solidFill>
+                  <a:srgbClr val="CCCCCC"/>
+                </a:solidFill>
+                <a:effectLst/>
+                <a:latin typeface="Consolas" panose="020B0609020204030204" pitchFamily="49" charset="0"/>
+              </a:rPr>
+              <a:t>.</a:t>
+            </a:r>
+            <a:r>
+              <a:rPr lang="en-IN" sz="1400" b="0" dirty="0" err="1">
+                <a:solidFill>
+                  <a:srgbClr val="DCDCAA"/>
+                </a:solidFill>
+                <a:effectLst/>
+                <a:latin typeface="Consolas" panose="020B0609020204030204" pitchFamily="49" charset="0"/>
+              </a:rPr>
+              <a:t>ylabel</a:t>
+            </a:r>
+            <a:r>
+              <a:rPr lang="en-IN" sz="1400" b="0" dirty="0">
+                <a:solidFill>
+                  <a:srgbClr val="CCCCCC"/>
+                </a:solidFill>
+                <a:effectLst/>
+                <a:latin typeface="Consolas" panose="020B0609020204030204" pitchFamily="49" charset="0"/>
+              </a:rPr>
+              <a:t>(</a:t>
+            </a:r>
+            <a:r>
+              <a:rPr lang="en-IN" sz="1400" b="0" dirty="0">
+                <a:solidFill>
+                  <a:srgbClr val="CE9178"/>
+                </a:solidFill>
+                <a:effectLst/>
+                <a:latin typeface="Consolas" panose="020B0609020204030204" pitchFamily="49" charset="0"/>
+              </a:rPr>
+              <a:t>"Number of Customers"</a:t>
+            </a:r>
+            <a:r>
+              <a:rPr lang="en-IN" sz="1400" b="0" dirty="0">
+                <a:solidFill>
+                  <a:srgbClr val="CCCCCC"/>
+                </a:solidFill>
+                <a:effectLst/>
+                <a:latin typeface="Consolas" panose="020B0609020204030204" pitchFamily="49" charset="0"/>
+              </a:rPr>
+              <a:t>)</a:t>
+            </a:r>
+          </a:p>
+          <a:p>
+            <a:pPr>
+              <a:lnSpc>
+                <a:spcPts val="1425"/>
+              </a:lnSpc>
+              <a:buNone/>
+            </a:pPr>
+            <a:r>
+              <a:rPr lang="en-IN" sz="1400" b="0" dirty="0" err="1">
+                <a:solidFill>
+                  <a:srgbClr val="4EC9B0"/>
+                </a:solidFill>
+                <a:effectLst/>
+                <a:latin typeface="Consolas" panose="020B0609020204030204" pitchFamily="49" charset="0"/>
+              </a:rPr>
+              <a:t>plt</a:t>
+            </a:r>
+            <a:r>
+              <a:rPr lang="en-IN" sz="1400" b="0" dirty="0" err="1">
+                <a:solidFill>
+                  <a:srgbClr val="CCCCCC"/>
+                </a:solidFill>
+                <a:effectLst/>
+                <a:latin typeface="Consolas" panose="020B0609020204030204" pitchFamily="49" charset="0"/>
+              </a:rPr>
+              <a:t>.</a:t>
+            </a:r>
+            <a:r>
+              <a:rPr lang="en-IN" sz="1400" b="0" dirty="0" err="1">
+                <a:solidFill>
+                  <a:srgbClr val="DCDCAA"/>
+                </a:solidFill>
+                <a:effectLst/>
+                <a:latin typeface="Consolas" panose="020B0609020204030204" pitchFamily="49" charset="0"/>
+              </a:rPr>
+              <a:t>tight_layout</a:t>
+            </a:r>
+            <a:r>
+              <a:rPr lang="en-IN" sz="1400" b="0" dirty="0">
+                <a:solidFill>
+                  <a:srgbClr val="CCCCCC"/>
+                </a:solidFill>
+                <a:effectLst/>
+                <a:latin typeface="Consolas" panose="020B0609020204030204" pitchFamily="49" charset="0"/>
+              </a:rPr>
+              <a:t>()</a:t>
+            </a:r>
+          </a:p>
+          <a:p>
+            <a:pPr>
+              <a:lnSpc>
+                <a:spcPts val="1425"/>
+              </a:lnSpc>
+              <a:buNone/>
+            </a:pPr>
+            <a:r>
+              <a:rPr lang="en-IN" sz="1400" b="0" dirty="0" err="1">
+                <a:solidFill>
+                  <a:srgbClr val="4EC9B0"/>
+                </a:solidFill>
+                <a:effectLst/>
+                <a:latin typeface="Consolas" panose="020B0609020204030204" pitchFamily="49" charset="0"/>
+              </a:rPr>
+              <a:t>plt</a:t>
+            </a:r>
+            <a:r>
+              <a:rPr lang="en-IN" sz="1400" b="0" dirty="0" err="1">
+                <a:solidFill>
+                  <a:srgbClr val="CCCCCC"/>
+                </a:solidFill>
+                <a:effectLst/>
+                <a:latin typeface="Consolas" panose="020B0609020204030204" pitchFamily="49" charset="0"/>
+              </a:rPr>
+              <a:t>.</a:t>
+            </a:r>
+            <a:r>
+              <a:rPr lang="en-IN" sz="1400" b="0" dirty="0" err="1">
+                <a:solidFill>
+                  <a:srgbClr val="DCDCAA"/>
+                </a:solidFill>
+                <a:effectLst/>
+                <a:latin typeface="Consolas" panose="020B0609020204030204" pitchFamily="49" charset="0"/>
+              </a:rPr>
+              <a:t>show</a:t>
+            </a:r>
+            <a:r>
+              <a:rPr lang="en-IN" sz="1400" b="0" dirty="0">
+                <a:solidFill>
+                  <a:srgbClr val="CCCCCC"/>
+                </a:solidFill>
+                <a:effectLst/>
+                <a:latin typeface="Consolas" panose="020B0609020204030204" pitchFamily="49" charset="0"/>
+              </a:rPr>
+              <a:t>()</a:t>
+            </a:r>
+          </a:p>
+          <a:p>
+            <a:pPr>
+              <a:lnSpc>
+                <a:spcPts val="1425"/>
+              </a:lnSpc>
+            </a:pPr>
+            <a:br>
+              <a:rPr lang="en-IN" sz="1400" b="0" dirty="0">
+                <a:solidFill>
+                  <a:srgbClr val="CCCCCC"/>
+                </a:solidFill>
+                <a:effectLst/>
+                <a:latin typeface="Consolas" panose="020B0609020204030204" pitchFamily="49" charset="0"/>
+              </a:rPr>
+            </a:br>
+            <a:endParaRPr lang="en-IN" sz="1400" b="0" dirty="0">
+              <a:solidFill>
+                <a:srgbClr val="CCCCCC"/>
+              </a:solidFill>
+              <a:effectLst/>
+              <a:latin typeface="Consolas" panose="020B0609020204030204" pitchFamily="49" charset="0"/>
+            </a:endParaRPr>
+          </a:p>
+          <a:p>
+            <a:endParaRPr lang="en-US" sz="1400" b="0" dirty="0"/>
           </a:p>
         </p:txBody>
       </p:sp>
@@ -12669,8 +15467,8 @@
         </p:blipFill>
         <p:spPr>
           <a:xfrm>
-            <a:off x="0" y="1317889"/>
-            <a:ext cx="5289755" cy="4665218"/>
+            <a:off x="0" y="502921"/>
+            <a:ext cx="5289755" cy="4471415"/>
           </a:xfrm>
           <a:prstGeom prst="rect">
             <a:avLst/>
@@ -12692,7 +15490,7 @@
         <p:spPr>
           <a:xfrm>
             <a:off x="5289755" y="613389"/>
-            <a:ext cx="6902244" cy="6063198"/>
+            <a:ext cx="6902246" cy="6601807"/>
           </a:xfrm>
           <a:prstGeom prst="rect">
             <a:avLst/>
@@ -12706,12 +15504,12 @@
           <a:lstStyle/>
           <a:p>
             <a:r>
-              <a:rPr lang="en-US" b="1" dirty="0"/>
+              <a:rPr lang="en-US" sz="1200" b="1" dirty="0"/>
               <a:t>Results:</a:t>
             </a:r>
           </a:p>
           <a:p>
-            <a:endParaRPr lang="en-US" b="1" dirty="0"/>
+            <a:endParaRPr lang="en-US" sz="1200" b="1" dirty="0"/>
           </a:p>
           <a:p>
             <a:pPr marL="342900" indent="-342900" algn="l">
@@ -12719,128 +15517,99 @@
               <a:buAutoNum type="arabicPeriod"/>
             </a:pPr>
             <a:r>
-              <a:rPr lang="en-US" sz="1600" dirty="0"/>
+              <a:rPr lang="en-US" sz="1200" dirty="0"/>
               <a:t>Strong Correlations:</a:t>
             </a:r>
           </a:p>
           <a:p>
             <a:pPr lvl="1" algn="l"/>
             <a:r>
-              <a:rPr lang="en-US" sz="1600" dirty="0">
+              <a:rPr lang="en-US" sz="1200" dirty="0">
                 <a:solidFill>
                   <a:schemeClr val="lt2"/>
                 </a:solidFill>
                 <a:latin typeface="+mn-lt"/>
               </a:rPr>
-              <a:t>Total Day Minutes and Total Day Charge is a strong   </a:t>
-            </a:r>
-          </a:p>
-          <a:p>
-            <a:pPr lvl="1" algn="l"/>
-            <a:r>
-              <a:rPr lang="en-US" sz="1600" dirty="0">
+              <a:t>Total Day Minutes and Total Day Charge is a strong  positive correlation (0.93), indicating that more minutes used</a:t>
+            </a:r>
+            <a:r>
+              <a:rPr lang="en-US" sz="1200" dirty="0">
                 <a:solidFill>
                   <a:schemeClr val="lt2"/>
                 </a:solidFill>
               </a:rPr>
-              <a:t>     </a:t>
-            </a:r>
-            <a:r>
-              <a:rPr lang="en-US" sz="1600" dirty="0">
+              <a:t>  </a:t>
+            </a:r>
+            <a:r>
+              <a:rPr lang="en-US" sz="1200" dirty="0">
                 <a:solidFill>
                   <a:schemeClr val="lt2"/>
                 </a:solidFill>
                 <a:latin typeface="+mn-lt"/>
               </a:rPr>
-              <a:t>positive correlation (0.93), indicating that more minutes used   </a:t>
-            </a:r>
-          </a:p>
-          <a:p>
-            <a:pPr lvl="1" algn="l"/>
-            <a:r>
-              <a:rPr lang="en-US" sz="1600" dirty="0">
+              <a:t>during the day leads to higher charges. Total Eve Minutes  </a:t>
+            </a:r>
+            <a:r>
+              <a:rPr lang="en-US" sz="1200" dirty="0">
                 <a:solidFill>
                   <a:schemeClr val="lt2"/>
                 </a:solidFill>
               </a:rPr>
-              <a:t>    </a:t>
-            </a:r>
-            <a:r>
-              <a:rPr lang="en-US" sz="1600" dirty="0">
+              <a:t> </a:t>
+            </a:r>
+            <a:r>
+              <a:rPr lang="en-US" sz="1200" dirty="0">
                 <a:solidFill>
                   <a:schemeClr val="lt2"/>
                 </a:solidFill>
                 <a:latin typeface="+mn-lt"/>
               </a:rPr>
-              <a:t>during the day leads to higher charges. Total Eve Minutes  </a:t>
-            </a:r>
-          </a:p>
-          <a:p>
-            <a:pPr lvl="1" algn="l"/>
-            <a:r>
-              <a:rPr lang="en-US" sz="1600" dirty="0">
+              <a:t>and  </a:t>
+            </a:r>
+            <a:r>
+              <a:rPr lang="en-US" sz="1200" dirty="0">
                 <a:solidFill>
                   <a:schemeClr val="lt2"/>
                 </a:solidFill>
               </a:rPr>
-              <a:t>    </a:t>
-            </a:r>
-            <a:r>
-              <a:rPr lang="en-US" sz="1600" dirty="0">
+              <a:t> </a:t>
+            </a:r>
+            <a:r>
+              <a:rPr lang="en-US" sz="1200" dirty="0">
                 <a:solidFill>
                   <a:schemeClr val="lt2"/>
                 </a:solidFill>
                 <a:latin typeface="+mn-lt"/>
               </a:rPr>
-              <a:t>and  </a:t>
-            </a:r>
-            <a:r>
-              <a:rPr lang="en-US" sz="1600" dirty="0">
+              <a:t>Total Eve Charge</a:t>
+            </a:r>
+            <a:r>
+              <a:rPr lang="en-US" sz="1200" dirty="0">
                 <a:solidFill>
                   <a:schemeClr val="lt2"/>
                 </a:solidFill>
               </a:rPr>
+              <a:t> a</a:t>
+            </a:r>
+            <a:r>
+              <a:rPr lang="en-US" sz="1200" dirty="0">
+                <a:solidFill>
+                  <a:schemeClr val="lt2"/>
+                </a:solidFill>
+                <a:latin typeface="+mn-lt"/>
+              </a:rPr>
+              <a:t>lso shows a strong  correlation  </a:t>
+            </a:r>
+            <a:r>
+              <a:rPr lang="en-US" sz="1200" dirty="0">
+                <a:solidFill>
+                  <a:schemeClr val="lt2"/>
+                </a:solidFill>
+              </a:rPr>
               <a:t> </a:t>
             </a:r>
             <a:r>
-              <a:rPr lang="en-US" sz="1600" dirty="0">
-                <a:solidFill>
-                  <a:schemeClr val="lt2"/>
-                </a:solidFill>
-                <a:latin typeface="+mn-lt"/>
-              </a:rPr>
-              <a:t>Total Eve Charge</a:t>
-            </a:r>
-            <a:r>
-              <a:rPr lang="en-US" sz="1600" dirty="0">
-                <a:solidFill>
-                  <a:schemeClr val="lt2"/>
-                </a:solidFill>
-              </a:rPr>
-              <a:t> a</a:t>
-            </a:r>
-            <a:r>
-              <a:rPr lang="en-US" sz="1600" dirty="0">
-                <a:solidFill>
-                  <a:schemeClr val="lt2"/>
-                </a:solidFill>
-                <a:latin typeface="+mn-lt"/>
-              </a:rPr>
-              <a:t>lso shows a strong  correlation   </a:t>
-            </a:r>
-          </a:p>
-          <a:p>
-            <a:pPr lvl="1" algn="l"/>
-            <a:r>
-              <a:rPr lang="en-US" sz="1600" dirty="0">
-                <a:solidFill>
-                  <a:schemeClr val="lt2"/>
-                </a:solidFill>
-              </a:rPr>
-              <a:t>    </a:t>
-            </a:r>
-            <a:r>
-              <a:rPr lang="en-US" sz="1600" dirty="0">
+              <a:rPr lang="en-US" sz="1200" dirty="0">
                 <a:solidFill>
                   <a:schemeClr val="lt2"/>
                 </a:solidFill>
@@ -12855,60 +15624,20 @@
               <a:buAutoNum type="arabicPeriod"/>
             </a:pPr>
             <a:r>
-              <a:rPr lang="en-US" sz="1600" dirty="0"/>
+              <a:rPr lang="en-US" sz="1200" dirty="0"/>
               <a:t>Moderate Correlations:</a:t>
             </a:r>
           </a:p>
           <a:p>
             <a:pPr lvl="1" algn="l"/>
             <a:r>
-              <a:rPr lang="en-US" sz="1600" dirty="0">
+              <a:rPr lang="en-US" sz="1200" dirty="0">
                 <a:solidFill>
                   <a:schemeClr val="lt2"/>
                 </a:solidFill>
                 <a:latin typeface="+mn-lt"/>
               </a:rPr>
-              <a:t>     Total Night Minutes and Total Night Charge (0.74) and Total    </a:t>
-            </a:r>
-          </a:p>
-          <a:p>
-            <a:pPr lvl="1" algn="l"/>
-            <a:r>
-              <a:rPr lang="en-US" sz="1600" dirty="0">
-                <a:solidFill>
-                  <a:schemeClr val="lt2"/>
-                </a:solidFill>
-              </a:rPr>
-              <a:t>     </a:t>
-            </a:r>
-            <a:r>
-              <a:rPr lang="en-US" sz="1600" dirty="0">
-                <a:solidFill>
-                  <a:schemeClr val="lt2"/>
-                </a:solidFill>
-                <a:latin typeface="+mn-lt"/>
-              </a:rPr>
-              <a:t>Day Calls and Total Day Charge (0.67) indicate a positive   </a:t>
-            </a:r>
-          </a:p>
-          <a:p>
-            <a:pPr lvl="1" algn="l"/>
-            <a:r>
-              <a:rPr lang="en-US" sz="1600" dirty="0">
-                <a:solidFill>
-                  <a:schemeClr val="lt2"/>
-                </a:solidFill>
-              </a:rPr>
-              <a:t>     </a:t>
-            </a:r>
-            <a:r>
-              <a:rPr lang="en-US" sz="1600" dirty="0">
-                <a:solidFill>
-                  <a:schemeClr val="lt2"/>
-                </a:solidFill>
-                <a:latin typeface="+mn-lt"/>
-              </a:rPr>
-              <a:t>relationship as well.</a:t>
+              <a:t>     Total Night Minutes and Total Night Charge (0.74) and Total Day Calls and Total Day Charge (0.67) indicate a positive  relationship as well.</a:t>
             </a:r>
           </a:p>
           <a:p>
@@ -12917,55 +15646,37 @@
               <a:buAutoNum type="arabicPeriod"/>
             </a:pPr>
             <a:r>
-              <a:rPr lang="en-US" sz="1600" dirty="0"/>
+              <a:rPr lang="en-US" sz="1200" dirty="0"/>
               <a:t>Weak/Slight Correlations: </a:t>
             </a:r>
             <a:r>
-              <a:rPr lang="en-US" sz="1600" b="0" dirty="0"/>
+              <a:rPr lang="en-US" sz="1200" b="0" dirty="0"/>
               <a:t>Features like "Number of </a:t>
             </a:r>
             <a:r>
-              <a:rPr lang="en-US" sz="1600" b="0" dirty="0" err="1"/>
+              <a:rPr lang="en-US" sz="1200" b="0" dirty="0" err="1"/>
               <a:t>vmail</a:t>
             </a:r>
             <a:r>
-              <a:rPr lang="en-US" sz="1600" b="0" dirty="0"/>
-              <a:t>   </a:t>
-            </a:r>
-          </a:p>
-          <a:p>
-            <a:pPr algn="l"/>
-            <a:r>
-              <a:rPr lang="en-US" sz="1600" dirty="0"/>
-              <a:t>               </a:t>
-            </a:r>
-            <a:r>
-              <a:rPr lang="en-US" sz="1600" b="0" dirty="0"/>
-              <a:t>messages" show negligible correlation with charges,  </a:t>
-            </a:r>
-          </a:p>
-          <a:p>
-            <a:pPr algn="l"/>
-            <a:r>
-              <a:rPr lang="en-US" sz="1600" dirty="0"/>
-              <a:t>               </a:t>
-            </a:r>
-            <a:r>
-              <a:rPr lang="en-US" sz="1600" b="0" dirty="0"/>
-              <a:t>indicating other factors may influence those metrics.</a:t>
-            </a:r>
-          </a:p>
-          <a:p>
-            <a:endParaRPr lang="en-US" sz="1600" b="0" dirty="0"/>
-          </a:p>
-          <a:p>
-            <a:r>
-              <a:rPr lang="en-US" b="1" dirty="0"/>
+              <a:rPr lang="en-US" sz="1200" dirty="0"/>
+              <a:t> </a:t>
+            </a:r>
+            <a:r>
+              <a:rPr lang="en-US" sz="1200" b="0" dirty="0"/>
+              <a:t>messages" show negligible correlation with charges, indicating other factors may influence those metrics.</a:t>
+            </a:r>
+          </a:p>
+          <a:p>
+            <a:endParaRPr lang="en-US" sz="1200" b="0" dirty="0"/>
+          </a:p>
+          <a:p>
+            <a:r>
+              <a:rPr lang="en-US" sz="1200" b="1" dirty="0"/>
               <a:t>Suggestions:</a:t>
             </a:r>
           </a:p>
           <a:p>
-            <a:endParaRPr lang="en-US" sz="1600" b="1" dirty="0"/>
+            <a:endParaRPr lang="en-US" sz="1200" b="1" dirty="0"/>
           </a:p>
           <a:p>
             <a:pPr marL="342900" indent="-342900" algn="l">
@@ -12973,7 +15684,7 @@
               <a:buAutoNum type="arabicPeriod"/>
             </a:pPr>
             <a:r>
-              <a:rPr lang="en-US" sz="1600" b="0" dirty="0"/>
+              <a:rPr lang="en-US" sz="1200" b="0" dirty="0"/>
               <a:t>Leverage the strong correlations between usage minutes and charges to design tiered pricing plans encouraging higher usage.</a:t>
             </a:r>
           </a:p>
@@ -12983,70 +15694,1123 @@
               <a:buAutoNum type="arabicPeriod"/>
             </a:pPr>
             <a:r>
-              <a:rPr lang="en-US" sz="1600" b="0" dirty="0"/>
+              <a:rPr lang="en-US" sz="1200" b="0" dirty="0"/>
               <a:t>Analyze customer behavior patterns to create targeted marketing campaigns for up-selling services based on call and charge metrics.</a:t>
             </a:r>
           </a:p>
-        </p:txBody>
-      </p:sp>
-      <p:sp>
-        <p:nvSpPr>
-          <p:cNvPr id="4" name="Google Shape;170;p5">
-            <a:extLst>
-              <a:ext uri="{FF2B5EF4-FFF2-40B4-BE49-F238E27FC236}">
-                <a16:creationId xmlns:a16="http://schemas.microsoft.com/office/drawing/2014/main" id="{2B9A81C6-3266-0092-91D6-A0FACA9512FF}"/>
-              </a:ext>
-            </a:extLst>
-          </p:cNvPr>
-          <p:cNvSpPr txBox="1">
-            <a:spLocks/>
-          </p:cNvSpPr>
-          <p:nvPr/>
-        </p:nvSpPr>
-        <p:spPr>
-          <a:xfrm>
-            <a:off x="1" y="181413"/>
-            <a:ext cx="5958350" cy="441586"/>
-          </a:xfrm>
-          <a:prstGeom prst="rect">
-            <a:avLst/>
-          </a:prstGeom>
-          <a:noFill/>
-          <a:ln>
-            <a:noFill/>
-          </a:ln>
-        </p:spPr>
-        <p:txBody>
-          <a:bodyPr spcFirstLastPara="1" wrap="square" lIns="91425" tIns="45700" rIns="91425" bIns="45700" anchor="t" anchorCtr="0">
-            <a:normAutofit/>
-          </a:bodyPr>
-          <a:lstStyle>
-            <a:lvl1pPr algn="l" defTabSz="914400" rtl="0" eaLnBrk="1" latinLnBrk="0" hangingPunct="1">
+          <a:p>
+            <a:pPr algn="l"/>
+            <a:endParaRPr lang="en-US" sz="1200" dirty="0"/>
+          </a:p>
+          <a:p>
+            <a:pPr algn="l"/>
+            <a:r>
+              <a:rPr lang="en-US" sz="800" dirty="0"/>
+              <a:t>Syntax:</a:t>
+            </a:r>
+          </a:p>
+          <a:p>
+            <a:pPr>
               <a:lnSpc>
-                <a:spcPct val="90000"/>
+                <a:spcPts val="1425"/>
               </a:lnSpc>
-              <a:spcBef>
-                <a:spcPct val="0"/>
-              </a:spcBef>
-              <a:buNone/>
-              <a:defRPr sz="3600" kern="1200" cap="all" baseline="0">
-                <a:solidFill>
-                  <a:schemeClr val="tx1"/>
-                </a:solidFill>
-                <a:latin typeface="+mj-lt"/>
-                <a:ea typeface="+mj-ea"/>
-                <a:cs typeface="+mj-cs"/>
-              </a:defRPr>
-            </a:lvl1pPr>
-          </a:lstStyle>
+              <a:buNone/>
+            </a:pPr>
+            <a:r>
+              <a:rPr lang="en-IN" sz="800" b="0" dirty="0" err="1">
+                <a:solidFill>
+                  <a:srgbClr val="6A9955"/>
+                </a:solidFill>
+                <a:effectLst/>
+                <a:latin typeface="Consolas" panose="020B0609020204030204" pitchFamily="49" charset="0"/>
+              </a:rPr>
+              <a:t>orrelation</a:t>
+            </a:r>
+            <a:r>
+              <a:rPr lang="en-IN" sz="800" b="0" dirty="0">
+                <a:solidFill>
+                  <a:srgbClr val="6A9955"/>
+                </a:solidFill>
+                <a:effectLst/>
+                <a:latin typeface="Consolas" panose="020B0609020204030204" pitchFamily="49" charset="0"/>
+              </a:rPr>
+              <a:t> analysis between total minutes used and total charges</a:t>
+            </a:r>
+            <a:endParaRPr lang="en-IN" sz="800" b="0" dirty="0">
+              <a:solidFill>
+                <a:srgbClr val="CCCCCC"/>
+              </a:solidFill>
+              <a:effectLst/>
+              <a:latin typeface="Consolas" panose="020B0609020204030204" pitchFamily="49" charset="0"/>
+            </a:endParaRPr>
+          </a:p>
           <a:p>
             <a:pPr>
-              <a:buSzPts val="4200"/>
+              <a:lnSpc>
+                <a:spcPts val="1425"/>
+              </a:lnSpc>
+              <a:buNone/>
             </a:pPr>
             <a:r>
-              <a:rPr lang="en-US" sz="2500" dirty="0"/>
-              <a:t>Exploratory Data Analysis (EDA):</a:t>
-            </a:r>
+              <a:rPr lang="en-IN" sz="800" b="0" dirty="0" err="1">
+                <a:solidFill>
+                  <a:srgbClr val="9CDCFE"/>
+                </a:solidFill>
+                <a:effectLst/>
+                <a:latin typeface="Consolas" panose="020B0609020204030204" pitchFamily="49" charset="0"/>
+              </a:rPr>
+              <a:t>minutes_columns</a:t>
+            </a:r>
+            <a:r>
+              <a:rPr lang="en-IN" sz="800" b="0" dirty="0">
+                <a:solidFill>
+                  <a:srgbClr val="CCCCCC"/>
+                </a:solidFill>
+                <a:effectLst/>
+                <a:latin typeface="Consolas" panose="020B0609020204030204" pitchFamily="49" charset="0"/>
+              </a:rPr>
+              <a:t> </a:t>
+            </a:r>
+            <a:r>
+              <a:rPr lang="en-IN" sz="800" b="0" dirty="0">
+                <a:solidFill>
+                  <a:srgbClr val="D4D4D4"/>
+                </a:solidFill>
+                <a:effectLst/>
+                <a:latin typeface="Consolas" panose="020B0609020204030204" pitchFamily="49" charset="0"/>
+              </a:rPr>
+              <a:t>=</a:t>
+            </a:r>
+            <a:r>
+              <a:rPr lang="en-IN" sz="800" b="0" dirty="0">
+                <a:solidFill>
+                  <a:srgbClr val="CCCCCC"/>
+                </a:solidFill>
+                <a:effectLst/>
+                <a:latin typeface="Consolas" panose="020B0609020204030204" pitchFamily="49" charset="0"/>
+              </a:rPr>
+              <a:t> [ </a:t>
+            </a:r>
+            <a:r>
+              <a:rPr lang="en-IN" sz="800" b="0" dirty="0">
+                <a:solidFill>
+                  <a:srgbClr val="CE9178"/>
+                </a:solidFill>
+                <a:effectLst/>
+                <a:latin typeface="Consolas" panose="020B0609020204030204" pitchFamily="49" charset="0"/>
+              </a:rPr>
+              <a:t>"Total day minutes"</a:t>
+            </a:r>
+            <a:r>
+              <a:rPr lang="en-IN" sz="800" b="0" dirty="0">
+                <a:solidFill>
+                  <a:srgbClr val="CCCCCC"/>
+                </a:solidFill>
+                <a:effectLst/>
+                <a:latin typeface="Consolas" panose="020B0609020204030204" pitchFamily="49" charset="0"/>
+              </a:rPr>
+              <a:t>, </a:t>
+            </a:r>
+            <a:r>
+              <a:rPr lang="en-IN" sz="800" b="0" dirty="0">
+                <a:solidFill>
+                  <a:srgbClr val="CE9178"/>
+                </a:solidFill>
+                <a:effectLst/>
+                <a:latin typeface="Consolas" panose="020B0609020204030204" pitchFamily="49" charset="0"/>
+              </a:rPr>
+              <a:t>"Total eve minutes"</a:t>
+            </a:r>
+            <a:r>
+              <a:rPr lang="en-IN" sz="800" b="0" dirty="0">
+                <a:solidFill>
+                  <a:srgbClr val="CCCCCC"/>
+                </a:solidFill>
+                <a:effectLst/>
+                <a:latin typeface="Consolas" panose="020B0609020204030204" pitchFamily="49" charset="0"/>
+              </a:rPr>
+              <a:t>, </a:t>
+            </a:r>
+            <a:r>
+              <a:rPr lang="en-IN" sz="800" b="0" dirty="0">
+                <a:solidFill>
+                  <a:srgbClr val="CE9178"/>
+                </a:solidFill>
+                <a:effectLst/>
+                <a:latin typeface="Consolas" panose="020B0609020204030204" pitchFamily="49" charset="0"/>
+              </a:rPr>
+              <a:t>"Total night minutes"</a:t>
+            </a:r>
+            <a:r>
+              <a:rPr lang="en-IN" sz="800" b="0" dirty="0">
+                <a:solidFill>
+                  <a:srgbClr val="CCCCCC"/>
+                </a:solidFill>
+                <a:effectLst/>
+                <a:latin typeface="Consolas" panose="020B0609020204030204" pitchFamily="49" charset="0"/>
+              </a:rPr>
+              <a:t>, </a:t>
+            </a:r>
+            <a:r>
+              <a:rPr lang="en-IN" sz="800" b="0" dirty="0">
+                <a:solidFill>
+                  <a:srgbClr val="CE9178"/>
+                </a:solidFill>
+                <a:effectLst/>
+                <a:latin typeface="Consolas" panose="020B0609020204030204" pitchFamily="49" charset="0"/>
+              </a:rPr>
+              <a:t>"Total </a:t>
+            </a:r>
+            <a:r>
+              <a:rPr lang="en-IN" sz="800" b="0" dirty="0" err="1">
+                <a:solidFill>
+                  <a:srgbClr val="CE9178"/>
+                </a:solidFill>
+                <a:effectLst/>
+                <a:latin typeface="Consolas" panose="020B0609020204030204" pitchFamily="49" charset="0"/>
+              </a:rPr>
+              <a:t>intl</a:t>
+            </a:r>
+            <a:r>
+              <a:rPr lang="en-IN" sz="800" b="0" dirty="0">
+                <a:solidFill>
+                  <a:srgbClr val="CE9178"/>
+                </a:solidFill>
+                <a:effectLst/>
+                <a:latin typeface="Consolas" panose="020B0609020204030204" pitchFamily="49" charset="0"/>
+              </a:rPr>
+              <a:t> minutes“</a:t>
+            </a:r>
+            <a:r>
+              <a:rPr lang="en-IN" sz="800" dirty="0">
+                <a:solidFill>
+                  <a:srgbClr val="CCCCCC"/>
+                </a:solidFill>
+                <a:latin typeface="Consolas" panose="020B0609020204030204" pitchFamily="49" charset="0"/>
+              </a:rPr>
+              <a:t>]</a:t>
+            </a:r>
+            <a:endParaRPr lang="en-IN" sz="800" b="0" dirty="0">
+              <a:solidFill>
+                <a:srgbClr val="CCCCCC"/>
+              </a:solidFill>
+              <a:effectLst/>
+              <a:latin typeface="Consolas" panose="020B0609020204030204" pitchFamily="49" charset="0"/>
+            </a:endParaRPr>
+          </a:p>
+          <a:p>
+            <a:pPr>
+              <a:lnSpc>
+                <a:spcPts val="1425"/>
+              </a:lnSpc>
+              <a:buNone/>
+            </a:pPr>
+            <a:r>
+              <a:rPr lang="en-IN" sz="800" b="0" dirty="0" err="1">
+                <a:solidFill>
+                  <a:srgbClr val="9CDCFE"/>
+                </a:solidFill>
+                <a:effectLst/>
+                <a:latin typeface="Consolas" panose="020B0609020204030204" pitchFamily="49" charset="0"/>
+              </a:rPr>
+              <a:t>charges_columns</a:t>
+            </a:r>
+            <a:r>
+              <a:rPr lang="en-IN" sz="800" b="0" dirty="0">
+                <a:solidFill>
+                  <a:srgbClr val="CCCCCC"/>
+                </a:solidFill>
+                <a:effectLst/>
+                <a:latin typeface="Consolas" panose="020B0609020204030204" pitchFamily="49" charset="0"/>
+              </a:rPr>
+              <a:t> </a:t>
+            </a:r>
+            <a:r>
+              <a:rPr lang="en-IN" sz="800" b="0" dirty="0">
+                <a:solidFill>
+                  <a:srgbClr val="D4D4D4"/>
+                </a:solidFill>
+                <a:effectLst/>
+                <a:latin typeface="Consolas" panose="020B0609020204030204" pitchFamily="49" charset="0"/>
+              </a:rPr>
+              <a:t>=</a:t>
+            </a:r>
+            <a:r>
+              <a:rPr lang="en-IN" sz="800" b="0" dirty="0">
+                <a:solidFill>
+                  <a:srgbClr val="CCCCCC"/>
+                </a:solidFill>
+                <a:effectLst/>
+                <a:latin typeface="Consolas" panose="020B0609020204030204" pitchFamily="49" charset="0"/>
+              </a:rPr>
+              <a:t> [</a:t>
+            </a:r>
+            <a:r>
+              <a:rPr lang="en-IN" sz="800" b="0" dirty="0">
+                <a:solidFill>
+                  <a:srgbClr val="CE9178"/>
+                </a:solidFill>
+                <a:effectLst/>
+                <a:latin typeface="Consolas" panose="020B0609020204030204" pitchFamily="49" charset="0"/>
+              </a:rPr>
+              <a:t>"Total day charge"</a:t>
+            </a:r>
+            <a:r>
+              <a:rPr lang="en-IN" sz="800" b="0" dirty="0">
+                <a:solidFill>
+                  <a:srgbClr val="CCCCCC"/>
+                </a:solidFill>
+                <a:effectLst/>
+                <a:latin typeface="Consolas" panose="020B0609020204030204" pitchFamily="49" charset="0"/>
+              </a:rPr>
+              <a:t>, </a:t>
+            </a:r>
+            <a:r>
+              <a:rPr lang="en-IN" sz="800" b="0" dirty="0">
+                <a:solidFill>
+                  <a:srgbClr val="CE9178"/>
+                </a:solidFill>
+                <a:effectLst/>
+                <a:latin typeface="Consolas" panose="020B0609020204030204" pitchFamily="49" charset="0"/>
+              </a:rPr>
+              <a:t>"Total eve charge"</a:t>
+            </a:r>
+            <a:r>
+              <a:rPr lang="en-IN" sz="800" b="0" dirty="0">
+                <a:solidFill>
+                  <a:srgbClr val="CCCCCC"/>
+                </a:solidFill>
+                <a:effectLst/>
+                <a:latin typeface="Consolas" panose="020B0609020204030204" pitchFamily="49" charset="0"/>
+              </a:rPr>
+              <a:t>, </a:t>
+            </a:r>
+            <a:r>
+              <a:rPr lang="en-IN" sz="800" b="0" dirty="0">
+                <a:solidFill>
+                  <a:srgbClr val="CE9178"/>
+                </a:solidFill>
+                <a:effectLst/>
+                <a:latin typeface="Consolas" panose="020B0609020204030204" pitchFamily="49" charset="0"/>
+              </a:rPr>
+              <a:t>"Total night charge"</a:t>
+            </a:r>
+            <a:r>
+              <a:rPr lang="en-IN" sz="800" b="0" dirty="0">
+                <a:solidFill>
+                  <a:srgbClr val="CCCCCC"/>
+                </a:solidFill>
+                <a:effectLst/>
+                <a:latin typeface="Consolas" panose="020B0609020204030204" pitchFamily="49" charset="0"/>
+              </a:rPr>
+              <a:t>, </a:t>
+            </a:r>
+            <a:r>
+              <a:rPr lang="en-IN" sz="800" b="0" dirty="0">
+                <a:solidFill>
+                  <a:srgbClr val="CE9178"/>
+                </a:solidFill>
+                <a:effectLst/>
+                <a:latin typeface="Consolas" panose="020B0609020204030204" pitchFamily="49" charset="0"/>
+              </a:rPr>
+              <a:t>"Total </a:t>
+            </a:r>
+            <a:r>
+              <a:rPr lang="en-IN" sz="800" b="0" dirty="0" err="1">
+                <a:solidFill>
+                  <a:srgbClr val="CE9178"/>
+                </a:solidFill>
+                <a:effectLst/>
+                <a:latin typeface="Consolas" panose="020B0609020204030204" pitchFamily="49" charset="0"/>
+              </a:rPr>
+              <a:t>intl</a:t>
+            </a:r>
+            <a:r>
+              <a:rPr lang="en-IN" sz="800" b="0" dirty="0">
+                <a:solidFill>
+                  <a:srgbClr val="CE9178"/>
+                </a:solidFill>
+                <a:effectLst/>
+                <a:latin typeface="Consolas" panose="020B0609020204030204" pitchFamily="49" charset="0"/>
+              </a:rPr>
+              <a:t> charge“]</a:t>
+            </a:r>
+            <a:endParaRPr lang="en-IN" sz="800" b="0" dirty="0">
+              <a:solidFill>
+                <a:srgbClr val="CCCCCC"/>
+              </a:solidFill>
+              <a:effectLst/>
+              <a:latin typeface="Consolas" panose="020B0609020204030204" pitchFamily="49" charset="0"/>
+            </a:endParaRPr>
+          </a:p>
+          <a:p>
+            <a:pPr>
+              <a:lnSpc>
+                <a:spcPts val="1425"/>
+              </a:lnSpc>
+              <a:buNone/>
+            </a:pPr>
+            <a:endParaRPr lang="en-IN" sz="800" b="0" dirty="0">
+              <a:solidFill>
+                <a:srgbClr val="CCCCCC"/>
+              </a:solidFill>
+              <a:effectLst/>
+              <a:latin typeface="Consolas" panose="020B0609020204030204" pitchFamily="49" charset="0"/>
+            </a:endParaRPr>
+          </a:p>
+          <a:p>
+            <a:pPr>
+              <a:lnSpc>
+                <a:spcPts val="1425"/>
+              </a:lnSpc>
+              <a:buNone/>
+            </a:pPr>
+            <a:r>
+              <a:rPr lang="en-IN" sz="800" b="0" dirty="0">
+                <a:solidFill>
+                  <a:srgbClr val="6A9955"/>
+                </a:solidFill>
+                <a:effectLst/>
+                <a:latin typeface="Consolas" panose="020B0609020204030204" pitchFamily="49" charset="0"/>
+              </a:rPr>
+              <a:t>Create a correlation matrix for minutes and charges</a:t>
+            </a:r>
+            <a:endParaRPr lang="en-IN" sz="800" b="0" dirty="0">
+              <a:solidFill>
+                <a:srgbClr val="CCCCCC"/>
+              </a:solidFill>
+              <a:effectLst/>
+              <a:latin typeface="Consolas" panose="020B0609020204030204" pitchFamily="49" charset="0"/>
+            </a:endParaRPr>
+          </a:p>
+          <a:p>
+            <a:pPr>
+              <a:lnSpc>
+                <a:spcPts val="1425"/>
+              </a:lnSpc>
+              <a:buNone/>
+            </a:pPr>
+            <a:r>
+              <a:rPr lang="en-IN" sz="800" b="0" dirty="0" err="1">
+                <a:solidFill>
+                  <a:srgbClr val="9CDCFE"/>
+                </a:solidFill>
+                <a:effectLst/>
+                <a:latin typeface="Consolas" panose="020B0609020204030204" pitchFamily="49" charset="0"/>
+              </a:rPr>
+              <a:t>correlation_df</a:t>
+            </a:r>
+            <a:r>
+              <a:rPr lang="en-IN" sz="800" b="0" dirty="0">
+                <a:solidFill>
+                  <a:srgbClr val="CCCCCC"/>
+                </a:solidFill>
+                <a:effectLst/>
+                <a:latin typeface="Consolas" panose="020B0609020204030204" pitchFamily="49" charset="0"/>
+              </a:rPr>
+              <a:t> </a:t>
+            </a:r>
+            <a:r>
+              <a:rPr lang="en-IN" sz="800" b="0" dirty="0">
+                <a:solidFill>
+                  <a:srgbClr val="D4D4D4"/>
+                </a:solidFill>
+                <a:effectLst/>
+                <a:latin typeface="Consolas" panose="020B0609020204030204" pitchFamily="49" charset="0"/>
+              </a:rPr>
+              <a:t>=</a:t>
+            </a:r>
+            <a:r>
+              <a:rPr lang="en-IN" sz="800" b="0" dirty="0">
+                <a:solidFill>
+                  <a:srgbClr val="CCCCCC"/>
+                </a:solidFill>
+                <a:effectLst/>
+                <a:latin typeface="Consolas" panose="020B0609020204030204" pitchFamily="49" charset="0"/>
+              </a:rPr>
+              <a:t> </a:t>
+            </a:r>
+            <a:r>
+              <a:rPr lang="en-IN" sz="800" b="0" dirty="0" err="1">
+                <a:solidFill>
+                  <a:srgbClr val="9CDCFE"/>
+                </a:solidFill>
+                <a:effectLst/>
+                <a:latin typeface="Consolas" panose="020B0609020204030204" pitchFamily="49" charset="0"/>
+              </a:rPr>
+              <a:t>df</a:t>
+            </a:r>
+            <a:r>
+              <a:rPr lang="en-IN" sz="800" b="0" dirty="0">
+                <a:solidFill>
+                  <a:srgbClr val="CCCCCC"/>
+                </a:solidFill>
+                <a:effectLst/>
+                <a:latin typeface="Consolas" panose="020B0609020204030204" pitchFamily="49" charset="0"/>
+              </a:rPr>
+              <a:t>[</a:t>
+            </a:r>
+            <a:r>
+              <a:rPr lang="en-IN" sz="800" b="0" dirty="0" err="1">
+                <a:solidFill>
+                  <a:srgbClr val="9CDCFE"/>
+                </a:solidFill>
+                <a:effectLst/>
+                <a:latin typeface="Consolas" panose="020B0609020204030204" pitchFamily="49" charset="0"/>
+              </a:rPr>
+              <a:t>minutes_columns</a:t>
+            </a:r>
+            <a:r>
+              <a:rPr lang="en-IN" sz="800" b="0" dirty="0">
+                <a:solidFill>
+                  <a:srgbClr val="CCCCCC"/>
+                </a:solidFill>
+                <a:effectLst/>
+                <a:latin typeface="Consolas" panose="020B0609020204030204" pitchFamily="49" charset="0"/>
+              </a:rPr>
+              <a:t> </a:t>
+            </a:r>
+            <a:r>
+              <a:rPr lang="en-IN" sz="800" b="0" dirty="0">
+                <a:solidFill>
+                  <a:srgbClr val="D4D4D4"/>
+                </a:solidFill>
+                <a:effectLst/>
+                <a:latin typeface="Consolas" panose="020B0609020204030204" pitchFamily="49" charset="0"/>
+              </a:rPr>
+              <a:t>+</a:t>
+            </a:r>
+            <a:r>
+              <a:rPr lang="en-IN" sz="800" b="0" dirty="0">
+                <a:solidFill>
+                  <a:srgbClr val="CCCCCC"/>
+                </a:solidFill>
+                <a:effectLst/>
+                <a:latin typeface="Consolas" panose="020B0609020204030204" pitchFamily="49" charset="0"/>
+              </a:rPr>
+              <a:t> </a:t>
+            </a:r>
+            <a:r>
+              <a:rPr lang="en-IN" sz="800" b="0" dirty="0" err="1">
+                <a:solidFill>
+                  <a:srgbClr val="9CDCFE"/>
+                </a:solidFill>
+                <a:effectLst/>
+                <a:latin typeface="Consolas" panose="020B0609020204030204" pitchFamily="49" charset="0"/>
+              </a:rPr>
+              <a:t>charges_columns</a:t>
+            </a:r>
+            <a:r>
+              <a:rPr lang="en-IN" sz="800" b="0" dirty="0">
+                <a:solidFill>
+                  <a:srgbClr val="CCCCCC"/>
+                </a:solidFill>
+                <a:effectLst/>
+                <a:latin typeface="Consolas" panose="020B0609020204030204" pitchFamily="49" charset="0"/>
+              </a:rPr>
+              <a:t>].</a:t>
+            </a:r>
+            <a:r>
+              <a:rPr lang="en-IN" sz="800" b="0" dirty="0" err="1">
+                <a:solidFill>
+                  <a:srgbClr val="DCDCAA"/>
+                </a:solidFill>
+                <a:effectLst/>
+                <a:latin typeface="Consolas" panose="020B0609020204030204" pitchFamily="49" charset="0"/>
+              </a:rPr>
+              <a:t>corr</a:t>
+            </a:r>
+            <a:r>
+              <a:rPr lang="en-IN" sz="800" b="0" dirty="0">
+                <a:solidFill>
+                  <a:srgbClr val="CCCCCC"/>
+                </a:solidFill>
+                <a:effectLst/>
+                <a:latin typeface="Consolas" panose="020B0609020204030204" pitchFamily="49" charset="0"/>
+              </a:rPr>
+              <a:t>()</a:t>
+            </a:r>
+          </a:p>
+          <a:p>
+            <a:pPr>
+              <a:lnSpc>
+                <a:spcPts val="1425"/>
+              </a:lnSpc>
+              <a:buNone/>
+            </a:pPr>
+            <a:br>
+              <a:rPr lang="en-IN" sz="800" b="0" dirty="0">
+                <a:solidFill>
+                  <a:srgbClr val="CCCCCC"/>
+                </a:solidFill>
+                <a:effectLst/>
+                <a:latin typeface="Consolas" panose="020B0609020204030204" pitchFamily="49" charset="0"/>
+              </a:rPr>
+            </a:br>
+            <a:r>
+              <a:rPr lang="en-IN" sz="800" b="0" dirty="0">
+                <a:solidFill>
+                  <a:srgbClr val="6A9955"/>
+                </a:solidFill>
+                <a:effectLst/>
+                <a:latin typeface="Consolas" panose="020B0609020204030204" pitchFamily="49" charset="0"/>
+              </a:rPr>
+              <a:t># Plot heatmap</a:t>
+            </a:r>
+            <a:endParaRPr lang="en-IN" sz="800" b="0" dirty="0">
+              <a:solidFill>
+                <a:srgbClr val="CCCCCC"/>
+              </a:solidFill>
+              <a:effectLst/>
+              <a:latin typeface="Consolas" panose="020B0609020204030204" pitchFamily="49" charset="0"/>
+            </a:endParaRPr>
+          </a:p>
+          <a:p>
+            <a:pPr>
+              <a:lnSpc>
+                <a:spcPts val="1425"/>
+              </a:lnSpc>
+              <a:buNone/>
+            </a:pPr>
+            <a:r>
+              <a:rPr lang="en-IN" sz="800" b="0" dirty="0" err="1">
+                <a:solidFill>
+                  <a:srgbClr val="4EC9B0"/>
+                </a:solidFill>
+                <a:effectLst/>
+                <a:latin typeface="Consolas" panose="020B0609020204030204" pitchFamily="49" charset="0"/>
+              </a:rPr>
+              <a:t>plt</a:t>
+            </a:r>
+            <a:r>
+              <a:rPr lang="en-IN" sz="800" b="0" dirty="0" err="1">
+                <a:solidFill>
+                  <a:srgbClr val="CCCCCC"/>
+                </a:solidFill>
+                <a:effectLst/>
+                <a:latin typeface="Consolas" panose="020B0609020204030204" pitchFamily="49" charset="0"/>
+              </a:rPr>
+              <a:t>.</a:t>
+            </a:r>
+            <a:r>
+              <a:rPr lang="en-IN" sz="800" b="0" dirty="0" err="1">
+                <a:solidFill>
+                  <a:srgbClr val="DCDCAA"/>
+                </a:solidFill>
+                <a:effectLst/>
+                <a:latin typeface="Consolas" panose="020B0609020204030204" pitchFamily="49" charset="0"/>
+              </a:rPr>
+              <a:t>figure</a:t>
+            </a:r>
+            <a:r>
+              <a:rPr lang="en-IN" sz="800" b="0" dirty="0">
+                <a:solidFill>
+                  <a:srgbClr val="CCCCCC"/>
+                </a:solidFill>
+                <a:effectLst/>
+                <a:latin typeface="Consolas" panose="020B0609020204030204" pitchFamily="49" charset="0"/>
+              </a:rPr>
+              <a:t>(</a:t>
+            </a:r>
+            <a:r>
+              <a:rPr lang="en-IN" sz="800" b="0" dirty="0" err="1">
+                <a:solidFill>
+                  <a:srgbClr val="9CDCFE"/>
+                </a:solidFill>
+                <a:effectLst/>
+                <a:latin typeface="Consolas" panose="020B0609020204030204" pitchFamily="49" charset="0"/>
+              </a:rPr>
+              <a:t>figsize</a:t>
+            </a:r>
+            <a:r>
+              <a:rPr lang="en-IN" sz="800" b="0" dirty="0">
+                <a:solidFill>
+                  <a:srgbClr val="D4D4D4"/>
+                </a:solidFill>
+                <a:effectLst/>
+                <a:latin typeface="Consolas" panose="020B0609020204030204" pitchFamily="49" charset="0"/>
+              </a:rPr>
+              <a:t>=</a:t>
+            </a:r>
+            <a:r>
+              <a:rPr lang="en-IN" sz="800" b="0" dirty="0">
+                <a:solidFill>
+                  <a:srgbClr val="CCCCCC"/>
+                </a:solidFill>
+                <a:effectLst/>
+                <a:latin typeface="Consolas" panose="020B0609020204030204" pitchFamily="49" charset="0"/>
+              </a:rPr>
+              <a:t>(</a:t>
+            </a:r>
+            <a:r>
+              <a:rPr lang="en-IN" sz="800" b="0" dirty="0">
+                <a:solidFill>
+                  <a:srgbClr val="B5CEA8"/>
+                </a:solidFill>
+                <a:effectLst/>
+                <a:latin typeface="Consolas" panose="020B0609020204030204" pitchFamily="49" charset="0"/>
+              </a:rPr>
+              <a:t>10</a:t>
+            </a:r>
+            <a:r>
+              <a:rPr lang="en-IN" sz="800" b="0" dirty="0">
+                <a:solidFill>
+                  <a:srgbClr val="CCCCCC"/>
+                </a:solidFill>
+                <a:effectLst/>
+                <a:latin typeface="Consolas" panose="020B0609020204030204" pitchFamily="49" charset="0"/>
+              </a:rPr>
+              <a:t>, </a:t>
+            </a:r>
+            <a:r>
+              <a:rPr lang="en-IN" sz="800" b="0" dirty="0">
+                <a:solidFill>
+                  <a:srgbClr val="B5CEA8"/>
+                </a:solidFill>
+                <a:effectLst/>
+                <a:latin typeface="Consolas" panose="020B0609020204030204" pitchFamily="49" charset="0"/>
+              </a:rPr>
+              <a:t>8</a:t>
+            </a:r>
+            <a:r>
+              <a:rPr lang="en-IN" sz="800" b="0" dirty="0">
+                <a:solidFill>
+                  <a:srgbClr val="CCCCCC"/>
+                </a:solidFill>
+                <a:effectLst/>
+                <a:latin typeface="Consolas" panose="020B0609020204030204" pitchFamily="49" charset="0"/>
+              </a:rPr>
+              <a:t>))</a:t>
+            </a:r>
+          </a:p>
+          <a:p>
+            <a:pPr>
+              <a:lnSpc>
+                <a:spcPts val="1425"/>
+              </a:lnSpc>
+              <a:buNone/>
+            </a:pPr>
+            <a:r>
+              <a:rPr lang="en-IN" sz="800" b="0" dirty="0" err="1">
+                <a:solidFill>
+                  <a:srgbClr val="4EC9B0"/>
+                </a:solidFill>
+                <a:effectLst/>
+                <a:latin typeface="Consolas" panose="020B0609020204030204" pitchFamily="49" charset="0"/>
+              </a:rPr>
+              <a:t>sns</a:t>
+            </a:r>
+            <a:r>
+              <a:rPr lang="en-IN" sz="800" b="0" dirty="0" err="1">
+                <a:solidFill>
+                  <a:srgbClr val="CCCCCC"/>
+                </a:solidFill>
+                <a:effectLst/>
+                <a:latin typeface="Consolas" panose="020B0609020204030204" pitchFamily="49" charset="0"/>
+              </a:rPr>
+              <a:t>.</a:t>
+            </a:r>
+            <a:r>
+              <a:rPr lang="en-IN" sz="800" b="0" dirty="0" err="1">
+                <a:solidFill>
+                  <a:srgbClr val="DCDCAA"/>
+                </a:solidFill>
+                <a:effectLst/>
+                <a:latin typeface="Consolas" panose="020B0609020204030204" pitchFamily="49" charset="0"/>
+              </a:rPr>
+              <a:t>heatmap</a:t>
+            </a:r>
+            <a:r>
+              <a:rPr lang="en-IN" sz="800" b="0" dirty="0">
+                <a:solidFill>
+                  <a:srgbClr val="CCCCCC"/>
+                </a:solidFill>
+                <a:effectLst/>
+                <a:latin typeface="Consolas" panose="020B0609020204030204" pitchFamily="49" charset="0"/>
+              </a:rPr>
+              <a:t>(</a:t>
+            </a:r>
+            <a:r>
+              <a:rPr lang="en-IN" sz="800" b="0" dirty="0" err="1">
+                <a:solidFill>
+                  <a:srgbClr val="9CDCFE"/>
+                </a:solidFill>
+                <a:effectLst/>
+                <a:latin typeface="Consolas" panose="020B0609020204030204" pitchFamily="49" charset="0"/>
+              </a:rPr>
+              <a:t>correlation_df</a:t>
+            </a:r>
+            <a:r>
+              <a:rPr lang="en-IN" sz="800" b="0" dirty="0">
+                <a:solidFill>
+                  <a:srgbClr val="CCCCCC"/>
+                </a:solidFill>
+                <a:effectLst/>
+                <a:latin typeface="Consolas" panose="020B0609020204030204" pitchFamily="49" charset="0"/>
+              </a:rPr>
+              <a:t>, </a:t>
+            </a:r>
+            <a:r>
+              <a:rPr lang="en-IN" sz="800" b="0" dirty="0" err="1">
+                <a:solidFill>
+                  <a:srgbClr val="9CDCFE"/>
+                </a:solidFill>
+                <a:effectLst/>
+                <a:latin typeface="Consolas" panose="020B0609020204030204" pitchFamily="49" charset="0"/>
+              </a:rPr>
+              <a:t>annot</a:t>
+            </a:r>
+            <a:r>
+              <a:rPr lang="en-IN" sz="800" b="0" dirty="0">
+                <a:solidFill>
+                  <a:srgbClr val="D4D4D4"/>
+                </a:solidFill>
+                <a:effectLst/>
+                <a:latin typeface="Consolas" panose="020B0609020204030204" pitchFamily="49" charset="0"/>
+              </a:rPr>
+              <a:t>=</a:t>
+            </a:r>
+            <a:r>
+              <a:rPr lang="en-IN" sz="800" b="0" dirty="0">
+                <a:solidFill>
+                  <a:srgbClr val="569CD6"/>
+                </a:solidFill>
+                <a:effectLst/>
+                <a:latin typeface="Consolas" panose="020B0609020204030204" pitchFamily="49" charset="0"/>
+              </a:rPr>
+              <a:t>True</a:t>
+            </a:r>
+            <a:r>
+              <a:rPr lang="en-IN" sz="800" b="0" dirty="0">
+                <a:solidFill>
+                  <a:srgbClr val="CCCCCC"/>
+                </a:solidFill>
+                <a:effectLst/>
+                <a:latin typeface="Consolas" panose="020B0609020204030204" pitchFamily="49" charset="0"/>
+              </a:rPr>
+              <a:t>, </a:t>
+            </a:r>
+            <a:r>
+              <a:rPr lang="en-IN" sz="800" b="0" dirty="0" err="1">
+                <a:solidFill>
+                  <a:srgbClr val="9CDCFE"/>
+                </a:solidFill>
+                <a:effectLst/>
+                <a:latin typeface="Consolas" panose="020B0609020204030204" pitchFamily="49" charset="0"/>
+              </a:rPr>
+              <a:t>cmap</a:t>
+            </a:r>
+            <a:r>
+              <a:rPr lang="en-IN" sz="800" b="0" dirty="0">
+                <a:solidFill>
+                  <a:srgbClr val="D4D4D4"/>
+                </a:solidFill>
+                <a:effectLst/>
+                <a:latin typeface="Consolas" panose="020B0609020204030204" pitchFamily="49" charset="0"/>
+              </a:rPr>
+              <a:t>=</a:t>
+            </a:r>
+            <a:r>
+              <a:rPr lang="en-IN" sz="800" b="0" dirty="0">
+                <a:solidFill>
+                  <a:srgbClr val="CE9178"/>
+                </a:solidFill>
+                <a:effectLst/>
+                <a:latin typeface="Consolas" panose="020B0609020204030204" pitchFamily="49" charset="0"/>
+              </a:rPr>
+              <a:t>'</a:t>
+            </a:r>
+            <a:r>
+              <a:rPr lang="en-IN" sz="800" b="0" dirty="0" err="1">
+                <a:solidFill>
+                  <a:srgbClr val="CE9178"/>
+                </a:solidFill>
+                <a:effectLst/>
+                <a:latin typeface="Consolas" panose="020B0609020204030204" pitchFamily="49" charset="0"/>
+              </a:rPr>
+              <a:t>coolwarm</a:t>
+            </a:r>
+            <a:r>
+              <a:rPr lang="en-IN" sz="800" b="0" dirty="0">
+                <a:solidFill>
+                  <a:srgbClr val="CE9178"/>
+                </a:solidFill>
+                <a:effectLst/>
+                <a:latin typeface="Consolas" panose="020B0609020204030204" pitchFamily="49" charset="0"/>
+              </a:rPr>
+              <a:t>'</a:t>
+            </a:r>
+            <a:r>
+              <a:rPr lang="en-IN" sz="800" b="0" dirty="0">
+                <a:solidFill>
+                  <a:srgbClr val="CCCCCC"/>
+                </a:solidFill>
+                <a:effectLst/>
+                <a:latin typeface="Consolas" panose="020B0609020204030204" pitchFamily="49" charset="0"/>
+              </a:rPr>
+              <a:t>, </a:t>
+            </a:r>
+            <a:r>
+              <a:rPr lang="en-IN" sz="800" b="0" dirty="0" err="1">
+                <a:solidFill>
+                  <a:srgbClr val="9CDCFE"/>
+                </a:solidFill>
+                <a:effectLst/>
+                <a:latin typeface="Consolas" panose="020B0609020204030204" pitchFamily="49" charset="0"/>
+              </a:rPr>
+              <a:t>fmt</a:t>
+            </a:r>
+            <a:r>
+              <a:rPr lang="en-IN" sz="800" b="0" dirty="0">
+                <a:solidFill>
+                  <a:srgbClr val="D4D4D4"/>
+                </a:solidFill>
+                <a:effectLst/>
+                <a:latin typeface="Consolas" panose="020B0609020204030204" pitchFamily="49" charset="0"/>
+              </a:rPr>
+              <a:t>=</a:t>
+            </a:r>
+            <a:r>
+              <a:rPr lang="en-IN" sz="800" b="0" dirty="0">
+                <a:solidFill>
+                  <a:srgbClr val="CE9178"/>
+                </a:solidFill>
+                <a:effectLst/>
+                <a:latin typeface="Consolas" panose="020B0609020204030204" pitchFamily="49" charset="0"/>
+              </a:rPr>
+              <a:t>".2f"</a:t>
+            </a:r>
+            <a:r>
+              <a:rPr lang="en-IN" sz="800" b="0" dirty="0">
+                <a:solidFill>
+                  <a:srgbClr val="CCCCCC"/>
+                </a:solidFill>
+                <a:effectLst/>
+                <a:latin typeface="Consolas" panose="020B0609020204030204" pitchFamily="49" charset="0"/>
+              </a:rPr>
+              <a:t>, </a:t>
+            </a:r>
+            <a:r>
+              <a:rPr lang="en-IN" sz="800" b="0" dirty="0">
+                <a:solidFill>
+                  <a:srgbClr val="9CDCFE"/>
+                </a:solidFill>
+                <a:effectLst/>
+                <a:latin typeface="Consolas" panose="020B0609020204030204" pitchFamily="49" charset="0"/>
+              </a:rPr>
+              <a:t>square</a:t>
+            </a:r>
+            <a:r>
+              <a:rPr lang="en-IN" sz="800" b="0" dirty="0">
+                <a:solidFill>
+                  <a:srgbClr val="D4D4D4"/>
+                </a:solidFill>
+                <a:effectLst/>
+                <a:latin typeface="Consolas" panose="020B0609020204030204" pitchFamily="49" charset="0"/>
+              </a:rPr>
+              <a:t>=</a:t>
+            </a:r>
+            <a:r>
+              <a:rPr lang="en-IN" sz="800" b="0" dirty="0">
+                <a:solidFill>
+                  <a:srgbClr val="569CD6"/>
+                </a:solidFill>
+                <a:effectLst/>
+                <a:latin typeface="Consolas" panose="020B0609020204030204" pitchFamily="49" charset="0"/>
+              </a:rPr>
+              <a:t>True</a:t>
+            </a:r>
+            <a:r>
+              <a:rPr lang="en-IN" sz="800" b="0" dirty="0">
+                <a:solidFill>
+                  <a:srgbClr val="CCCCCC"/>
+                </a:solidFill>
+                <a:effectLst/>
+                <a:latin typeface="Consolas" panose="020B0609020204030204" pitchFamily="49" charset="0"/>
+              </a:rPr>
+              <a:t>)</a:t>
+            </a:r>
+          </a:p>
+          <a:p>
+            <a:pPr>
+              <a:lnSpc>
+                <a:spcPts val="1425"/>
+              </a:lnSpc>
+              <a:buNone/>
+            </a:pPr>
+            <a:r>
+              <a:rPr lang="en-IN" sz="800" b="0" dirty="0" err="1">
+                <a:solidFill>
+                  <a:srgbClr val="4EC9B0"/>
+                </a:solidFill>
+                <a:effectLst/>
+                <a:latin typeface="Consolas" panose="020B0609020204030204" pitchFamily="49" charset="0"/>
+              </a:rPr>
+              <a:t>plt</a:t>
+            </a:r>
+            <a:r>
+              <a:rPr lang="en-IN" sz="800" b="0" dirty="0" err="1">
+                <a:solidFill>
+                  <a:srgbClr val="CCCCCC"/>
+                </a:solidFill>
+                <a:effectLst/>
+                <a:latin typeface="Consolas" panose="020B0609020204030204" pitchFamily="49" charset="0"/>
+              </a:rPr>
+              <a:t>.</a:t>
+            </a:r>
+            <a:r>
+              <a:rPr lang="en-IN" sz="800" b="0" dirty="0" err="1">
+                <a:solidFill>
+                  <a:srgbClr val="DCDCAA"/>
+                </a:solidFill>
+                <a:effectLst/>
+                <a:latin typeface="Consolas" panose="020B0609020204030204" pitchFamily="49" charset="0"/>
+              </a:rPr>
+              <a:t>title</a:t>
+            </a:r>
+            <a:r>
+              <a:rPr lang="en-IN" sz="800" b="0" dirty="0">
+                <a:solidFill>
+                  <a:srgbClr val="CCCCCC"/>
+                </a:solidFill>
+                <a:effectLst/>
+                <a:latin typeface="Consolas" panose="020B0609020204030204" pitchFamily="49" charset="0"/>
+              </a:rPr>
+              <a:t>(</a:t>
+            </a:r>
+            <a:r>
+              <a:rPr lang="en-IN" sz="800" b="0" dirty="0">
+                <a:solidFill>
+                  <a:srgbClr val="CE9178"/>
+                </a:solidFill>
+                <a:effectLst/>
+                <a:latin typeface="Consolas" panose="020B0609020204030204" pitchFamily="49" charset="0"/>
+              </a:rPr>
+              <a:t>"Correlation between Minutes Used and Charges"</a:t>
+            </a:r>
+            <a:r>
+              <a:rPr lang="en-IN" sz="800" b="0" dirty="0">
+                <a:solidFill>
+                  <a:srgbClr val="CCCCCC"/>
+                </a:solidFill>
+                <a:effectLst/>
+                <a:latin typeface="Consolas" panose="020B0609020204030204" pitchFamily="49" charset="0"/>
+              </a:rPr>
+              <a:t>)</a:t>
+            </a:r>
+          </a:p>
+          <a:p>
+            <a:pPr>
+              <a:lnSpc>
+                <a:spcPts val="1425"/>
+              </a:lnSpc>
+              <a:buNone/>
+            </a:pPr>
+            <a:r>
+              <a:rPr lang="en-IN" sz="800" b="0" dirty="0" err="1">
+                <a:solidFill>
+                  <a:srgbClr val="4EC9B0"/>
+                </a:solidFill>
+                <a:effectLst/>
+                <a:latin typeface="Consolas" panose="020B0609020204030204" pitchFamily="49" charset="0"/>
+              </a:rPr>
+              <a:t>plt</a:t>
+            </a:r>
+            <a:r>
+              <a:rPr lang="en-IN" sz="800" b="0" dirty="0" err="1">
+                <a:solidFill>
+                  <a:srgbClr val="CCCCCC"/>
+                </a:solidFill>
+                <a:effectLst/>
+                <a:latin typeface="Consolas" panose="020B0609020204030204" pitchFamily="49" charset="0"/>
+              </a:rPr>
+              <a:t>.</a:t>
+            </a:r>
+            <a:r>
+              <a:rPr lang="en-IN" sz="800" b="0" dirty="0" err="1">
+                <a:solidFill>
+                  <a:srgbClr val="DCDCAA"/>
+                </a:solidFill>
+                <a:effectLst/>
+                <a:latin typeface="Consolas" panose="020B0609020204030204" pitchFamily="49" charset="0"/>
+              </a:rPr>
+              <a:t>tight_layout</a:t>
+            </a:r>
+            <a:r>
+              <a:rPr lang="en-IN" sz="800" b="0" dirty="0">
+                <a:solidFill>
+                  <a:srgbClr val="CCCCCC"/>
+                </a:solidFill>
+                <a:effectLst/>
+                <a:latin typeface="Consolas" panose="020B0609020204030204" pitchFamily="49" charset="0"/>
+              </a:rPr>
+              <a:t>()</a:t>
+            </a:r>
+          </a:p>
+          <a:p>
+            <a:pPr>
+              <a:lnSpc>
+                <a:spcPts val="1425"/>
+              </a:lnSpc>
+            </a:pPr>
+            <a:r>
+              <a:rPr lang="en-IN" sz="800" b="0" dirty="0" err="1">
+                <a:solidFill>
+                  <a:srgbClr val="4EC9B0"/>
+                </a:solidFill>
+                <a:effectLst/>
+                <a:latin typeface="Consolas" panose="020B0609020204030204" pitchFamily="49" charset="0"/>
+              </a:rPr>
+              <a:t>plt</a:t>
+            </a:r>
+            <a:r>
+              <a:rPr lang="en-IN" sz="800" b="0" dirty="0" err="1">
+                <a:solidFill>
+                  <a:srgbClr val="CCCCCC"/>
+                </a:solidFill>
+                <a:effectLst/>
+                <a:latin typeface="Consolas" panose="020B0609020204030204" pitchFamily="49" charset="0"/>
+              </a:rPr>
+              <a:t>.</a:t>
+            </a:r>
+            <a:r>
+              <a:rPr lang="en-IN" sz="800" b="0" dirty="0" err="1">
+                <a:solidFill>
+                  <a:srgbClr val="DCDCAA"/>
+                </a:solidFill>
+                <a:effectLst/>
+                <a:latin typeface="Consolas" panose="020B0609020204030204" pitchFamily="49" charset="0"/>
+              </a:rPr>
+              <a:t>show</a:t>
+            </a:r>
+            <a:r>
+              <a:rPr lang="en-IN" sz="800" b="0" dirty="0">
+                <a:solidFill>
+                  <a:srgbClr val="CCCCCC"/>
+                </a:solidFill>
+                <a:effectLst/>
+                <a:latin typeface="Consolas" panose="020B0609020204030204" pitchFamily="49" charset="0"/>
+              </a:rPr>
+              <a:t>()</a:t>
+            </a:r>
+          </a:p>
+          <a:p>
+            <a:pPr>
+              <a:lnSpc>
+                <a:spcPts val="1425"/>
+              </a:lnSpc>
+              <a:buNone/>
+            </a:pPr>
+            <a:br>
+              <a:rPr lang="en-IN" sz="800" b="0" dirty="0">
+                <a:solidFill>
+                  <a:srgbClr val="CCCCCC"/>
+                </a:solidFill>
+                <a:effectLst/>
+                <a:latin typeface="Consolas" panose="020B0609020204030204" pitchFamily="49" charset="0"/>
+              </a:rPr>
+            </a:br>
+            <a:endParaRPr lang="en-US" sz="1200" dirty="0"/>
           </a:p>
         </p:txBody>
       </p:sp>
@@ -13064,8 +16828,8 @@
         </p:nvSpPr>
         <p:spPr>
           <a:xfrm>
-            <a:off x="0" y="805079"/>
-            <a:ext cx="4001728" cy="330730"/>
+            <a:off x="0" y="265177"/>
+            <a:ext cx="4288536" cy="475488"/>
           </a:xfrm>
           <a:prstGeom prst="rect">
             <a:avLst/>
@@ -13077,7 +16841,7 @@
         </p:spPr>
         <p:txBody>
           <a:bodyPr spcFirstLastPara="1" wrap="square" lIns="91425" tIns="45700" rIns="91425" bIns="45700" anchor="t" anchorCtr="0">
-            <a:normAutofit fontScale="92500" lnSpcReduction="10000"/>
+            <a:normAutofit/>
           </a:bodyPr>
           <a:lstStyle>
             <a:defPPr>
@@ -13142,36 +16906,6 @@
           <a:chExt cx="0" cy="0"/>
         </a:xfrm>
       </p:grpSpPr>
-      <p:pic>
-        <p:nvPicPr>
-          <p:cNvPr id="4" name="Picture 3">
-            <a:extLst>
-              <a:ext uri="{FF2B5EF4-FFF2-40B4-BE49-F238E27FC236}">
-                <a16:creationId xmlns:a16="http://schemas.microsoft.com/office/drawing/2014/main" id="{BFEEA67A-8456-D7E2-8192-21B145766F10}"/>
-              </a:ext>
-            </a:extLst>
-          </p:cNvPr>
-          <p:cNvPicPr>
-            <a:picLocks noChangeAspect="1"/>
-          </p:cNvPicPr>
-          <p:nvPr/>
-        </p:nvPicPr>
-        <p:blipFill>
-          <a:blip r:embed="rId2"/>
-          <a:stretch>
-            <a:fillRect/>
-          </a:stretch>
-        </p:blipFill>
-        <p:spPr>
-          <a:xfrm>
-            <a:off x="100938" y="1192536"/>
-            <a:ext cx="5557274" cy="4472928"/>
-          </a:xfrm>
-          <a:prstGeom prst="rect">
-            <a:avLst/>
-          </a:prstGeom>
-        </p:spPr>
-      </p:pic>
       <p:sp>
         <p:nvSpPr>
           <p:cNvPr id="2" name="Google Shape;170;p5">
@@ -13360,7 +17094,7 @@
         <p:spPr>
           <a:xfrm>
             <a:off x="5847578" y="1192536"/>
-            <a:ext cx="6096000" cy="4524315"/>
+            <a:ext cx="6096000" cy="5586145"/>
           </a:xfrm>
           <a:prstGeom prst="rect">
             <a:avLst/>
@@ -13381,12 +17115,12 @@
           </a:lstStyle>
           <a:p>
             <a:r>
-              <a:rPr lang="en-US" dirty="0"/>
+              <a:rPr lang="en-US" sz="1400" dirty="0"/>
               <a:t>Results:</a:t>
             </a:r>
           </a:p>
           <a:p>
-            <a:endParaRPr lang="en-US" dirty="0"/>
+            <a:endParaRPr lang="en-US" sz="1400" dirty="0"/>
           </a:p>
           <a:p>
             <a:pPr marL="342900" indent="-342900">
@@ -13394,7 +17128,7 @@
               <a:buAutoNum type="arabicPeriod"/>
             </a:pPr>
             <a:r>
-              <a:rPr lang="en-US" b="0" dirty="0"/>
+              <a:rPr lang="en-US" sz="1400" b="0" dirty="0"/>
               <a:t>Normal Distribution: Most customers have accounts around 100 months long.</a:t>
             </a:r>
           </a:p>
@@ -13404,7 +17138,7 @@
               <a:buAutoNum type="arabicPeriod"/>
             </a:pPr>
             <a:r>
-              <a:rPr lang="en-US" b="0" dirty="0"/>
+              <a:rPr lang="en-US" sz="1400" b="0" dirty="0"/>
               <a:t>Retention: Many customers stay with the service for 80 to 120 months, showing good retention.</a:t>
             </a:r>
           </a:p>
@@ -13414,21 +17148,21 @@
               <a:buAutoNum type="arabicPeriod"/>
             </a:pPr>
             <a:r>
-              <a:rPr lang="en-US" b="0" dirty="0"/>
+              <a:rPr lang="en-US" sz="1400" b="0" dirty="0"/>
               <a:t>Outliers: There are not many customers with accounts longer than 200 months.</a:t>
             </a:r>
           </a:p>
           <a:p>
-            <a:endParaRPr lang="en-US" b="0" dirty="0"/>
-          </a:p>
-          <a:p>
-            <a:r>
-              <a:rPr lang="en-US" dirty="0"/>
+            <a:endParaRPr lang="en-US" sz="1400" b="0" dirty="0"/>
+          </a:p>
+          <a:p>
+            <a:r>
+              <a:rPr lang="en-US" sz="1400" dirty="0"/>
               <a:t>Suggestions:</a:t>
             </a:r>
           </a:p>
           <a:p>
-            <a:endParaRPr lang="en-US" dirty="0"/>
+            <a:endParaRPr lang="en-US" sz="1400" dirty="0"/>
           </a:p>
           <a:p>
             <a:pPr marL="342900" indent="-342900">
@@ -13436,7 +17170,7 @@
               <a:buAutoNum type="arabicPeriod"/>
             </a:pPr>
             <a:r>
-              <a:rPr lang="en-US" b="0" dirty="0"/>
+              <a:rPr lang="en-US" sz="1400" b="0" dirty="0"/>
               <a:t>Engage with long-term customers to keep them happy and prevent them from leaving.</a:t>
             </a:r>
           </a:p>
@@ -13446,12 +17180,699 @@
               <a:buAutoNum type="arabicPeriod"/>
             </a:pPr>
             <a:r>
-              <a:rPr lang="en-US" b="0" dirty="0"/>
+              <a:rPr lang="en-US" sz="1400" b="0" dirty="0"/>
               <a:t>Offer special deals or rewards for customers who have been with the service for many months to encourage them to stay.</a:t>
             </a:r>
+          </a:p>
+          <a:p>
+            <a:endParaRPr lang="en-US" sz="1400" b="0" dirty="0"/>
+          </a:p>
+          <a:p>
+            <a:r>
+              <a:rPr lang="en-US" sz="1400" b="0" dirty="0"/>
+              <a:t>Syntax:</a:t>
+            </a:r>
+          </a:p>
+          <a:p>
+            <a:pPr>
+              <a:lnSpc>
+                <a:spcPts val="1425"/>
+              </a:lnSpc>
+              <a:buNone/>
+            </a:pPr>
+            <a:r>
+              <a:rPr lang="en-IN" sz="1400" b="0" dirty="0" err="1">
+                <a:solidFill>
+                  <a:srgbClr val="4EC9B0"/>
+                </a:solidFill>
+                <a:effectLst/>
+                <a:latin typeface="Consolas" panose="020B0609020204030204" pitchFamily="49" charset="0"/>
+              </a:rPr>
+              <a:t>plt</a:t>
+            </a:r>
+            <a:r>
+              <a:rPr lang="en-IN" sz="1400" b="0" dirty="0" err="1">
+                <a:solidFill>
+                  <a:srgbClr val="CCCCCC"/>
+                </a:solidFill>
+                <a:effectLst/>
+                <a:latin typeface="Consolas" panose="020B0609020204030204" pitchFamily="49" charset="0"/>
+              </a:rPr>
+              <a:t>.</a:t>
+            </a:r>
+            <a:r>
+              <a:rPr lang="en-IN" sz="1400" b="0" dirty="0" err="1">
+                <a:solidFill>
+                  <a:srgbClr val="DCDCAA"/>
+                </a:solidFill>
+                <a:effectLst/>
+                <a:latin typeface="Consolas" panose="020B0609020204030204" pitchFamily="49" charset="0"/>
+              </a:rPr>
+              <a:t>figure</a:t>
+            </a:r>
+            <a:r>
+              <a:rPr lang="en-IN" sz="1400" b="0" dirty="0">
+                <a:solidFill>
+                  <a:srgbClr val="CCCCCC"/>
+                </a:solidFill>
+                <a:effectLst/>
+                <a:latin typeface="Consolas" panose="020B0609020204030204" pitchFamily="49" charset="0"/>
+              </a:rPr>
+              <a:t>(</a:t>
+            </a:r>
+            <a:r>
+              <a:rPr lang="en-IN" sz="1400" b="0" dirty="0" err="1">
+                <a:solidFill>
+                  <a:srgbClr val="9CDCFE"/>
+                </a:solidFill>
+                <a:effectLst/>
+                <a:latin typeface="Consolas" panose="020B0609020204030204" pitchFamily="49" charset="0"/>
+              </a:rPr>
+              <a:t>figsize</a:t>
+            </a:r>
+            <a:r>
+              <a:rPr lang="en-IN" sz="1400" b="0" dirty="0">
+                <a:solidFill>
+                  <a:srgbClr val="D4D4D4"/>
+                </a:solidFill>
+                <a:effectLst/>
+                <a:latin typeface="Consolas" panose="020B0609020204030204" pitchFamily="49" charset="0"/>
+              </a:rPr>
+              <a:t>=</a:t>
+            </a:r>
+            <a:r>
+              <a:rPr lang="en-IN" sz="1400" b="0" dirty="0">
+                <a:solidFill>
+                  <a:srgbClr val="CCCCCC"/>
+                </a:solidFill>
+                <a:effectLst/>
+                <a:latin typeface="Consolas" panose="020B0609020204030204" pitchFamily="49" charset="0"/>
+              </a:rPr>
+              <a:t>(</a:t>
+            </a:r>
+            <a:r>
+              <a:rPr lang="en-IN" sz="1400" b="0" dirty="0">
+                <a:solidFill>
+                  <a:srgbClr val="B5CEA8"/>
+                </a:solidFill>
+                <a:effectLst/>
+                <a:latin typeface="Consolas" panose="020B0609020204030204" pitchFamily="49" charset="0"/>
+              </a:rPr>
+              <a:t>8</a:t>
+            </a:r>
+            <a:r>
+              <a:rPr lang="en-IN" sz="1400" b="0" dirty="0">
+                <a:solidFill>
+                  <a:srgbClr val="CCCCCC"/>
+                </a:solidFill>
+                <a:effectLst/>
+                <a:latin typeface="Consolas" panose="020B0609020204030204" pitchFamily="49" charset="0"/>
+              </a:rPr>
+              <a:t>, </a:t>
+            </a:r>
+            <a:r>
+              <a:rPr lang="en-IN" sz="1400" b="0" dirty="0">
+                <a:solidFill>
+                  <a:srgbClr val="B5CEA8"/>
+                </a:solidFill>
+                <a:effectLst/>
+                <a:latin typeface="Consolas" panose="020B0609020204030204" pitchFamily="49" charset="0"/>
+              </a:rPr>
+              <a:t>5</a:t>
+            </a:r>
+            <a:r>
+              <a:rPr lang="en-IN" sz="1400" b="0" dirty="0">
+                <a:solidFill>
+                  <a:srgbClr val="CCCCCC"/>
+                </a:solidFill>
+                <a:effectLst/>
+                <a:latin typeface="Consolas" panose="020B0609020204030204" pitchFamily="49" charset="0"/>
+              </a:rPr>
+              <a:t>))</a:t>
+            </a:r>
+          </a:p>
+          <a:p>
+            <a:pPr>
+              <a:lnSpc>
+                <a:spcPts val="1425"/>
+              </a:lnSpc>
+              <a:buNone/>
+            </a:pPr>
+            <a:r>
+              <a:rPr lang="en-IN" sz="1400" b="0" dirty="0" err="1">
+                <a:solidFill>
+                  <a:srgbClr val="4EC9B0"/>
+                </a:solidFill>
+                <a:effectLst/>
+                <a:latin typeface="Consolas" panose="020B0609020204030204" pitchFamily="49" charset="0"/>
+              </a:rPr>
+              <a:t>sns</a:t>
+            </a:r>
+            <a:r>
+              <a:rPr lang="en-IN" sz="1400" b="0" dirty="0" err="1">
+                <a:solidFill>
+                  <a:srgbClr val="CCCCCC"/>
+                </a:solidFill>
+                <a:effectLst/>
+                <a:latin typeface="Consolas" panose="020B0609020204030204" pitchFamily="49" charset="0"/>
+              </a:rPr>
+              <a:t>.</a:t>
+            </a:r>
+            <a:r>
+              <a:rPr lang="en-IN" sz="1400" b="0" dirty="0" err="1">
+                <a:solidFill>
+                  <a:srgbClr val="DCDCAA"/>
+                </a:solidFill>
+                <a:effectLst/>
+                <a:latin typeface="Consolas" panose="020B0609020204030204" pitchFamily="49" charset="0"/>
+              </a:rPr>
+              <a:t>histplot</a:t>
+            </a:r>
+            <a:r>
+              <a:rPr lang="en-IN" sz="1400" b="0" dirty="0">
+                <a:solidFill>
+                  <a:srgbClr val="CCCCCC"/>
+                </a:solidFill>
+                <a:effectLst/>
+                <a:latin typeface="Consolas" panose="020B0609020204030204" pitchFamily="49" charset="0"/>
+              </a:rPr>
+              <a:t>(</a:t>
+            </a:r>
+            <a:r>
+              <a:rPr lang="en-IN" sz="1400" b="0" dirty="0" err="1">
+                <a:solidFill>
+                  <a:srgbClr val="9CDCFE"/>
+                </a:solidFill>
+                <a:effectLst/>
+                <a:latin typeface="Consolas" panose="020B0609020204030204" pitchFamily="49" charset="0"/>
+              </a:rPr>
+              <a:t>df</a:t>
+            </a:r>
+            <a:r>
+              <a:rPr lang="en-IN" sz="1400" b="0" dirty="0">
+                <a:solidFill>
+                  <a:srgbClr val="CCCCCC"/>
+                </a:solidFill>
+                <a:effectLst/>
+                <a:latin typeface="Consolas" panose="020B0609020204030204" pitchFamily="49" charset="0"/>
+              </a:rPr>
+              <a:t>[</a:t>
+            </a:r>
+            <a:r>
+              <a:rPr lang="en-IN" sz="1400" b="0" dirty="0">
+                <a:solidFill>
+                  <a:srgbClr val="CE9178"/>
+                </a:solidFill>
+                <a:effectLst/>
+                <a:latin typeface="Consolas" panose="020B0609020204030204" pitchFamily="49" charset="0"/>
+              </a:rPr>
+              <a:t>"Account length"</a:t>
+            </a:r>
+            <a:r>
+              <a:rPr lang="en-IN" sz="1400" b="0" dirty="0">
+                <a:solidFill>
+                  <a:srgbClr val="CCCCCC"/>
+                </a:solidFill>
+                <a:effectLst/>
+                <a:latin typeface="Consolas" panose="020B0609020204030204" pitchFamily="49" charset="0"/>
+              </a:rPr>
+              <a:t>], </a:t>
+            </a:r>
+            <a:r>
+              <a:rPr lang="en-IN" sz="1400" b="0" dirty="0">
+                <a:solidFill>
+                  <a:srgbClr val="9CDCFE"/>
+                </a:solidFill>
+                <a:effectLst/>
+                <a:latin typeface="Consolas" panose="020B0609020204030204" pitchFamily="49" charset="0"/>
+              </a:rPr>
+              <a:t>bins</a:t>
+            </a:r>
+            <a:r>
+              <a:rPr lang="en-IN" sz="1400" b="0" dirty="0">
+                <a:solidFill>
+                  <a:srgbClr val="D4D4D4"/>
+                </a:solidFill>
+                <a:effectLst/>
+                <a:latin typeface="Consolas" panose="020B0609020204030204" pitchFamily="49" charset="0"/>
+              </a:rPr>
+              <a:t>=</a:t>
+            </a:r>
+            <a:r>
+              <a:rPr lang="en-IN" sz="1400" b="0" dirty="0">
+                <a:solidFill>
+                  <a:srgbClr val="B5CEA8"/>
+                </a:solidFill>
+                <a:effectLst/>
+                <a:latin typeface="Consolas" panose="020B0609020204030204" pitchFamily="49" charset="0"/>
+              </a:rPr>
+              <a:t>30</a:t>
+            </a:r>
+            <a:r>
+              <a:rPr lang="en-IN" sz="1400" b="0" dirty="0">
+                <a:solidFill>
+                  <a:srgbClr val="CCCCCC"/>
+                </a:solidFill>
+                <a:effectLst/>
+                <a:latin typeface="Consolas" panose="020B0609020204030204" pitchFamily="49" charset="0"/>
+              </a:rPr>
+              <a:t>, </a:t>
+            </a:r>
+            <a:r>
+              <a:rPr lang="en-IN" sz="1400" b="0" dirty="0" err="1">
+                <a:solidFill>
+                  <a:srgbClr val="9CDCFE"/>
+                </a:solidFill>
+                <a:effectLst/>
+                <a:latin typeface="Consolas" panose="020B0609020204030204" pitchFamily="49" charset="0"/>
+              </a:rPr>
+              <a:t>kde</a:t>
+            </a:r>
+            <a:r>
+              <a:rPr lang="en-IN" sz="1400" b="0" dirty="0">
+                <a:solidFill>
+                  <a:srgbClr val="D4D4D4"/>
+                </a:solidFill>
+                <a:effectLst/>
+                <a:latin typeface="Consolas" panose="020B0609020204030204" pitchFamily="49" charset="0"/>
+              </a:rPr>
+              <a:t>=</a:t>
+            </a:r>
+            <a:r>
+              <a:rPr lang="en-IN" sz="1400" b="0" dirty="0">
+                <a:solidFill>
+                  <a:srgbClr val="569CD6"/>
+                </a:solidFill>
+                <a:effectLst/>
+                <a:latin typeface="Consolas" panose="020B0609020204030204" pitchFamily="49" charset="0"/>
+              </a:rPr>
+              <a:t>True</a:t>
+            </a:r>
+            <a:r>
+              <a:rPr lang="en-IN" sz="1400" b="0" dirty="0">
+                <a:solidFill>
+                  <a:srgbClr val="CCCCCC"/>
+                </a:solidFill>
+                <a:effectLst/>
+                <a:latin typeface="Consolas" panose="020B0609020204030204" pitchFamily="49" charset="0"/>
+              </a:rPr>
+              <a:t>, </a:t>
+            </a:r>
+            <a:r>
+              <a:rPr lang="en-IN" sz="1400" b="0" dirty="0" err="1">
+                <a:solidFill>
+                  <a:srgbClr val="9CDCFE"/>
+                </a:solidFill>
+                <a:effectLst/>
+                <a:latin typeface="Consolas" panose="020B0609020204030204" pitchFamily="49" charset="0"/>
+              </a:rPr>
+              <a:t>color</a:t>
+            </a:r>
+            <a:r>
+              <a:rPr lang="en-IN" sz="1400" b="0" dirty="0">
+                <a:solidFill>
+                  <a:srgbClr val="D4D4D4"/>
+                </a:solidFill>
+                <a:effectLst/>
+                <a:latin typeface="Consolas" panose="020B0609020204030204" pitchFamily="49" charset="0"/>
+              </a:rPr>
+              <a:t>=</a:t>
+            </a:r>
+            <a:r>
+              <a:rPr lang="en-IN" sz="1400" b="0" dirty="0">
+                <a:solidFill>
+                  <a:srgbClr val="CE9178"/>
+                </a:solidFill>
+                <a:effectLst/>
+                <a:latin typeface="Consolas" panose="020B0609020204030204" pitchFamily="49" charset="0"/>
+              </a:rPr>
+              <a:t>'</a:t>
+            </a:r>
+            <a:r>
+              <a:rPr lang="en-IN" sz="1400" b="0" dirty="0" err="1">
+                <a:solidFill>
+                  <a:srgbClr val="CE9178"/>
+                </a:solidFill>
+                <a:effectLst/>
+                <a:latin typeface="Consolas" panose="020B0609020204030204" pitchFamily="49" charset="0"/>
+              </a:rPr>
+              <a:t>skyblue</a:t>
+            </a:r>
+            <a:r>
+              <a:rPr lang="en-IN" sz="1400" b="0" dirty="0">
+                <a:solidFill>
+                  <a:srgbClr val="CE9178"/>
+                </a:solidFill>
+                <a:effectLst/>
+                <a:latin typeface="Consolas" panose="020B0609020204030204" pitchFamily="49" charset="0"/>
+              </a:rPr>
+              <a:t>'</a:t>
+            </a:r>
+            <a:r>
+              <a:rPr lang="en-IN" sz="1400" b="0" dirty="0">
+                <a:solidFill>
+                  <a:srgbClr val="CCCCCC"/>
+                </a:solidFill>
+                <a:effectLst/>
+                <a:latin typeface="Consolas" panose="020B0609020204030204" pitchFamily="49" charset="0"/>
+              </a:rPr>
+              <a:t>)</a:t>
+            </a:r>
+          </a:p>
+          <a:p>
+            <a:pPr>
+              <a:lnSpc>
+                <a:spcPts val="1425"/>
+              </a:lnSpc>
+              <a:buNone/>
+            </a:pPr>
+            <a:r>
+              <a:rPr lang="en-IN" sz="1400" b="0" dirty="0" err="1">
+                <a:solidFill>
+                  <a:srgbClr val="4EC9B0"/>
+                </a:solidFill>
+                <a:effectLst/>
+                <a:latin typeface="Consolas" panose="020B0609020204030204" pitchFamily="49" charset="0"/>
+              </a:rPr>
+              <a:t>plt</a:t>
+            </a:r>
+            <a:r>
+              <a:rPr lang="en-IN" sz="1400" b="0" dirty="0" err="1">
+                <a:solidFill>
+                  <a:srgbClr val="CCCCCC"/>
+                </a:solidFill>
+                <a:effectLst/>
+                <a:latin typeface="Consolas" panose="020B0609020204030204" pitchFamily="49" charset="0"/>
+              </a:rPr>
+              <a:t>.</a:t>
+            </a:r>
+            <a:r>
+              <a:rPr lang="en-IN" sz="1400" b="0" dirty="0" err="1">
+                <a:solidFill>
+                  <a:srgbClr val="DCDCAA"/>
+                </a:solidFill>
+                <a:effectLst/>
+                <a:latin typeface="Consolas" panose="020B0609020204030204" pitchFamily="49" charset="0"/>
+              </a:rPr>
+              <a:t>title</a:t>
+            </a:r>
+            <a:r>
+              <a:rPr lang="en-IN" sz="1400" b="0" dirty="0">
+                <a:solidFill>
+                  <a:srgbClr val="CCCCCC"/>
+                </a:solidFill>
+                <a:effectLst/>
+                <a:latin typeface="Consolas" panose="020B0609020204030204" pitchFamily="49" charset="0"/>
+              </a:rPr>
+              <a:t>(</a:t>
+            </a:r>
+            <a:r>
+              <a:rPr lang="en-IN" sz="1400" b="0" dirty="0">
+                <a:solidFill>
+                  <a:srgbClr val="CE9178"/>
+                </a:solidFill>
+                <a:effectLst/>
+                <a:latin typeface="Consolas" panose="020B0609020204030204" pitchFamily="49" charset="0"/>
+              </a:rPr>
+              <a:t>"Distribution of Customer Tenure (Account Length)"</a:t>
+            </a:r>
+            <a:r>
+              <a:rPr lang="en-IN" sz="1400" b="0" dirty="0">
+                <a:solidFill>
+                  <a:srgbClr val="CCCCCC"/>
+                </a:solidFill>
+                <a:effectLst/>
+                <a:latin typeface="Consolas" panose="020B0609020204030204" pitchFamily="49" charset="0"/>
+              </a:rPr>
+              <a:t>)</a:t>
+            </a:r>
+          </a:p>
+          <a:p>
+            <a:pPr>
+              <a:lnSpc>
+                <a:spcPts val="1425"/>
+              </a:lnSpc>
+              <a:buNone/>
+            </a:pPr>
+            <a:r>
+              <a:rPr lang="en-IN" sz="1400" b="0" dirty="0" err="1">
+                <a:solidFill>
+                  <a:srgbClr val="4EC9B0"/>
+                </a:solidFill>
+                <a:effectLst/>
+                <a:latin typeface="Consolas" panose="020B0609020204030204" pitchFamily="49" charset="0"/>
+              </a:rPr>
+              <a:t>plt</a:t>
+            </a:r>
+            <a:r>
+              <a:rPr lang="en-IN" sz="1400" b="0" dirty="0" err="1">
+                <a:solidFill>
+                  <a:srgbClr val="CCCCCC"/>
+                </a:solidFill>
+                <a:effectLst/>
+                <a:latin typeface="Consolas" panose="020B0609020204030204" pitchFamily="49" charset="0"/>
+              </a:rPr>
+              <a:t>.</a:t>
+            </a:r>
+            <a:r>
+              <a:rPr lang="en-IN" sz="1400" b="0" dirty="0" err="1">
+                <a:solidFill>
+                  <a:srgbClr val="DCDCAA"/>
+                </a:solidFill>
+                <a:effectLst/>
+                <a:latin typeface="Consolas" panose="020B0609020204030204" pitchFamily="49" charset="0"/>
+              </a:rPr>
+              <a:t>xlabel</a:t>
+            </a:r>
+            <a:r>
+              <a:rPr lang="en-IN" sz="1400" b="0" dirty="0">
+                <a:solidFill>
+                  <a:srgbClr val="CCCCCC"/>
+                </a:solidFill>
+                <a:effectLst/>
+                <a:latin typeface="Consolas" panose="020B0609020204030204" pitchFamily="49" charset="0"/>
+              </a:rPr>
+              <a:t>(</a:t>
+            </a:r>
+            <a:r>
+              <a:rPr lang="en-IN" sz="1400" b="0" dirty="0">
+                <a:solidFill>
+                  <a:srgbClr val="CE9178"/>
+                </a:solidFill>
+                <a:effectLst/>
+                <a:latin typeface="Consolas" panose="020B0609020204030204" pitchFamily="49" charset="0"/>
+              </a:rPr>
+              <a:t>"Account Length (days)"</a:t>
+            </a:r>
+            <a:r>
+              <a:rPr lang="en-IN" sz="1400" b="0" dirty="0">
+                <a:solidFill>
+                  <a:srgbClr val="CCCCCC"/>
+                </a:solidFill>
+                <a:effectLst/>
+                <a:latin typeface="Consolas" panose="020B0609020204030204" pitchFamily="49" charset="0"/>
+              </a:rPr>
+              <a:t>)</a:t>
+            </a:r>
+          </a:p>
+          <a:p>
+            <a:pPr>
+              <a:lnSpc>
+                <a:spcPts val="1425"/>
+              </a:lnSpc>
+              <a:buNone/>
+            </a:pPr>
+            <a:r>
+              <a:rPr lang="en-IN" sz="1400" b="0" dirty="0" err="1">
+                <a:solidFill>
+                  <a:srgbClr val="4EC9B0"/>
+                </a:solidFill>
+                <a:effectLst/>
+                <a:latin typeface="Consolas" panose="020B0609020204030204" pitchFamily="49" charset="0"/>
+              </a:rPr>
+              <a:t>plt</a:t>
+            </a:r>
+            <a:r>
+              <a:rPr lang="en-IN" sz="1400" b="0" dirty="0" err="1">
+                <a:solidFill>
+                  <a:srgbClr val="CCCCCC"/>
+                </a:solidFill>
+                <a:effectLst/>
+                <a:latin typeface="Consolas" panose="020B0609020204030204" pitchFamily="49" charset="0"/>
+              </a:rPr>
+              <a:t>.</a:t>
+            </a:r>
+            <a:r>
+              <a:rPr lang="en-IN" sz="1400" b="0" dirty="0" err="1">
+                <a:solidFill>
+                  <a:srgbClr val="DCDCAA"/>
+                </a:solidFill>
+                <a:effectLst/>
+                <a:latin typeface="Consolas" panose="020B0609020204030204" pitchFamily="49" charset="0"/>
+              </a:rPr>
+              <a:t>ylabel</a:t>
+            </a:r>
+            <a:r>
+              <a:rPr lang="en-IN" sz="1400" b="0" dirty="0">
+                <a:solidFill>
+                  <a:srgbClr val="CCCCCC"/>
+                </a:solidFill>
+                <a:effectLst/>
+                <a:latin typeface="Consolas" panose="020B0609020204030204" pitchFamily="49" charset="0"/>
+              </a:rPr>
+              <a:t>(</a:t>
+            </a:r>
+            <a:r>
+              <a:rPr lang="en-IN" sz="1400" b="0" dirty="0">
+                <a:solidFill>
+                  <a:srgbClr val="CE9178"/>
+                </a:solidFill>
+                <a:effectLst/>
+                <a:latin typeface="Consolas" panose="020B0609020204030204" pitchFamily="49" charset="0"/>
+              </a:rPr>
+              <a:t>"Number of Customers"</a:t>
+            </a:r>
+            <a:r>
+              <a:rPr lang="en-IN" sz="1400" b="0" dirty="0">
+                <a:solidFill>
+                  <a:srgbClr val="CCCCCC"/>
+                </a:solidFill>
+                <a:effectLst/>
+                <a:latin typeface="Consolas" panose="020B0609020204030204" pitchFamily="49" charset="0"/>
+              </a:rPr>
+              <a:t>)</a:t>
+            </a:r>
+          </a:p>
+          <a:p>
+            <a:pPr>
+              <a:lnSpc>
+                <a:spcPts val="1425"/>
+              </a:lnSpc>
+              <a:buNone/>
+            </a:pPr>
+            <a:r>
+              <a:rPr lang="en-IN" sz="1400" b="0" dirty="0" err="1">
+                <a:solidFill>
+                  <a:srgbClr val="4EC9B0"/>
+                </a:solidFill>
+                <a:effectLst/>
+                <a:latin typeface="Consolas" panose="020B0609020204030204" pitchFamily="49" charset="0"/>
+              </a:rPr>
+              <a:t>plt</a:t>
+            </a:r>
+            <a:r>
+              <a:rPr lang="en-IN" sz="1400" b="0" dirty="0" err="1">
+                <a:solidFill>
+                  <a:srgbClr val="CCCCCC"/>
+                </a:solidFill>
+                <a:effectLst/>
+                <a:latin typeface="Consolas" panose="020B0609020204030204" pitchFamily="49" charset="0"/>
+              </a:rPr>
+              <a:t>.</a:t>
+            </a:r>
+            <a:r>
+              <a:rPr lang="en-IN" sz="1400" b="0" dirty="0" err="1">
+                <a:solidFill>
+                  <a:srgbClr val="DCDCAA"/>
+                </a:solidFill>
+                <a:effectLst/>
+                <a:latin typeface="Consolas" panose="020B0609020204030204" pitchFamily="49" charset="0"/>
+              </a:rPr>
+              <a:t>tight_layout</a:t>
+            </a:r>
+            <a:r>
+              <a:rPr lang="en-IN" sz="1400" b="0" dirty="0">
+                <a:solidFill>
+                  <a:srgbClr val="CCCCCC"/>
+                </a:solidFill>
+                <a:effectLst/>
+                <a:latin typeface="Consolas" panose="020B0609020204030204" pitchFamily="49" charset="0"/>
+              </a:rPr>
+              <a:t>()</a:t>
+            </a:r>
+          </a:p>
+          <a:p>
+            <a:pPr>
+              <a:lnSpc>
+                <a:spcPts val="1425"/>
+              </a:lnSpc>
+            </a:pPr>
+            <a:r>
+              <a:rPr lang="en-IN" sz="1400" b="0" dirty="0" err="1">
+                <a:solidFill>
+                  <a:srgbClr val="4EC9B0"/>
+                </a:solidFill>
+                <a:effectLst/>
+                <a:latin typeface="Consolas" panose="020B0609020204030204" pitchFamily="49" charset="0"/>
+              </a:rPr>
+              <a:t>plt</a:t>
+            </a:r>
+            <a:r>
+              <a:rPr lang="en-IN" sz="1400" b="0" dirty="0" err="1">
+                <a:solidFill>
+                  <a:srgbClr val="CCCCCC"/>
+                </a:solidFill>
+                <a:effectLst/>
+                <a:latin typeface="Consolas" panose="020B0609020204030204" pitchFamily="49" charset="0"/>
+              </a:rPr>
+              <a:t>.</a:t>
+            </a:r>
+            <a:r>
+              <a:rPr lang="en-IN" sz="1400" b="0" dirty="0" err="1">
+                <a:solidFill>
+                  <a:srgbClr val="DCDCAA"/>
+                </a:solidFill>
+                <a:effectLst/>
+                <a:latin typeface="Consolas" panose="020B0609020204030204" pitchFamily="49" charset="0"/>
+              </a:rPr>
+              <a:t>show</a:t>
+            </a:r>
+            <a:r>
+              <a:rPr lang="en-IN" sz="1400" b="0" dirty="0">
+                <a:solidFill>
+                  <a:srgbClr val="CCCCCC"/>
+                </a:solidFill>
+                <a:effectLst/>
+                <a:latin typeface="Consolas" panose="020B0609020204030204" pitchFamily="49" charset="0"/>
+              </a:rPr>
+              <a:t>()</a:t>
+            </a:r>
+          </a:p>
+          <a:p>
+            <a:endParaRPr lang="en-US" sz="1400" b="0" dirty="0"/>
           </a:p>
         </p:txBody>
       </p:sp>
+      <p:pic>
+        <p:nvPicPr>
+          <p:cNvPr id="6" name="Picture 5">
+            <a:extLst>
+              <a:ext uri="{FF2B5EF4-FFF2-40B4-BE49-F238E27FC236}">
+                <a16:creationId xmlns:a16="http://schemas.microsoft.com/office/drawing/2014/main" id="{1C37E0B7-9ADD-468D-C1D4-A274B23B1A43}"/>
+              </a:ext>
+            </a:extLst>
+          </p:cNvPr>
+          <p:cNvPicPr>
+            <a:picLocks noChangeAspect="1"/>
+          </p:cNvPicPr>
+          <p:nvPr/>
+        </p:nvPicPr>
+        <p:blipFill>
+          <a:blip r:embed="rId2"/>
+          <a:stretch>
+            <a:fillRect/>
+          </a:stretch>
+        </p:blipFill>
+        <p:spPr>
+          <a:xfrm>
+            <a:off x="208217" y="1345936"/>
+            <a:ext cx="5342715" cy="4696480"/>
+          </a:xfrm>
+          <a:prstGeom prst="rect">
+            <a:avLst/>
+          </a:prstGeom>
+        </p:spPr>
+      </p:pic>
     </p:spTree>
     <p:extLst>
       <p:ext uri="{BB962C8B-B14F-4D97-AF65-F5344CB8AC3E}">
@@ -13488,36 +17909,6 @@
           <a:chExt cx="0" cy="0"/>
         </a:xfrm>
       </p:grpSpPr>
-      <p:pic>
-        <p:nvPicPr>
-          <p:cNvPr id="3" name="Picture 2">
-            <a:extLst>
-              <a:ext uri="{FF2B5EF4-FFF2-40B4-BE49-F238E27FC236}">
-                <a16:creationId xmlns:a16="http://schemas.microsoft.com/office/drawing/2014/main" id="{C089A48E-243D-BEC6-2AAC-8569A0E21F12}"/>
-              </a:ext>
-            </a:extLst>
-          </p:cNvPr>
-          <p:cNvPicPr>
-            <a:picLocks noChangeAspect="1"/>
-          </p:cNvPicPr>
-          <p:nvPr/>
-        </p:nvPicPr>
-        <p:blipFill>
-          <a:blip r:embed="rId2"/>
-          <a:stretch>
-            <a:fillRect/>
-          </a:stretch>
-        </p:blipFill>
-        <p:spPr>
-          <a:xfrm>
-            <a:off x="105720" y="1346112"/>
-            <a:ext cx="5752803" cy="4496217"/>
-          </a:xfrm>
-          <a:prstGeom prst="rect">
-            <a:avLst/>
-          </a:prstGeom>
-        </p:spPr>
-      </p:pic>
       <p:sp>
         <p:nvSpPr>
           <p:cNvPr id="5" name="Google Shape;170;p5">
@@ -13706,7 +18097,7 @@
         <p:spPr>
           <a:xfrm>
             <a:off x="5858522" y="799459"/>
-            <a:ext cx="6333477" cy="5632311"/>
+            <a:ext cx="6333477" cy="6571030"/>
           </a:xfrm>
           <a:prstGeom prst="rect">
             <a:avLst/>
@@ -13720,12 +18111,12 @@
           <a:lstStyle/>
           <a:p>
             <a:r>
-              <a:rPr lang="en-US" sz="1800" b="1" dirty="0"/>
+              <a:rPr lang="en-US" sz="1400" b="1" dirty="0"/>
               <a:t>Results:</a:t>
             </a:r>
           </a:p>
           <a:p>
-            <a:endParaRPr lang="en-US" sz="1800" b="1" dirty="0"/>
+            <a:endParaRPr lang="en-US" sz="1400" b="1" dirty="0"/>
           </a:p>
           <a:p>
             <a:pPr marL="342900" indent="-342900" algn="l">
@@ -13733,11 +18124,11 @@
               <a:buAutoNum type="arabicPeriod"/>
             </a:pPr>
             <a:r>
-              <a:rPr lang="en-US" sz="1800" b="1" dirty="0"/>
+              <a:rPr lang="en-US" sz="1400" b="1" dirty="0"/>
               <a:t>Normal Distribution: </a:t>
             </a:r>
             <a:r>
-              <a:rPr lang="en-US" sz="1800" dirty="0"/>
+              <a:rPr lang="en-US" sz="1400" dirty="0"/>
               <a:t>The total minutes used by customers (day, evening, night, and international) follow a normal distribution, with most customers using around 600 minutes.</a:t>
             </a:r>
           </a:p>
@@ -13747,11 +18138,11 @@
               <a:buAutoNum type="arabicPeriod"/>
             </a:pPr>
             <a:r>
-              <a:rPr lang="en-US" sz="1800" b="1" dirty="0"/>
+              <a:rPr lang="en-US" sz="1400" b="1" dirty="0"/>
               <a:t>Peak Usage: </a:t>
             </a:r>
             <a:r>
-              <a:rPr lang="en-US" sz="1800" dirty="0"/>
+              <a:rPr lang="en-US" sz="1400" dirty="0"/>
               <a:t>The highest frequency of usage is between 500 and 700 minutes, indicating this is a common range among customers.</a:t>
             </a:r>
           </a:p>
@@ -13761,11 +18152,11 @@
               <a:buAutoNum type="arabicPeriod"/>
             </a:pPr>
             <a:r>
-              <a:rPr lang="en-US" sz="1800" b="1" dirty="0"/>
+              <a:rPr lang="en-US" sz="1400" b="1" dirty="0"/>
               <a:t>Few Extreme Users: </a:t>
             </a:r>
             <a:r>
-              <a:rPr lang="en-US" sz="1800" dirty="0"/>
+              <a:rPr lang="en-US" sz="1400" dirty="0"/>
               <a:t>There are fewer customers using significantly more or fewer than 300 to 900 minutes.</a:t>
             </a:r>
           </a:p>
@@ -13774,16 +18165,16 @@
               <a:buFont typeface="+mj-lt"/>
               <a:buAutoNum type="arabicPeriod"/>
             </a:pPr>
-            <a:endParaRPr lang="en-US" sz="1800" dirty="0"/>
-          </a:p>
-          <a:p>
-            <a:r>
-              <a:rPr lang="en-US" sz="1800" b="1" dirty="0"/>
+            <a:endParaRPr lang="en-US" sz="1400" dirty="0"/>
+          </a:p>
+          <a:p>
+            <a:r>
+              <a:rPr lang="en-US" sz="1400" b="1" dirty="0"/>
               <a:t>Suggestions:</a:t>
             </a:r>
           </a:p>
           <a:p>
-            <a:endParaRPr lang="en-US" sz="1800" b="1" dirty="0"/>
+            <a:endParaRPr lang="en-US" sz="1400" b="1" dirty="0"/>
           </a:p>
           <a:p>
             <a:pPr marL="342900" indent="-342900" algn="l">
@@ -13791,7 +18182,7 @@
               <a:buAutoNum type="arabicPeriod"/>
             </a:pPr>
             <a:r>
-              <a:rPr lang="en-US" sz="1800" dirty="0"/>
+              <a:rPr lang="en-US" sz="1400" dirty="0"/>
               <a:t>Consider creating usage plans or promotions targeting the most common range of 500 to 700 minutes to encourage more usage.</a:t>
             </a:r>
           </a:p>
@@ -13801,12 +18192,1169 @@
               <a:buAutoNum type="arabicPeriod"/>
             </a:pPr>
             <a:r>
-              <a:rPr lang="en-US" sz="1800" dirty="0"/>
+              <a:rPr lang="en-US" sz="1400" dirty="0"/>
               <a:t>Analyze high-usage customers to identify what might contribute to their increased activity, which can inform strategies for less active users.</a:t>
             </a:r>
+          </a:p>
+          <a:p>
+            <a:pPr marL="342900" indent="-342900" algn="l">
+              <a:buFont typeface="+mj-lt"/>
+              <a:buAutoNum type="arabicPeriod"/>
+            </a:pPr>
+            <a:endParaRPr lang="en-US" sz="1400" dirty="0"/>
+          </a:p>
+          <a:p>
+            <a:pPr algn="l"/>
+            <a:r>
+              <a:rPr lang="en-US" sz="1400" dirty="0"/>
+              <a:t>Syntax:</a:t>
+            </a:r>
+          </a:p>
+          <a:p>
+            <a:r>
+              <a:rPr lang="en-US" sz="1200" b="0" dirty="0" err="1">
+                <a:solidFill>
+                  <a:srgbClr val="9CDCFE"/>
+                </a:solidFill>
+                <a:effectLst/>
+                <a:latin typeface="Consolas" panose="020B0609020204030204" pitchFamily="49" charset="0"/>
+              </a:rPr>
+              <a:t>df</a:t>
+            </a:r>
+            <a:r>
+              <a:rPr lang="en-US" sz="1200" b="0" dirty="0">
+                <a:solidFill>
+                  <a:srgbClr val="CCCCCC"/>
+                </a:solidFill>
+                <a:effectLst/>
+                <a:latin typeface="Consolas" panose="020B0609020204030204" pitchFamily="49" charset="0"/>
+              </a:rPr>
+              <a:t>[</a:t>
+            </a:r>
+            <a:r>
+              <a:rPr lang="en-US" sz="1200" b="0" dirty="0">
+                <a:solidFill>
+                  <a:srgbClr val="CE9178"/>
+                </a:solidFill>
+                <a:effectLst/>
+                <a:latin typeface="Consolas" panose="020B0609020204030204" pitchFamily="49" charset="0"/>
+              </a:rPr>
+              <a:t>"Total Minutes"</a:t>
+            </a:r>
+            <a:r>
+              <a:rPr lang="en-US" sz="1200" b="0" dirty="0">
+                <a:solidFill>
+                  <a:srgbClr val="CCCCCC"/>
+                </a:solidFill>
+                <a:effectLst/>
+                <a:latin typeface="Consolas" panose="020B0609020204030204" pitchFamily="49" charset="0"/>
+              </a:rPr>
+              <a:t>] </a:t>
+            </a:r>
+            <a:r>
+              <a:rPr lang="en-US" sz="1200" b="0" dirty="0">
+                <a:solidFill>
+                  <a:srgbClr val="D4D4D4"/>
+                </a:solidFill>
+                <a:effectLst/>
+                <a:latin typeface="Consolas" panose="020B0609020204030204" pitchFamily="49" charset="0"/>
+              </a:rPr>
+              <a:t>=</a:t>
+            </a:r>
+            <a:r>
+              <a:rPr lang="en-US" sz="1200" b="0" dirty="0">
+                <a:solidFill>
+                  <a:srgbClr val="CCCCCC"/>
+                </a:solidFill>
+                <a:effectLst/>
+                <a:latin typeface="Consolas" panose="020B0609020204030204" pitchFamily="49" charset="0"/>
+              </a:rPr>
+              <a:t> </a:t>
+            </a:r>
+            <a:r>
+              <a:rPr lang="en-US" sz="1200" b="0" dirty="0" err="1">
+                <a:solidFill>
+                  <a:srgbClr val="9CDCFE"/>
+                </a:solidFill>
+                <a:effectLst/>
+                <a:latin typeface="Consolas" panose="020B0609020204030204" pitchFamily="49" charset="0"/>
+              </a:rPr>
+              <a:t>df</a:t>
+            </a:r>
+            <a:r>
+              <a:rPr lang="en-US" sz="1200" b="0" dirty="0">
+                <a:solidFill>
+                  <a:srgbClr val="CCCCCC"/>
+                </a:solidFill>
+                <a:effectLst/>
+                <a:latin typeface="Consolas" panose="020B0609020204030204" pitchFamily="49" charset="0"/>
+              </a:rPr>
+              <a:t>[</a:t>
+            </a:r>
+            <a:r>
+              <a:rPr lang="en-US" sz="1200" b="0" dirty="0">
+                <a:solidFill>
+                  <a:srgbClr val="CE9178"/>
+                </a:solidFill>
+                <a:effectLst/>
+                <a:latin typeface="Consolas" panose="020B0609020204030204" pitchFamily="49" charset="0"/>
+              </a:rPr>
+              <a:t>"Total day minutes"</a:t>
+            </a:r>
+            <a:r>
+              <a:rPr lang="en-US" sz="1200" b="0" dirty="0">
+                <a:solidFill>
+                  <a:srgbClr val="CCCCCC"/>
+                </a:solidFill>
+                <a:effectLst/>
+                <a:latin typeface="Consolas" panose="020B0609020204030204" pitchFamily="49" charset="0"/>
+              </a:rPr>
+              <a:t>] </a:t>
+            </a:r>
+            <a:r>
+              <a:rPr lang="en-US" sz="1200" b="0" dirty="0">
+                <a:solidFill>
+                  <a:srgbClr val="DCDCAA"/>
+                </a:solidFill>
+                <a:effectLst/>
+                <a:latin typeface="Consolas" panose="020B0609020204030204" pitchFamily="49" charset="0"/>
+              </a:rPr>
+              <a:t>+</a:t>
+            </a:r>
+            <a:r>
+              <a:rPr lang="en-US" sz="1200" b="0" dirty="0">
+                <a:solidFill>
+                  <a:srgbClr val="CCCCCC"/>
+                </a:solidFill>
+                <a:effectLst/>
+                <a:latin typeface="Consolas" panose="020B0609020204030204" pitchFamily="49" charset="0"/>
+              </a:rPr>
+              <a:t> </a:t>
+            </a:r>
+            <a:r>
+              <a:rPr lang="en-US" sz="1200" b="0" dirty="0" err="1">
+                <a:solidFill>
+                  <a:srgbClr val="9CDCFE"/>
+                </a:solidFill>
+                <a:effectLst/>
+                <a:latin typeface="Consolas" panose="020B0609020204030204" pitchFamily="49" charset="0"/>
+              </a:rPr>
+              <a:t>df</a:t>
+            </a:r>
+            <a:r>
+              <a:rPr lang="en-US" sz="1200" b="0" dirty="0">
+                <a:solidFill>
+                  <a:srgbClr val="CCCCCC"/>
+                </a:solidFill>
+                <a:effectLst/>
+                <a:latin typeface="Consolas" panose="020B0609020204030204" pitchFamily="49" charset="0"/>
+              </a:rPr>
+              <a:t>[</a:t>
+            </a:r>
+            <a:r>
+              <a:rPr lang="en-US" sz="1200" b="0" dirty="0">
+                <a:solidFill>
+                  <a:srgbClr val="CE9178"/>
+                </a:solidFill>
+                <a:effectLst/>
+                <a:latin typeface="Consolas" panose="020B0609020204030204" pitchFamily="49" charset="0"/>
+              </a:rPr>
+              <a:t>"Total eve minutes"</a:t>
+            </a:r>
+            <a:r>
+              <a:rPr lang="en-US" sz="1200" b="0" dirty="0">
+                <a:solidFill>
+                  <a:srgbClr val="CCCCCC"/>
+                </a:solidFill>
+                <a:effectLst/>
+                <a:latin typeface="Consolas" panose="020B0609020204030204" pitchFamily="49" charset="0"/>
+              </a:rPr>
+              <a:t>] </a:t>
+            </a:r>
+            <a:r>
+              <a:rPr lang="en-US" sz="1200" b="0" dirty="0">
+                <a:solidFill>
+                  <a:srgbClr val="DCDCAA"/>
+                </a:solidFill>
+                <a:effectLst/>
+                <a:latin typeface="Consolas" panose="020B0609020204030204" pitchFamily="49" charset="0"/>
+              </a:rPr>
+              <a:t>+</a:t>
+            </a:r>
+            <a:r>
+              <a:rPr lang="en-US" sz="1200" b="0" dirty="0">
+                <a:solidFill>
+                  <a:srgbClr val="CCCCCC"/>
+                </a:solidFill>
+                <a:effectLst/>
+                <a:latin typeface="Consolas" panose="020B0609020204030204" pitchFamily="49" charset="0"/>
+              </a:rPr>
+              <a:t> </a:t>
+            </a:r>
+            <a:r>
+              <a:rPr lang="en-US" sz="1200" b="0" dirty="0" err="1">
+                <a:solidFill>
+                  <a:srgbClr val="9CDCFE"/>
+                </a:solidFill>
+                <a:effectLst/>
+                <a:latin typeface="Consolas" panose="020B0609020204030204" pitchFamily="49" charset="0"/>
+              </a:rPr>
+              <a:t>df</a:t>
+            </a:r>
+            <a:r>
+              <a:rPr lang="en-US" sz="1200" b="0" dirty="0">
+                <a:solidFill>
+                  <a:srgbClr val="CCCCCC"/>
+                </a:solidFill>
+                <a:effectLst/>
+                <a:latin typeface="Consolas" panose="020B0609020204030204" pitchFamily="49" charset="0"/>
+              </a:rPr>
+              <a:t>[</a:t>
+            </a:r>
+            <a:r>
+              <a:rPr lang="en-US" sz="1200" b="0" dirty="0">
+                <a:solidFill>
+                  <a:srgbClr val="CE9178"/>
+                </a:solidFill>
+                <a:effectLst/>
+                <a:latin typeface="Consolas" panose="020B0609020204030204" pitchFamily="49" charset="0"/>
+              </a:rPr>
+              <a:t>"Total night minutes"</a:t>
+            </a:r>
+            <a:r>
+              <a:rPr lang="en-US" sz="1200" b="0" dirty="0">
+                <a:solidFill>
+                  <a:srgbClr val="CCCCCC"/>
+                </a:solidFill>
+                <a:effectLst/>
+                <a:latin typeface="Consolas" panose="020B0609020204030204" pitchFamily="49" charset="0"/>
+              </a:rPr>
+              <a:t>] </a:t>
+            </a:r>
+            <a:r>
+              <a:rPr lang="en-US" sz="1200" b="0" dirty="0">
+                <a:solidFill>
+                  <a:srgbClr val="DCDCAA"/>
+                </a:solidFill>
+                <a:effectLst/>
+                <a:latin typeface="Consolas" panose="020B0609020204030204" pitchFamily="49" charset="0"/>
+              </a:rPr>
+              <a:t>+</a:t>
+            </a:r>
+            <a:r>
+              <a:rPr lang="en-US" sz="1200" b="0" dirty="0">
+                <a:solidFill>
+                  <a:srgbClr val="CCCCCC"/>
+                </a:solidFill>
+                <a:effectLst/>
+                <a:latin typeface="Consolas" panose="020B0609020204030204" pitchFamily="49" charset="0"/>
+              </a:rPr>
+              <a:t> </a:t>
+            </a:r>
+            <a:r>
+              <a:rPr lang="en-US" sz="1200" b="0" dirty="0" err="1">
+                <a:solidFill>
+                  <a:srgbClr val="9CDCFE"/>
+                </a:solidFill>
+                <a:effectLst/>
+                <a:latin typeface="Consolas" panose="020B0609020204030204" pitchFamily="49" charset="0"/>
+              </a:rPr>
+              <a:t>df</a:t>
+            </a:r>
+            <a:r>
+              <a:rPr lang="en-US" sz="1200" b="0" dirty="0">
+                <a:solidFill>
+                  <a:srgbClr val="CCCCCC"/>
+                </a:solidFill>
+                <a:effectLst/>
+                <a:latin typeface="Consolas" panose="020B0609020204030204" pitchFamily="49" charset="0"/>
+              </a:rPr>
+              <a:t>[</a:t>
+            </a:r>
+            <a:r>
+              <a:rPr lang="en-US" sz="1200" b="0" dirty="0">
+                <a:solidFill>
+                  <a:srgbClr val="CE9178"/>
+                </a:solidFill>
+                <a:effectLst/>
+                <a:latin typeface="Consolas" panose="020B0609020204030204" pitchFamily="49" charset="0"/>
+              </a:rPr>
+              <a:t>"Total </a:t>
+            </a:r>
+            <a:r>
+              <a:rPr lang="en-US" sz="1200" b="0" dirty="0" err="1">
+                <a:solidFill>
+                  <a:srgbClr val="CE9178"/>
+                </a:solidFill>
+                <a:effectLst/>
+                <a:latin typeface="Consolas" panose="020B0609020204030204" pitchFamily="49" charset="0"/>
+              </a:rPr>
+              <a:t>intl</a:t>
+            </a:r>
+            <a:r>
+              <a:rPr lang="en-US" sz="1200" b="0" dirty="0">
+                <a:solidFill>
+                  <a:srgbClr val="CE9178"/>
+                </a:solidFill>
+                <a:effectLst/>
+                <a:latin typeface="Consolas" panose="020B0609020204030204" pitchFamily="49" charset="0"/>
+              </a:rPr>
+              <a:t> minutes"</a:t>
+            </a:r>
+            <a:r>
+              <a:rPr lang="en-US" sz="1200" b="0" dirty="0">
+                <a:solidFill>
+                  <a:srgbClr val="CCCCCC"/>
+                </a:solidFill>
+                <a:effectLst/>
+                <a:latin typeface="Consolas" panose="020B0609020204030204" pitchFamily="49" charset="0"/>
+              </a:rPr>
+              <a:t>]</a:t>
+            </a:r>
+          </a:p>
+          <a:p>
+            <a:pPr>
+              <a:lnSpc>
+                <a:spcPts val="1425"/>
+              </a:lnSpc>
+              <a:buNone/>
+            </a:pPr>
+            <a:endParaRPr lang="en-IN" sz="1200" b="0" dirty="0">
+              <a:solidFill>
+                <a:srgbClr val="6A9955"/>
+              </a:solidFill>
+              <a:effectLst/>
+              <a:latin typeface="Consolas" panose="020B0609020204030204" pitchFamily="49" charset="0"/>
+            </a:endParaRPr>
+          </a:p>
+          <a:p>
+            <a:pPr>
+              <a:lnSpc>
+                <a:spcPts val="1425"/>
+              </a:lnSpc>
+              <a:buNone/>
+            </a:pPr>
+            <a:r>
+              <a:rPr lang="en-IN" sz="1200" b="0" dirty="0">
+                <a:solidFill>
+                  <a:srgbClr val="6A9955"/>
+                </a:solidFill>
+                <a:effectLst/>
+                <a:latin typeface="Consolas" panose="020B0609020204030204" pitchFamily="49" charset="0"/>
+              </a:rPr>
+              <a:t>Total Minutes and Total Charges Distribution</a:t>
+            </a:r>
+            <a:endParaRPr lang="en-IN" sz="1200" b="0" dirty="0">
+              <a:solidFill>
+                <a:srgbClr val="CCCCCC"/>
+              </a:solidFill>
+              <a:effectLst/>
+              <a:latin typeface="Consolas" panose="020B0609020204030204" pitchFamily="49" charset="0"/>
+            </a:endParaRPr>
+          </a:p>
+          <a:p>
+            <a:pPr>
+              <a:lnSpc>
+                <a:spcPts val="1425"/>
+              </a:lnSpc>
+              <a:buNone/>
+            </a:pPr>
+            <a:r>
+              <a:rPr lang="en-IN" sz="1200" b="0" dirty="0">
+                <a:solidFill>
+                  <a:srgbClr val="9CDCFE"/>
+                </a:solidFill>
+                <a:effectLst/>
+                <a:latin typeface="Consolas" panose="020B0609020204030204" pitchFamily="49" charset="0"/>
+              </a:rPr>
+              <a:t>fig</a:t>
+            </a:r>
+            <a:r>
+              <a:rPr lang="en-IN" sz="1200" b="0" dirty="0">
+                <a:solidFill>
+                  <a:srgbClr val="CCCCCC"/>
+                </a:solidFill>
+                <a:effectLst/>
+                <a:latin typeface="Consolas" panose="020B0609020204030204" pitchFamily="49" charset="0"/>
+              </a:rPr>
+              <a:t>, </a:t>
+            </a:r>
+            <a:r>
+              <a:rPr lang="en-IN" sz="1200" b="0" dirty="0">
+                <a:solidFill>
+                  <a:srgbClr val="9CDCFE"/>
+                </a:solidFill>
+                <a:effectLst/>
+                <a:latin typeface="Consolas" panose="020B0609020204030204" pitchFamily="49" charset="0"/>
+              </a:rPr>
+              <a:t>axes</a:t>
+            </a:r>
+            <a:r>
+              <a:rPr lang="en-IN" sz="1200" b="0" dirty="0">
+                <a:solidFill>
+                  <a:srgbClr val="CCCCCC"/>
+                </a:solidFill>
+                <a:effectLst/>
+                <a:latin typeface="Consolas" panose="020B0609020204030204" pitchFamily="49" charset="0"/>
+              </a:rPr>
+              <a:t> </a:t>
+            </a:r>
+            <a:r>
+              <a:rPr lang="en-IN" sz="1200" b="0" dirty="0">
+                <a:solidFill>
+                  <a:srgbClr val="D4D4D4"/>
+                </a:solidFill>
+                <a:effectLst/>
+                <a:latin typeface="Consolas" panose="020B0609020204030204" pitchFamily="49" charset="0"/>
+              </a:rPr>
+              <a:t>=</a:t>
+            </a:r>
+            <a:r>
+              <a:rPr lang="en-IN" sz="1200" b="0" dirty="0">
+                <a:solidFill>
+                  <a:srgbClr val="CCCCCC"/>
+                </a:solidFill>
+                <a:effectLst/>
+                <a:latin typeface="Consolas" panose="020B0609020204030204" pitchFamily="49" charset="0"/>
+              </a:rPr>
+              <a:t> </a:t>
+            </a:r>
+            <a:r>
+              <a:rPr lang="en-IN" sz="1200" b="0" dirty="0" err="1">
+                <a:solidFill>
+                  <a:srgbClr val="4EC9B0"/>
+                </a:solidFill>
+                <a:effectLst/>
+                <a:latin typeface="Consolas" panose="020B0609020204030204" pitchFamily="49" charset="0"/>
+              </a:rPr>
+              <a:t>plt</a:t>
+            </a:r>
+            <a:r>
+              <a:rPr lang="en-IN" sz="1200" b="0" dirty="0" err="1">
+                <a:solidFill>
+                  <a:srgbClr val="CCCCCC"/>
+                </a:solidFill>
+                <a:effectLst/>
+                <a:latin typeface="Consolas" panose="020B0609020204030204" pitchFamily="49" charset="0"/>
+              </a:rPr>
+              <a:t>.</a:t>
+            </a:r>
+            <a:r>
+              <a:rPr lang="en-IN" sz="1200" b="0" dirty="0" err="1">
+                <a:solidFill>
+                  <a:srgbClr val="DCDCAA"/>
+                </a:solidFill>
+                <a:effectLst/>
+                <a:latin typeface="Consolas" panose="020B0609020204030204" pitchFamily="49" charset="0"/>
+              </a:rPr>
+              <a:t>subplots</a:t>
+            </a:r>
+            <a:r>
+              <a:rPr lang="en-IN" sz="1200" b="0" dirty="0">
+                <a:solidFill>
+                  <a:srgbClr val="CCCCCC"/>
+                </a:solidFill>
+                <a:effectLst/>
+                <a:latin typeface="Consolas" panose="020B0609020204030204" pitchFamily="49" charset="0"/>
+              </a:rPr>
+              <a:t>(</a:t>
+            </a:r>
+            <a:r>
+              <a:rPr lang="en-IN" sz="1200" b="0" dirty="0">
+                <a:solidFill>
+                  <a:srgbClr val="B5CEA8"/>
+                </a:solidFill>
+                <a:effectLst/>
+                <a:latin typeface="Consolas" panose="020B0609020204030204" pitchFamily="49" charset="0"/>
+              </a:rPr>
+              <a:t>1</a:t>
+            </a:r>
+            <a:r>
+              <a:rPr lang="en-IN" sz="1200" b="0" dirty="0">
+                <a:solidFill>
+                  <a:srgbClr val="CCCCCC"/>
+                </a:solidFill>
+                <a:effectLst/>
+                <a:latin typeface="Consolas" panose="020B0609020204030204" pitchFamily="49" charset="0"/>
+              </a:rPr>
+              <a:t>, </a:t>
+            </a:r>
+            <a:r>
+              <a:rPr lang="en-IN" sz="1200" b="0" dirty="0">
+                <a:solidFill>
+                  <a:srgbClr val="B5CEA8"/>
+                </a:solidFill>
+                <a:effectLst/>
+                <a:latin typeface="Consolas" panose="020B0609020204030204" pitchFamily="49" charset="0"/>
+              </a:rPr>
+              <a:t>2</a:t>
+            </a:r>
+            <a:r>
+              <a:rPr lang="en-IN" sz="1200" b="0" dirty="0">
+                <a:solidFill>
+                  <a:srgbClr val="CCCCCC"/>
+                </a:solidFill>
+                <a:effectLst/>
+                <a:latin typeface="Consolas" panose="020B0609020204030204" pitchFamily="49" charset="0"/>
+              </a:rPr>
+              <a:t>, </a:t>
+            </a:r>
+            <a:r>
+              <a:rPr lang="en-IN" sz="1200" b="0" dirty="0" err="1">
+                <a:solidFill>
+                  <a:srgbClr val="9CDCFE"/>
+                </a:solidFill>
+                <a:effectLst/>
+                <a:latin typeface="Consolas" panose="020B0609020204030204" pitchFamily="49" charset="0"/>
+              </a:rPr>
+              <a:t>figsize</a:t>
+            </a:r>
+            <a:r>
+              <a:rPr lang="en-IN" sz="1200" b="0" dirty="0">
+                <a:solidFill>
+                  <a:srgbClr val="D4D4D4"/>
+                </a:solidFill>
+                <a:effectLst/>
+                <a:latin typeface="Consolas" panose="020B0609020204030204" pitchFamily="49" charset="0"/>
+              </a:rPr>
+              <a:t>=</a:t>
+            </a:r>
+            <a:r>
+              <a:rPr lang="en-IN" sz="1200" b="0" dirty="0">
+                <a:solidFill>
+                  <a:srgbClr val="CCCCCC"/>
+                </a:solidFill>
+                <a:effectLst/>
+                <a:latin typeface="Consolas" panose="020B0609020204030204" pitchFamily="49" charset="0"/>
+              </a:rPr>
+              <a:t>(</a:t>
+            </a:r>
+            <a:r>
+              <a:rPr lang="en-IN" sz="1200" b="0" dirty="0">
+                <a:solidFill>
+                  <a:srgbClr val="B5CEA8"/>
+                </a:solidFill>
+                <a:effectLst/>
+                <a:latin typeface="Consolas" panose="020B0609020204030204" pitchFamily="49" charset="0"/>
+              </a:rPr>
+              <a:t>14</a:t>
+            </a:r>
+            <a:r>
+              <a:rPr lang="en-IN" sz="1200" b="0" dirty="0">
+                <a:solidFill>
+                  <a:srgbClr val="CCCCCC"/>
+                </a:solidFill>
+                <a:effectLst/>
+                <a:latin typeface="Consolas" panose="020B0609020204030204" pitchFamily="49" charset="0"/>
+              </a:rPr>
+              <a:t>, </a:t>
+            </a:r>
+            <a:r>
+              <a:rPr lang="en-IN" sz="1200" b="0" dirty="0">
+                <a:solidFill>
+                  <a:srgbClr val="B5CEA8"/>
+                </a:solidFill>
+                <a:effectLst/>
+                <a:latin typeface="Consolas" panose="020B0609020204030204" pitchFamily="49" charset="0"/>
+              </a:rPr>
+              <a:t>5</a:t>
+            </a:r>
+            <a:r>
+              <a:rPr lang="en-IN" sz="1200" b="0" dirty="0">
+                <a:solidFill>
+                  <a:srgbClr val="CCCCCC"/>
+                </a:solidFill>
+                <a:effectLst/>
+                <a:latin typeface="Consolas" panose="020B0609020204030204" pitchFamily="49" charset="0"/>
+              </a:rPr>
+              <a:t>))</a:t>
+            </a:r>
+          </a:p>
+          <a:p>
+            <a:pPr>
+              <a:lnSpc>
+                <a:spcPts val="1425"/>
+              </a:lnSpc>
+              <a:buNone/>
+            </a:pPr>
+            <a:br>
+              <a:rPr lang="en-IN" sz="1200" b="0" dirty="0">
+                <a:solidFill>
+                  <a:srgbClr val="CCCCCC"/>
+                </a:solidFill>
+                <a:effectLst/>
+                <a:latin typeface="Consolas" panose="020B0609020204030204" pitchFamily="49" charset="0"/>
+              </a:rPr>
+            </a:br>
+            <a:r>
+              <a:rPr lang="en-IN" sz="1200" b="0" dirty="0" err="1">
+                <a:solidFill>
+                  <a:srgbClr val="4EC9B0"/>
+                </a:solidFill>
+                <a:effectLst/>
+                <a:latin typeface="Consolas" panose="020B0609020204030204" pitchFamily="49" charset="0"/>
+              </a:rPr>
+              <a:t>sns</a:t>
+            </a:r>
+            <a:r>
+              <a:rPr lang="en-IN" sz="1200" b="0" dirty="0" err="1">
+                <a:solidFill>
+                  <a:srgbClr val="CCCCCC"/>
+                </a:solidFill>
+                <a:effectLst/>
+                <a:latin typeface="Consolas" panose="020B0609020204030204" pitchFamily="49" charset="0"/>
+              </a:rPr>
+              <a:t>.</a:t>
+            </a:r>
+            <a:r>
+              <a:rPr lang="en-IN" sz="1200" b="0" dirty="0" err="1">
+                <a:solidFill>
+                  <a:srgbClr val="DCDCAA"/>
+                </a:solidFill>
+                <a:effectLst/>
+                <a:latin typeface="Consolas" panose="020B0609020204030204" pitchFamily="49" charset="0"/>
+              </a:rPr>
+              <a:t>histplot</a:t>
+            </a:r>
+            <a:r>
+              <a:rPr lang="en-IN" sz="1200" b="0" dirty="0">
+                <a:solidFill>
+                  <a:srgbClr val="CCCCCC"/>
+                </a:solidFill>
+                <a:effectLst/>
+                <a:latin typeface="Consolas" panose="020B0609020204030204" pitchFamily="49" charset="0"/>
+              </a:rPr>
+              <a:t>(</a:t>
+            </a:r>
+            <a:r>
+              <a:rPr lang="en-IN" sz="1200" b="0" dirty="0" err="1">
+                <a:solidFill>
+                  <a:srgbClr val="9CDCFE"/>
+                </a:solidFill>
+                <a:effectLst/>
+                <a:latin typeface="Consolas" panose="020B0609020204030204" pitchFamily="49" charset="0"/>
+              </a:rPr>
+              <a:t>df</a:t>
+            </a:r>
+            <a:r>
+              <a:rPr lang="en-IN" sz="1200" b="0" dirty="0">
+                <a:solidFill>
+                  <a:srgbClr val="CCCCCC"/>
+                </a:solidFill>
+                <a:effectLst/>
+                <a:latin typeface="Consolas" panose="020B0609020204030204" pitchFamily="49" charset="0"/>
+              </a:rPr>
+              <a:t>[</a:t>
+            </a:r>
+            <a:r>
+              <a:rPr lang="en-IN" sz="1200" b="0" dirty="0">
+                <a:solidFill>
+                  <a:srgbClr val="CE9178"/>
+                </a:solidFill>
+                <a:effectLst/>
+                <a:latin typeface="Consolas" panose="020B0609020204030204" pitchFamily="49" charset="0"/>
+              </a:rPr>
+              <a:t>"Total Minutes"</a:t>
+            </a:r>
+            <a:r>
+              <a:rPr lang="en-IN" sz="1200" b="0" dirty="0">
+                <a:solidFill>
+                  <a:srgbClr val="CCCCCC"/>
+                </a:solidFill>
+                <a:effectLst/>
+                <a:latin typeface="Consolas" panose="020B0609020204030204" pitchFamily="49" charset="0"/>
+              </a:rPr>
+              <a:t>], </a:t>
+            </a:r>
+            <a:r>
+              <a:rPr lang="en-IN" sz="1200" b="0" dirty="0">
+                <a:solidFill>
+                  <a:srgbClr val="9CDCFE"/>
+                </a:solidFill>
+                <a:effectLst/>
+                <a:latin typeface="Consolas" panose="020B0609020204030204" pitchFamily="49" charset="0"/>
+              </a:rPr>
+              <a:t>bins</a:t>
+            </a:r>
+            <a:r>
+              <a:rPr lang="en-IN" sz="1200" b="0" dirty="0">
+                <a:solidFill>
+                  <a:srgbClr val="D4D4D4"/>
+                </a:solidFill>
+                <a:effectLst/>
+                <a:latin typeface="Consolas" panose="020B0609020204030204" pitchFamily="49" charset="0"/>
+              </a:rPr>
+              <a:t>=</a:t>
+            </a:r>
+            <a:r>
+              <a:rPr lang="en-IN" sz="1200" b="0" dirty="0">
+                <a:solidFill>
+                  <a:srgbClr val="B5CEA8"/>
+                </a:solidFill>
+                <a:effectLst/>
+                <a:latin typeface="Consolas" panose="020B0609020204030204" pitchFamily="49" charset="0"/>
+              </a:rPr>
+              <a:t>30</a:t>
+            </a:r>
+            <a:r>
+              <a:rPr lang="en-IN" sz="1200" b="0" dirty="0">
+                <a:solidFill>
+                  <a:srgbClr val="CCCCCC"/>
+                </a:solidFill>
+                <a:effectLst/>
+                <a:latin typeface="Consolas" panose="020B0609020204030204" pitchFamily="49" charset="0"/>
+              </a:rPr>
+              <a:t>, </a:t>
+            </a:r>
+            <a:r>
+              <a:rPr lang="en-IN" sz="1200" b="0" dirty="0" err="1">
+                <a:solidFill>
+                  <a:srgbClr val="9CDCFE"/>
+                </a:solidFill>
+                <a:effectLst/>
+                <a:latin typeface="Consolas" panose="020B0609020204030204" pitchFamily="49" charset="0"/>
+              </a:rPr>
+              <a:t>kde</a:t>
+            </a:r>
+            <a:r>
+              <a:rPr lang="en-IN" sz="1200" b="0" dirty="0">
+                <a:solidFill>
+                  <a:srgbClr val="D4D4D4"/>
+                </a:solidFill>
+                <a:effectLst/>
+                <a:latin typeface="Consolas" panose="020B0609020204030204" pitchFamily="49" charset="0"/>
+              </a:rPr>
+              <a:t>=</a:t>
+            </a:r>
+            <a:r>
+              <a:rPr lang="en-IN" sz="1200" b="0" dirty="0">
+                <a:solidFill>
+                  <a:srgbClr val="569CD6"/>
+                </a:solidFill>
+                <a:effectLst/>
+                <a:latin typeface="Consolas" panose="020B0609020204030204" pitchFamily="49" charset="0"/>
+              </a:rPr>
+              <a:t>True</a:t>
+            </a:r>
+            <a:r>
+              <a:rPr lang="en-IN" sz="1200" b="0" dirty="0">
+                <a:solidFill>
+                  <a:srgbClr val="CCCCCC"/>
+                </a:solidFill>
+                <a:effectLst/>
+                <a:latin typeface="Consolas" panose="020B0609020204030204" pitchFamily="49" charset="0"/>
+              </a:rPr>
+              <a:t>, </a:t>
+            </a:r>
+            <a:r>
+              <a:rPr lang="en-IN" sz="1200" b="0" dirty="0" err="1">
+                <a:solidFill>
+                  <a:srgbClr val="9CDCFE"/>
+                </a:solidFill>
+                <a:effectLst/>
+                <a:latin typeface="Consolas" panose="020B0609020204030204" pitchFamily="49" charset="0"/>
+              </a:rPr>
+              <a:t>ax</a:t>
+            </a:r>
+            <a:r>
+              <a:rPr lang="en-IN" sz="1200" b="0" dirty="0">
+                <a:solidFill>
+                  <a:srgbClr val="D4D4D4"/>
+                </a:solidFill>
+                <a:effectLst/>
+                <a:latin typeface="Consolas" panose="020B0609020204030204" pitchFamily="49" charset="0"/>
+              </a:rPr>
+              <a:t>=</a:t>
+            </a:r>
+            <a:r>
+              <a:rPr lang="en-IN" sz="1200" b="0" dirty="0">
+                <a:solidFill>
+                  <a:srgbClr val="9CDCFE"/>
+                </a:solidFill>
+                <a:effectLst/>
+                <a:latin typeface="Consolas" panose="020B0609020204030204" pitchFamily="49" charset="0"/>
+              </a:rPr>
+              <a:t>axes</a:t>
+            </a:r>
+            <a:r>
+              <a:rPr lang="en-IN" sz="1200" b="0" dirty="0">
+                <a:solidFill>
+                  <a:srgbClr val="CCCCCC"/>
+                </a:solidFill>
+                <a:effectLst/>
+                <a:latin typeface="Consolas" panose="020B0609020204030204" pitchFamily="49" charset="0"/>
+              </a:rPr>
+              <a:t>[</a:t>
+            </a:r>
+            <a:r>
+              <a:rPr lang="en-IN" sz="1200" b="0" dirty="0">
+                <a:solidFill>
+                  <a:srgbClr val="B5CEA8"/>
+                </a:solidFill>
+                <a:effectLst/>
+                <a:latin typeface="Consolas" panose="020B0609020204030204" pitchFamily="49" charset="0"/>
+              </a:rPr>
+              <a:t>0</a:t>
+            </a:r>
+            <a:r>
+              <a:rPr lang="en-IN" sz="1200" b="0" dirty="0">
+                <a:solidFill>
+                  <a:srgbClr val="CCCCCC"/>
+                </a:solidFill>
+                <a:effectLst/>
+                <a:latin typeface="Consolas" panose="020B0609020204030204" pitchFamily="49" charset="0"/>
+              </a:rPr>
+              <a:t>], </a:t>
+            </a:r>
+            <a:r>
+              <a:rPr lang="en-IN" sz="1200" b="0" dirty="0" err="1">
+                <a:solidFill>
+                  <a:srgbClr val="9CDCFE"/>
+                </a:solidFill>
+                <a:effectLst/>
+                <a:latin typeface="Consolas" panose="020B0609020204030204" pitchFamily="49" charset="0"/>
+              </a:rPr>
+              <a:t>color</a:t>
+            </a:r>
+            <a:r>
+              <a:rPr lang="en-IN" sz="1200" b="0" dirty="0">
+                <a:solidFill>
+                  <a:srgbClr val="D4D4D4"/>
+                </a:solidFill>
+                <a:effectLst/>
+                <a:latin typeface="Consolas" panose="020B0609020204030204" pitchFamily="49" charset="0"/>
+              </a:rPr>
+              <a:t>=</a:t>
+            </a:r>
+            <a:r>
+              <a:rPr lang="en-IN" sz="1200" b="0" dirty="0">
+                <a:solidFill>
+                  <a:srgbClr val="CE9178"/>
+                </a:solidFill>
+                <a:effectLst/>
+                <a:latin typeface="Consolas" panose="020B0609020204030204" pitchFamily="49" charset="0"/>
+              </a:rPr>
+              <a:t>'violet'</a:t>
+            </a:r>
+            <a:r>
+              <a:rPr lang="en-IN" sz="1200" b="0" dirty="0">
+                <a:solidFill>
+                  <a:srgbClr val="CCCCCC"/>
+                </a:solidFill>
+                <a:effectLst/>
+                <a:latin typeface="Consolas" panose="020B0609020204030204" pitchFamily="49" charset="0"/>
+              </a:rPr>
+              <a:t>)</a:t>
+            </a:r>
+          </a:p>
+          <a:p>
+            <a:pPr>
+              <a:lnSpc>
+                <a:spcPts val="1425"/>
+              </a:lnSpc>
+              <a:buNone/>
+            </a:pPr>
+            <a:r>
+              <a:rPr lang="en-IN" sz="1200" b="0" dirty="0">
+                <a:solidFill>
+                  <a:srgbClr val="9CDCFE"/>
+                </a:solidFill>
+                <a:effectLst/>
+                <a:latin typeface="Consolas" panose="020B0609020204030204" pitchFamily="49" charset="0"/>
+              </a:rPr>
+              <a:t>axes</a:t>
+            </a:r>
+            <a:r>
+              <a:rPr lang="en-IN" sz="1200" b="0" dirty="0">
+                <a:solidFill>
+                  <a:srgbClr val="CCCCCC"/>
+                </a:solidFill>
+                <a:effectLst/>
+                <a:latin typeface="Consolas" panose="020B0609020204030204" pitchFamily="49" charset="0"/>
+              </a:rPr>
+              <a:t>[</a:t>
+            </a:r>
+            <a:r>
+              <a:rPr lang="en-IN" sz="1200" b="0" dirty="0">
+                <a:solidFill>
+                  <a:srgbClr val="B5CEA8"/>
+                </a:solidFill>
+                <a:effectLst/>
+                <a:latin typeface="Consolas" panose="020B0609020204030204" pitchFamily="49" charset="0"/>
+              </a:rPr>
+              <a:t>0</a:t>
+            </a:r>
+            <a:r>
+              <a:rPr lang="en-IN" sz="1200" b="0" dirty="0">
+                <a:solidFill>
+                  <a:srgbClr val="CCCCCC"/>
+                </a:solidFill>
+                <a:effectLst/>
+                <a:latin typeface="Consolas" panose="020B0609020204030204" pitchFamily="49" charset="0"/>
+              </a:rPr>
+              <a:t>].</a:t>
+            </a:r>
+            <a:r>
+              <a:rPr lang="en-IN" sz="1200" b="0" dirty="0" err="1">
+                <a:solidFill>
+                  <a:srgbClr val="CCCCCC"/>
+                </a:solidFill>
+                <a:effectLst/>
+                <a:latin typeface="Consolas" panose="020B0609020204030204" pitchFamily="49" charset="0"/>
+              </a:rPr>
+              <a:t>set_title</a:t>
+            </a:r>
+            <a:r>
+              <a:rPr lang="en-IN" sz="1200" b="0" dirty="0">
+                <a:solidFill>
+                  <a:srgbClr val="CCCCCC"/>
+                </a:solidFill>
+                <a:effectLst/>
+                <a:latin typeface="Consolas" panose="020B0609020204030204" pitchFamily="49" charset="0"/>
+              </a:rPr>
+              <a:t>(</a:t>
+            </a:r>
+            <a:r>
+              <a:rPr lang="en-IN" sz="1200" b="0" dirty="0">
+                <a:solidFill>
+                  <a:srgbClr val="CE9178"/>
+                </a:solidFill>
+                <a:effectLst/>
+                <a:latin typeface="Consolas" panose="020B0609020204030204" pitchFamily="49" charset="0"/>
+              </a:rPr>
+              <a:t>"Total Minutes Distribution"</a:t>
+            </a:r>
+            <a:r>
+              <a:rPr lang="en-IN" sz="1200" b="0" dirty="0">
+                <a:solidFill>
+                  <a:srgbClr val="CCCCCC"/>
+                </a:solidFill>
+                <a:effectLst/>
+                <a:latin typeface="Consolas" panose="020B0609020204030204" pitchFamily="49" charset="0"/>
+              </a:rPr>
+              <a:t>)</a:t>
+            </a:r>
+          </a:p>
+          <a:p>
+            <a:pPr>
+              <a:lnSpc>
+                <a:spcPts val="1425"/>
+              </a:lnSpc>
+              <a:buNone/>
+            </a:pPr>
+            <a:r>
+              <a:rPr lang="en-IN" sz="1200" b="0" dirty="0">
+                <a:solidFill>
+                  <a:srgbClr val="9CDCFE"/>
+                </a:solidFill>
+                <a:effectLst/>
+                <a:latin typeface="Consolas" panose="020B0609020204030204" pitchFamily="49" charset="0"/>
+              </a:rPr>
+              <a:t>axes</a:t>
+            </a:r>
+            <a:r>
+              <a:rPr lang="en-IN" sz="1200" b="0" dirty="0">
+                <a:solidFill>
+                  <a:srgbClr val="CCCCCC"/>
+                </a:solidFill>
+                <a:effectLst/>
+                <a:latin typeface="Consolas" panose="020B0609020204030204" pitchFamily="49" charset="0"/>
+              </a:rPr>
+              <a:t>[</a:t>
+            </a:r>
+            <a:r>
+              <a:rPr lang="en-IN" sz="1200" b="0" dirty="0">
+                <a:solidFill>
+                  <a:srgbClr val="B5CEA8"/>
+                </a:solidFill>
+                <a:effectLst/>
+                <a:latin typeface="Consolas" panose="020B0609020204030204" pitchFamily="49" charset="0"/>
+              </a:rPr>
+              <a:t>0</a:t>
+            </a:r>
+            <a:r>
+              <a:rPr lang="en-IN" sz="1200" b="0" dirty="0">
+                <a:solidFill>
+                  <a:srgbClr val="CCCCCC"/>
+                </a:solidFill>
+                <a:effectLst/>
+                <a:latin typeface="Consolas" panose="020B0609020204030204" pitchFamily="49" charset="0"/>
+              </a:rPr>
+              <a:t>].</a:t>
+            </a:r>
+            <a:r>
+              <a:rPr lang="en-IN" sz="1200" b="0" dirty="0" err="1">
+                <a:solidFill>
+                  <a:srgbClr val="CCCCCC"/>
+                </a:solidFill>
+                <a:effectLst/>
+                <a:latin typeface="Consolas" panose="020B0609020204030204" pitchFamily="49" charset="0"/>
+              </a:rPr>
+              <a:t>set_xlabel</a:t>
+            </a:r>
+            <a:r>
+              <a:rPr lang="en-IN" sz="1200" b="0" dirty="0">
+                <a:solidFill>
+                  <a:srgbClr val="CCCCCC"/>
+                </a:solidFill>
+                <a:effectLst/>
+                <a:latin typeface="Consolas" panose="020B0609020204030204" pitchFamily="49" charset="0"/>
+              </a:rPr>
+              <a:t>(</a:t>
+            </a:r>
+            <a:r>
+              <a:rPr lang="en-IN" sz="1200" b="0" dirty="0">
+                <a:solidFill>
+                  <a:srgbClr val="CE9178"/>
+                </a:solidFill>
+                <a:effectLst/>
+                <a:latin typeface="Consolas" panose="020B0609020204030204" pitchFamily="49" charset="0"/>
+              </a:rPr>
+              <a:t>"Total Minutes"</a:t>
+            </a:r>
+            <a:r>
+              <a:rPr lang="en-IN" sz="1200" b="0" dirty="0">
+                <a:solidFill>
+                  <a:srgbClr val="CCCCCC"/>
+                </a:solidFill>
+                <a:effectLst/>
+                <a:latin typeface="Consolas" panose="020B0609020204030204" pitchFamily="49" charset="0"/>
+              </a:rPr>
+              <a:t>)</a:t>
+            </a:r>
+          </a:p>
+          <a:p>
+            <a:pPr>
+              <a:lnSpc>
+                <a:spcPts val="1425"/>
+              </a:lnSpc>
+            </a:pPr>
+            <a:r>
+              <a:rPr lang="en-IN" sz="1200" b="0" dirty="0">
+                <a:solidFill>
+                  <a:srgbClr val="9CDCFE"/>
+                </a:solidFill>
+                <a:effectLst/>
+                <a:latin typeface="Consolas" panose="020B0609020204030204" pitchFamily="49" charset="0"/>
+              </a:rPr>
+              <a:t>axes</a:t>
+            </a:r>
+            <a:r>
+              <a:rPr lang="en-IN" sz="1200" b="0" dirty="0">
+                <a:solidFill>
+                  <a:srgbClr val="CCCCCC"/>
+                </a:solidFill>
+                <a:effectLst/>
+                <a:latin typeface="Consolas" panose="020B0609020204030204" pitchFamily="49" charset="0"/>
+              </a:rPr>
+              <a:t>[</a:t>
+            </a:r>
+            <a:r>
+              <a:rPr lang="en-IN" sz="1200" b="0" dirty="0">
+                <a:solidFill>
+                  <a:srgbClr val="B5CEA8"/>
+                </a:solidFill>
+                <a:effectLst/>
+                <a:latin typeface="Consolas" panose="020B0609020204030204" pitchFamily="49" charset="0"/>
+              </a:rPr>
+              <a:t>0</a:t>
+            </a:r>
+            <a:r>
+              <a:rPr lang="en-IN" sz="1200" b="0" dirty="0">
+                <a:solidFill>
+                  <a:srgbClr val="CCCCCC"/>
+                </a:solidFill>
+                <a:effectLst/>
+                <a:latin typeface="Consolas" panose="020B0609020204030204" pitchFamily="49" charset="0"/>
+              </a:rPr>
+              <a:t>].</a:t>
+            </a:r>
+            <a:r>
+              <a:rPr lang="en-IN" sz="1200" b="0" dirty="0" err="1">
+                <a:solidFill>
+                  <a:srgbClr val="CCCCCC"/>
+                </a:solidFill>
+                <a:effectLst/>
+                <a:latin typeface="Consolas" panose="020B0609020204030204" pitchFamily="49" charset="0"/>
+              </a:rPr>
+              <a:t>set_ylabel</a:t>
+            </a:r>
+            <a:r>
+              <a:rPr lang="en-IN" sz="1200" b="0" dirty="0">
+                <a:solidFill>
+                  <a:srgbClr val="CCCCCC"/>
+                </a:solidFill>
+                <a:effectLst/>
+                <a:latin typeface="Consolas" panose="020B0609020204030204" pitchFamily="49" charset="0"/>
+              </a:rPr>
+              <a:t>(</a:t>
+            </a:r>
+            <a:r>
+              <a:rPr lang="en-IN" sz="1200" b="0" dirty="0">
+                <a:solidFill>
+                  <a:srgbClr val="CE9178"/>
+                </a:solidFill>
+                <a:effectLst/>
+                <a:latin typeface="Consolas" panose="020B0609020204030204" pitchFamily="49" charset="0"/>
+              </a:rPr>
+              <a:t>"Frequency"</a:t>
+            </a:r>
+            <a:r>
+              <a:rPr lang="en-IN" sz="1200" b="0" dirty="0">
+                <a:solidFill>
+                  <a:srgbClr val="CCCCCC"/>
+                </a:solidFill>
+                <a:effectLst/>
+                <a:latin typeface="Consolas" panose="020B0609020204030204" pitchFamily="49" charset="0"/>
+              </a:rPr>
+              <a:t>)</a:t>
+            </a:r>
+          </a:p>
+          <a:p>
+            <a:endParaRPr lang="en-US" sz="1200" b="0" dirty="0">
+              <a:solidFill>
+                <a:srgbClr val="CCCCCC"/>
+              </a:solidFill>
+              <a:effectLst/>
+              <a:latin typeface="Consolas" panose="020B0609020204030204" pitchFamily="49" charset="0"/>
+            </a:endParaRPr>
+          </a:p>
+          <a:p>
+            <a:pPr algn="l"/>
+            <a:endParaRPr lang="en-US" sz="1400" dirty="0"/>
           </a:p>
         </p:txBody>
       </p:sp>
+      <p:pic>
+        <p:nvPicPr>
+          <p:cNvPr id="4" name="Picture 3">
+            <a:extLst>
+              <a:ext uri="{FF2B5EF4-FFF2-40B4-BE49-F238E27FC236}">
+                <a16:creationId xmlns:a16="http://schemas.microsoft.com/office/drawing/2014/main" id="{28DC5716-5D8E-22CE-DA3C-BC8800EC8B8E}"/>
+              </a:ext>
+            </a:extLst>
+          </p:cNvPr>
+          <p:cNvPicPr>
+            <a:picLocks noChangeAspect="1"/>
+          </p:cNvPicPr>
+          <p:nvPr/>
+        </p:nvPicPr>
+        <p:blipFill>
+          <a:blip r:embed="rId2"/>
+          <a:stretch>
+            <a:fillRect/>
+          </a:stretch>
+        </p:blipFill>
+        <p:spPr>
+          <a:xfrm>
+            <a:off x="106946" y="1161733"/>
+            <a:ext cx="5751576" cy="4379531"/>
+          </a:xfrm>
+          <a:prstGeom prst="rect">
+            <a:avLst/>
+          </a:prstGeom>
+        </p:spPr>
+      </p:pic>
     </p:spTree>
     <p:extLst>
       <p:ext uri="{BB962C8B-B14F-4D97-AF65-F5344CB8AC3E}">
@@ -14016,36 +19564,6 @@
           </a:p>
         </p:txBody>
       </p:sp>
-      <p:pic>
-        <p:nvPicPr>
-          <p:cNvPr id="7" name="Picture 6">
-            <a:extLst>
-              <a:ext uri="{FF2B5EF4-FFF2-40B4-BE49-F238E27FC236}">
-                <a16:creationId xmlns:a16="http://schemas.microsoft.com/office/drawing/2014/main" id="{B6999D38-EDA6-5DFC-6CE1-6F4F7AA878AE}"/>
-              </a:ext>
-            </a:extLst>
-          </p:cNvPr>
-          <p:cNvPicPr>
-            <a:picLocks noChangeAspect="1"/>
-          </p:cNvPicPr>
-          <p:nvPr/>
-        </p:nvPicPr>
-        <p:blipFill>
-          <a:blip r:embed="rId2"/>
-          <a:stretch>
-            <a:fillRect/>
-          </a:stretch>
-        </p:blipFill>
-        <p:spPr>
-          <a:xfrm>
-            <a:off x="0" y="1400858"/>
-            <a:ext cx="5681542" cy="4471496"/>
-          </a:xfrm>
-          <a:prstGeom prst="rect">
-            <a:avLst/>
-          </a:prstGeom>
-        </p:spPr>
-      </p:pic>
       <p:sp>
         <p:nvSpPr>
           <p:cNvPr id="9" name="TextBox 8">
@@ -14061,7 +19579,7 @@
         <p:spPr>
           <a:xfrm>
             <a:off x="5669648" y="622097"/>
-            <a:ext cx="6522352" cy="5632311"/>
+            <a:ext cx="6522352" cy="6340197"/>
           </a:xfrm>
           <a:prstGeom prst="rect">
             <a:avLst/>
@@ -14082,12 +19600,12 @@
           </a:lstStyle>
           <a:p>
             <a:r>
-              <a:rPr lang="en-US" dirty="0"/>
+              <a:rPr lang="en-US" sz="1400" dirty="0"/>
               <a:t>Findings:</a:t>
             </a:r>
           </a:p>
           <a:p>
-            <a:endParaRPr lang="en-US" dirty="0"/>
+            <a:endParaRPr lang="en-US" sz="1400" dirty="0"/>
           </a:p>
           <a:p>
             <a:pPr marL="342900" indent="-342900">
@@ -14095,7 +19613,7 @@
               <a:buAutoNum type="arabicPeriod"/>
             </a:pPr>
             <a:r>
-              <a:rPr lang="en-US" b="0" dirty="0"/>
+              <a:rPr lang="en-US" sz="1400" b="0" dirty="0"/>
               <a:t>Normal Distribution: The total charges (for day, evening, night, and international calls) are normally distributed, with most customers paying around 60.</a:t>
             </a:r>
           </a:p>
@@ -14105,7 +19623,7 @@
               <a:buAutoNum type="arabicPeriod"/>
             </a:pPr>
             <a:r>
-              <a:rPr lang="en-US" b="0" dirty="0"/>
+              <a:rPr lang="en-US" sz="1400" b="0" dirty="0"/>
               <a:t>Peak Charges: The highest frequency of charges is between 50 and 65, indicating this amount is common among customers.</a:t>
             </a:r>
           </a:p>
@@ -14115,21 +19633,21 @@
               <a:buAutoNum type="arabicPeriod"/>
             </a:pPr>
             <a:r>
-              <a:rPr lang="en-US" b="0" dirty="0"/>
+              <a:rPr lang="en-US" sz="1400" b="0" dirty="0"/>
               <a:t>Fewer High Charges: There are fewer customers with charges exceeding 80, showing that very high bills are less common.</a:t>
             </a:r>
           </a:p>
           <a:p>
-            <a:endParaRPr lang="en-US" dirty="0"/>
-          </a:p>
-          <a:p>
-            <a:r>
-              <a:rPr lang="en-US" dirty="0"/>
+            <a:endParaRPr lang="en-US" sz="1400" dirty="0"/>
+          </a:p>
+          <a:p>
+            <a:r>
+              <a:rPr lang="en-US" sz="1400" dirty="0"/>
               <a:t>Suggestions:</a:t>
             </a:r>
           </a:p>
           <a:p>
-            <a:endParaRPr lang="en-US" dirty="0"/>
+            <a:endParaRPr lang="en-US" sz="1400" dirty="0"/>
           </a:p>
           <a:p>
             <a:pPr marL="342900" indent="-342900">
@@ -14137,7 +19655,7 @@
               <a:buAutoNum type="arabicPeriod"/>
             </a:pPr>
             <a:r>
-              <a:rPr lang="en-US" b="0" dirty="0"/>
+              <a:rPr lang="en-US" sz="1400" b="0" dirty="0"/>
               <a:t>Consider offering flexible pricing plans or discounts for customers near the 60 charge mark to improve satisfaction and retention.</a:t>
             </a:r>
           </a:p>
@@ -14147,12 +19665,1012 @@
               <a:buAutoNum type="arabicPeriod"/>
             </a:pPr>
             <a:r>
-              <a:rPr lang="en-US" b="0" dirty="0"/>
+              <a:rPr lang="en-US" sz="1400" b="0" dirty="0"/>
               <a:t>Investigate factors contributing to higher charges for some customers to better tailor service offerings and pricing strategies.</a:t>
             </a:r>
+          </a:p>
+          <a:p>
+            <a:endParaRPr lang="en-US" sz="1400" b="0" dirty="0"/>
+          </a:p>
+          <a:p>
+            <a:r>
+              <a:rPr lang="en-US" sz="1400" b="0" dirty="0"/>
+              <a:t>Syntax:</a:t>
+            </a:r>
+          </a:p>
+          <a:p>
+            <a:pPr>
+              <a:lnSpc>
+                <a:spcPts val="1425"/>
+              </a:lnSpc>
+              <a:buNone/>
+            </a:pPr>
+            <a:r>
+              <a:rPr lang="en-US" sz="1400" b="0" dirty="0" err="1">
+                <a:solidFill>
+                  <a:srgbClr val="9CDCFE"/>
+                </a:solidFill>
+                <a:effectLst/>
+                <a:latin typeface="Consolas" panose="020B0609020204030204" pitchFamily="49" charset="0"/>
+              </a:rPr>
+              <a:t>df</a:t>
+            </a:r>
+            <a:r>
+              <a:rPr lang="en-US" sz="1400" b="0" dirty="0">
+                <a:solidFill>
+                  <a:srgbClr val="CCCCCC"/>
+                </a:solidFill>
+                <a:effectLst/>
+                <a:latin typeface="Consolas" panose="020B0609020204030204" pitchFamily="49" charset="0"/>
+              </a:rPr>
+              <a:t>[</a:t>
+            </a:r>
+            <a:r>
+              <a:rPr lang="en-US" sz="1400" b="0" dirty="0">
+                <a:solidFill>
+                  <a:srgbClr val="CE9178"/>
+                </a:solidFill>
+                <a:effectLst/>
+                <a:latin typeface="Consolas" panose="020B0609020204030204" pitchFamily="49" charset="0"/>
+              </a:rPr>
+              <a:t>"Total Charges"</a:t>
+            </a:r>
+            <a:r>
+              <a:rPr lang="en-US" sz="1400" b="0" dirty="0">
+                <a:solidFill>
+                  <a:srgbClr val="CCCCCC"/>
+                </a:solidFill>
+                <a:effectLst/>
+                <a:latin typeface="Consolas" panose="020B0609020204030204" pitchFamily="49" charset="0"/>
+              </a:rPr>
+              <a:t>] </a:t>
+            </a:r>
+            <a:r>
+              <a:rPr lang="en-US" sz="1400" b="0" dirty="0">
+                <a:solidFill>
+                  <a:srgbClr val="D4D4D4"/>
+                </a:solidFill>
+                <a:effectLst/>
+                <a:latin typeface="Consolas" panose="020B0609020204030204" pitchFamily="49" charset="0"/>
+              </a:rPr>
+              <a:t>=</a:t>
+            </a:r>
+            <a:r>
+              <a:rPr lang="en-US" sz="1400" b="0" dirty="0">
+                <a:solidFill>
+                  <a:srgbClr val="CCCCCC"/>
+                </a:solidFill>
+                <a:effectLst/>
+                <a:latin typeface="Consolas" panose="020B0609020204030204" pitchFamily="49" charset="0"/>
+              </a:rPr>
+              <a:t> </a:t>
+            </a:r>
+            <a:r>
+              <a:rPr lang="en-US" sz="1400" b="0" dirty="0" err="1">
+                <a:solidFill>
+                  <a:srgbClr val="9CDCFE"/>
+                </a:solidFill>
+                <a:effectLst/>
+                <a:latin typeface="Consolas" panose="020B0609020204030204" pitchFamily="49" charset="0"/>
+              </a:rPr>
+              <a:t>df</a:t>
+            </a:r>
+            <a:r>
+              <a:rPr lang="en-US" sz="1400" b="0" dirty="0">
+                <a:solidFill>
+                  <a:srgbClr val="CCCCCC"/>
+                </a:solidFill>
+                <a:effectLst/>
+                <a:latin typeface="Consolas" panose="020B0609020204030204" pitchFamily="49" charset="0"/>
+              </a:rPr>
+              <a:t>[</a:t>
+            </a:r>
+            <a:r>
+              <a:rPr lang="en-US" sz="1400" b="0" dirty="0">
+                <a:solidFill>
+                  <a:srgbClr val="CE9178"/>
+                </a:solidFill>
+                <a:effectLst/>
+                <a:latin typeface="Consolas" panose="020B0609020204030204" pitchFamily="49" charset="0"/>
+              </a:rPr>
+              <a:t>"Total day charge"</a:t>
+            </a:r>
+            <a:r>
+              <a:rPr lang="en-US" sz="1400" b="0" dirty="0">
+                <a:solidFill>
+                  <a:srgbClr val="CCCCCC"/>
+                </a:solidFill>
+                <a:effectLst/>
+                <a:latin typeface="Consolas" panose="020B0609020204030204" pitchFamily="49" charset="0"/>
+              </a:rPr>
+              <a:t>] </a:t>
+            </a:r>
+            <a:r>
+              <a:rPr lang="en-US" sz="1400" b="0" dirty="0">
+                <a:solidFill>
+                  <a:srgbClr val="DCDCAA"/>
+                </a:solidFill>
+                <a:effectLst/>
+                <a:latin typeface="Consolas" panose="020B0609020204030204" pitchFamily="49" charset="0"/>
+              </a:rPr>
+              <a:t>+</a:t>
+            </a:r>
+            <a:r>
+              <a:rPr lang="en-US" sz="1400" b="0" dirty="0">
+                <a:solidFill>
+                  <a:srgbClr val="CCCCCC"/>
+                </a:solidFill>
+                <a:effectLst/>
+                <a:latin typeface="Consolas" panose="020B0609020204030204" pitchFamily="49" charset="0"/>
+              </a:rPr>
+              <a:t> </a:t>
+            </a:r>
+            <a:r>
+              <a:rPr lang="en-US" sz="1400" b="0" dirty="0" err="1">
+                <a:solidFill>
+                  <a:srgbClr val="9CDCFE"/>
+                </a:solidFill>
+                <a:effectLst/>
+                <a:latin typeface="Consolas" panose="020B0609020204030204" pitchFamily="49" charset="0"/>
+              </a:rPr>
+              <a:t>df</a:t>
+            </a:r>
+            <a:r>
+              <a:rPr lang="en-US" sz="1400" b="0" dirty="0">
+                <a:solidFill>
+                  <a:srgbClr val="CCCCCC"/>
+                </a:solidFill>
+                <a:effectLst/>
+                <a:latin typeface="Consolas" panose="020B0609020204030204" pitchFamily="49" charset="0"/>
+              </a:rPr>
+              <a:t>[</a:t>
+            </a:r>
+            <a:r>
+              <a:rPr lang="en-US" sz="1400" b="0" dirty="0">
+                <a:solidFill>
+                  <a:srgbClr val="CE9178"/>
+                </a:solidFill>
+                <a:effectLst/>
+                <a:latin typeface="Consolas" panose="020B0609020204030204" pitchFamily="49" charset="0"/>
+              </a:rPr>
+              <a:t>"Total eve charge"</a:t>
+            </a:r>
+            <a:r>
+              <a:rPr lang="en-US" sz="1400" b="0" dirty="0">
+                <a:solidFill>
+                  <a:srgbClr val="CCCCCC"/>
+                </a:solidFill>
+                <a:effectLst/>
+                <a:latin typeface="Consolas" panose="020B0609020204030204" pitchFamily="49" charset="0"/>
+              </a:rPr>
+              <a:t>] </a:t>
+            </a:r>
+            <a:r>
+              <a:rPr lang="en-US" sz="1400" b="0" dirty="0">
+                <a:solidFill>
+                  <a:srgbClr val="DCDCAA"/>
+                </a:solidFill>
+                <a:effectLst/>
+                <a:latin typeface="Consolas" panose="020B0609020204030204" pitchFamily="49" charset="0"/>
+              </a:rPr>
+              <a:t>+</a:t>
+            </a:r>
+            <a:r>
+              <a:rPr lang="en-US" sz="1400" b="0" dirty="0">
+                <a:solidFill>
+                  <a:srgbClr val="CCCCCC"/>
+                </a:solidFill>
+                <a:effectLst/>
+                <a:latin typeface="Consolas" panose="020B0609020204030204" pitchFamily="49" charset="0"/>
+              </a:rPr>
+              <a:t> </a:t>
+            </a:r>
+            <a:r>
+              <a:rPr lang="en-US" sz="1400" b="0" dirty="0" err="1">
+                <a:solidFill>
+                  <a:srgbClr val="9CDCFE"/>
+                </a:solidFill>
+                <a:effectLst/>
+                <a:latin typeface="Consolas" panose="020B0609020204030204" pitchFamily="49" charset="0"/>
+              </a:rPr>
+              <a:t>df</a:t>
+            </a:r>
+            <a:r>
+              <a:rPr lang="en-US" sz="1400" b="0" dirty="0">
+                <a:solidFill>
+                  <a:srgbClr val="CCCCCC"/>
+                </a:solidFill>
+                <a:effectLst/>
+                <a:latin typeface="Consolas" panose="020B0609020204030204" pitchFamily="49" charset="0"/>
+              </a:rPr>
+              <a:t>[</a:t>
+            </a:r>
+            <a:r>
+              <a:rPr lang="en-US" sz="1400" b="0" dirty="0">
+                <a:solidFill>
+                  <a:srgbClr val="CE9178"/>
+                </a:solidFill>
+                <a:effectLst/>
+                <a:latin typeface="Consolas" panose="020B0609020204030204" pitchFamily="49" charset="0"/>
+              </a:rPr>
+              <a:t>"Total night charge"</a:t>
+            </a:r>
+            <a:r>
+              <a:rPr lang="en-US" sz="1400" b="0" dirty="0">
+                <a:solidFill>
+                  <a:srgbClr val="CCCCCC"/>
+                </a:solidFill>
+                <a:effectLst/>
+                <a:latin typeface="Consolas" panose="020B0609020204030204" pitchFamily="49" charset="0"/>
+              </a:rPr>
+              <a:t>] </a:t>
+            </a:r>
+            <a:r>
+              <a:rPr lang="en-US" sz="1400" b="0" dirty="0">
+                <a:solidFill>
+                  <a:srgbClr val="DCDCAA"/>
+                </a:solidFill>
+                <a:effectLst/>
+                <a:latin typeface="Consolas" panose="020B0609020204030204" pitchFamily="49" charset="0"/>
+              </a:rPr>
+              <a:t>+</a:t>
+            </a:r>
+            <a:r>
+              <a:rPr lang="en-US" sz="1400" b="0" dirty="0">
+                <a:solidFill>
+                  <a:srgbClr val="CCCCCC"/>
+                </a:solidFill>
+                <a:effectLst/>
+                <a:latin typeface="Consolas" panose="020B0609020204030204" pitchFamily="49" charset="0"/>
+              </a:rPr>
+              <a:t> </a:t>
+            </a:r>
+            <a:r>
+              <a:rPr lang="en-US" sz="1400" b="0" dirty="0" err="1">
+                <a:solidFill>
+                  <a:srgbClr val="9CDCFE"/>
+                </a:solidFill>
+                <a:effectLst/>
+                <a:latin typeface="Consolas" panose="020B0609020204030204" pitchFamily="49" charset="0"/>
+              </a:rPr>
+              <a:t>df</a:t>
+            </a:r>
+            <a:r>
+              <a:rPr lang="en-US" sz="1400" b="0" dirty="0">
+                <a:solidFill>
+                  <a:srgbClr val="CCCCCC"/>
+                </a:solidFill>
+                <a:effectLst/>
+                <a:latin typeface="Consolas" panose="020B0609020204030204" pitchFamily="49" charset="0"/>
+              </a:rPr>
+              <a:t>[</a:t>
+            </a:r>
+            <a:r>
+              <a:rPr lang="en-US" sz="1400" b="0" dirty="0">
+                <a:solidFill>
+                  <a:srgbClr val="CE9178"/>
+                </a:solidFill>
+                <a:effectLst/>
+                <a:latin typeface="Consolas" panose="020B0609020204030204" pitchFamily="49" charset="0"/>
+              </a:rPr>
+              <a:t>"Total </a:t>
+            </a:r>
+            <a:r>
+              <a:rPr lang="en-US" sz="1400" b="0" dirty="0" err="1">
+                <a:solidFill>
+                  <a:srgbClr val="CE9178"/>
+                </a:solidFill>
+                <a:effectLst/>
+                <a:latin typeface="Consolas" panose="020B0609020204030204" pitchFamily="49" charset="0"/>
+              </a:rPr>
+              <a:t>intl</a:t>
+            </a:r>
+            <a:r>
+              <a:rPr lang="en-US" sz="1400" b="0" dirty="0">
+                <a:solidFill>
+                  <a:srgbClr val="CE9178"/>
+                </a:solidFill>
+                <a:effectLst/>
+                <a:latin typeface="Consolas" panose="020B0609020204030204" pitchFamily="49" charset="0"/>
+              </a:rPr>
+              <a:t> charge"</a:t>
+            </a:r>
+            <a:r>
+              <a:rPr lang="en-US" sz="1400" b="0" dirty="0">
+                <a:solidFill>
+                  <a:srgbClr val="CCCCCC"/>
+                </a:solidFill>
+                <a:effectLst/>
+                <a:latin typeface="Consolas" panose="020B0609020204030204" pitchFamily="49" charset="0"/>
+              </a:rPr>
+              <a:t>]</a:t>
+            </a:r>
+          </a:p>
+          <a:p>
+            <a:pPr>
+              <a:lnSpc>
+                <a:spcPts val="1425"/>
+              </a:lnSpc>
+            </a:pPr>
+            <a:endParaRPr lang="en-US" sz="1400" b="0" dirty="0">
+              <a:solidFill>
+                <a:srgbClr val="CCCCCC"/>
+              </a:solidFill>
+              <a:effectLst/>
+              <a:latin typeface="Consolas" panose="020B0609020204030204" pitchFamily="49" charset="0"/>
+            </a:endParaRPr>
+          </a:p>
+          <a:p>
+            <a:pPr>
+              <a:lnSpc>
+                <a:spcPts val="1425"/>
+              </a:lnSpc>
+              <a:buNone/>
+            </a:pPr>
+            <a:r>
+              <a:rPr lang="en-IN" sz="1400" b="0" dirty="0" err="1">
+                <a:solidFill>
+                  <a:srgbClr val="4EC9B0"/>
+                </a:solidFill>
+                <a:effectLst/>
+                <a:latin typeface="Consolas" panose="020B0609020204030204" pitchFamily="49" charset="0"/>
+              </a:rPr>
+              <a:t>sns</a:t>
+            </a:r>
+            <a:r>
+              <a:rPr lang="en-IN" sz="1400" b="0" dirty="0" err="1">
+                <a:solidFill>
+                  <a:srgbClr val="CCCCCC"/>
+                </a:solidFill>
+                <a:effectLst/>
+                <a:latin typeface="Consolas" panose="020B0609020204030204" pitchFamily="49" charset="0"/>
+              </a:rPr>
+              <a:t>.</a:t>
+            </a:r>
+            <a:r>
+              <a:rPr lang="en-IN" sz="1400" b="0" dirty="0" err="1">
+                <a:solidFill>
+                  <a:srgbClr val="DCDCAA"/>
+                </a:solidFill>
+                <a:effectLst/>
+                <a:latin typeface="Consolas" panose="020B0609020204030204" pitchFamily="49" charset="0"/>
+              </a:rPr>
+              <a:t>histplot</a:t>
+            </a:r>
+            <a:r>
+              <a:rPr lang="en-IN" sz="1400" b="0" dirty="0">
+                <a:solidFill>
+                  <a:srgbClr val="CCCCCC"/>
+                </a:solidFill>
+                <a:effectLst/>
+                <a:latin typeface="Consolas" panose="020B0609020204030204" pitchFamily="49" charset="0"/>
+              </a:rPr>
+              <a:t>(</a:t>
+            </a:r>
+            <a:r>
+              <a:rPr lang="en-IN" sz="1400" b="0" dirty="0" err="1">
+                <a:solidFill>
+                  <a:srgbClr val="9CDCFE"/>
+                </a:solidFill>
+                <a:effectLst/>
+                <a:latin typeface="Consolas" panose="020B0609020204030204" pitchFamily="49" charset="0"/>
+              </a:rPr>
+              <a:t>df</a:t>
+            </a:r>
+            <a:r>
+              <a:rPr lang="en-IN" sz="1400" b="0" dirty="0">
+                <a:solidFill>
+                  <a:srgbClr val="CCCCCC"/>
+                </a:solidFill>
+                <a:effectLst/>
+                <a:latin typeface="Consolas" panose="020B0609020204030204" pitchFamily="49" charset="0"/>
+              </a:rPr>
+              <a:t>[</a:t>
+            </a:r>
+            <a:r>
+              <a:rPr lang="en-IN" sz="1400" b="0" dirty="0">
+                <a:solidFill>
+                  <a:srgbClr val="CE9178"/>
+                </a:solidFill>
+                <a:effectLst/>
+                <a:latin typeface="Consolas" panose="020B0609020204030204" pitchFamily="49" charset="0"/>
+              </a:rPr>
+              <a:t>"Total Charges"</a:t>
+            </a:r>
+            <a:r>
+              <a:rPr lang="en-IN" sz="1400" b="0" dirty="0">
+                <a:solidFill>
+                  <a:srgbClr val="CCCCCC"/>
+                </a:solidFill>
+                <a:effectLst/>
+                <a:latin typeface="Consolas" panose="020B0609020204030204" pitchFamily="49" charset="0"/>
+              </a:rPr>
+              <a:t>], </a:t>
+            </a:r>
+            <a:r>
+              <a:rPr lang="en-IN" sz="1400" b="0" dirty="0">
+                <a:solidFill>
+                  <a:srgbClr val="9CDCFE"/>
+                </a:solidFill>
+                <a:effectLst/>
+                <a:latin typeface="Consolas" panose="020B0609020204030204" pitchFamily="49" charset="0"/>
+              </a:rPr>
+              <a:t>bins</a:t>
+            </a:r>
+            <a:r>
+              <a:rPr lang="en-IN" sz="1400" b="0" dirty="0">
+                <a:solidFill>
+                  <a:srgbClr val="D4D4D4"/>
+                </a:solidFill>
+                <a:effectLst/>
+                <a:latin typeface="Consolas" panose="020B0609020204030204" pitchFamily="49" charset="0"/>
+              </a:rPr>
+              <a:t>=</a:t>
+            </a:r>
+            <a:r>
+              <a:rPr lang="en-IN" sz="1400" b="0" dirty="0">
+                <a:solidFill>
+                  <a:srgbClr val="B5CEA8"/>
+                </a:solidFill>
+                <a:effectLst/>
+                <a:latin typeface="Consolas" panose="020B0609020204030204" pitchFamily="49" charset="0"/>
+              </a:rPr>
+              <a:t>30</a:t>
+            </a:r>
+            <a:r>
+              <a:rPr lang="en-IN" sz="1400" b="0" dirty="0">
+                <a:solidFill>
+                  <a:srgbClr val="CCCCCC"/>
+                </a:solidFill>
+                <a:effectLst/>
+                <a:latin typeface="Consolas" panose="020B0609020204030204" pitchFamily="49" charset="0"/>
+              </a:rPr>
+              <a:t>, </a:t>
+            </a:r>
+            <a:r>
+              <a:rPr lang="en-IN" sz="1400" b="0" dirty="0" err="1">
+                <a:solidFill>
+                  <a:srgbClr val="9CDCFE"/>
+                </a:solidFill>
+                <a:effectLst/>
+                <a:latin typeface="Consolas" panose="020B0609020204030204" pitchFamily="49" charset="0"/>
+              </a:rPr>
+              <a:t>kde</a:t>
+            </a:r>
+            <a:r>
+              <a:rPr lang="en-IN" sz="1400" b="0" dirty="0">
+                <a:solidFill>
+                  <a:srgbClr val="D4D4D4"/>
+                </a:solidFill>
+                <a:effectLst/>
+                <a:latin typeface="Consolas" panose="020B0609020204030204" pitchFamily="49" charset="0"/>
+              </a:rPr>
+              <a:t>=</a:t>
+            </a:r>
+            <a:r>
+              <a:rPr lang="en-IN" sz="1400" b="0" dirty="0">
+                <a:solidFill>
+                  <a:srgbClr val="569CD6"/>
+                </a:solidFill>
+                <a:effectLst/>
+                <a:latin typeface="Consolas" panose="020B0609020204030204" pitchFamily="49" charset="0"/>
+              </a:rPr>
+              <a:t>True</a:t>
+            </a:r>
+            <a:r>
+              <a:rPr lang="en-IN" sz="1400" b="0" dirty="0">
+                <a:solidFill>
+                  <a:srgbClr val="CCCCCC"/>
+                </a:solidFill>
+                <a:effectLst/>
+                <a:latin typeface="Consolas" panose="020B0609020204030204" pitchFamily="49" charset="0"/>
+              </a:rPr>
+              <a:t>, </a:t>
+            </a:r>
+            <a:r>
+              <a:rPr lang="en-IN" sz="1400" b="0" dirty="0" err="1">
+                <a:solidFill>
+                  <a:srgbClr val="9CDCFE"/>
+                </a:solidFill>
+                <a:effectLst/>
+                <a:latin typeface="Consolas" panose="020B0609020204030204" pitchFamily="49" charset="0"/>
+              </a:rPr>
+              <a:t>ax</a:t>
+            </a:r>
+            <a:r>
+              <a:rPr lang="en-IN" sz="1400" b="0" dirty="0">
+                <a:solidFill>
+                  <a:srgbClr val="D4D4D4"/>
+                </a:solidFill>
+                <a:effectLst/>
+                <a:latin typeface="Consolas" panose="020B0609020204030204" pitchFamily="49" charset="0"/>
+              </a:rPr>
+              <a:t>=</a:t>
+            </a:r>
+            <a:r>
+              <a:rPr lang="en-IN" sz="1400" b="0" dirty="0">
+                <a:solidFill>
+                  <a:srgbClr val="9CDCFE"/>
+                </a:solidFill>
+                <a:effectLst/>
+                <a:latin typeface="Consolas" panose="020B0609020204030204" pitchFamily="49" charset="0"/>
+              </a:rPr>
+              <a:t>axes</a:t>
+            </a:r>
+            <a:r>
+              <a:rPr lang="en-IN" sz="1400" b="0" dirty="0">
+                <a:solidFill>
+                  <a:srgbClr val="CCCCCC"/>
+                </a:solidFill>
+                <a:effectLst/>
+                <a:latin typeface="Consolas" panose="020B0609020204030204" pitchFamily="49" charset="0"/>
+              </a:rPr>
+              <a:t>[</a:t>
+            </a:r>
+            <a:r>
+              <a:rPr lang="en-IN" sz="1400" b="0" dirty="0">
+                <a:solidFill>
+                  <a:srgbClr val="B5CEA8"/>
+                </a:solidFill>
+                <a:effectLst/>
+                <a:latin typeface="Consolas" panose="020B0609020204030204" pitchFamily="49" charset="0"/>
+              </a:rPr>
+              <a:t>1</a:t>
+            </a:r>
+            <a:r>
+              <a:rPr lang="en-IN" sz="1400" b="0" dirty="0">
+                <a:solidFill>
+                  <a:srgbClr val="CCCCCC"/>
+                </a:solidFill>
+                <a:effectLst/>
+                <a:latin typeface="Consolas" panose="020B0609020204030204" pitchFamily="49" charset="0"/>
+              </a:rPr>
+              <a:t>], </a:t>
+            </a:r>
+            <a:r>
+              <a:rPr lang="en-IN" sz="1400" b="0" dirty="0" err="1">
+                <a:solidFill>
+                  <a:srgbClr val="9CDCFE"/>
+                </a:solidFill>
+                <a:effectLst/>
+                <a:latin typeface="Consolas" panose="020B0609020204030204" pitchFamily="49" charset="0"/>
+              </a:rPr>
+              <a:t>color</a:t>
+            </a:r>
+            <a:r>
+              <a:rPr lang="en-IN" sz="1400" b="0" dirty="0">
+                <a:solidFill>
+                  <a:srgbClr val="D4D4D4"/>
+                </a:solidFill>
+                <a:effectLst/>
+                <a:latin typeface="Consolas" panose="020B0609020204030204" pitchFamily="49" charset="0"/>
+              </a:rPr>
+              <a:t>=</a:t>
+            </a:r>
+            <a:r>
+              <a:rPr lang="en-IN" sz="1400" b="0" dirty="0">
+                <a:solidFill>
+                  <a:srgbClr val="CE9178"/>
+                </a:solidFill>
+                <a:effectLst/>
+                <a:latin typeface="Consolas" panose="020B0609020204030204" pitchFamily="49" charset="0"/>
+              </a:rPr>
+              <a:t>'brown'</a:t>
+            </a:r>
+            <a:r>
+              <a:rPr lang="en-IN" sz="1400" b="0" dirty="0">
+                <a:solidFill>
+                  <a:srgbClr val="CCCCCC"/>
+                </a:solidFill>
+                <a:effectLst/>
+                <a:latin typeface="Consolas" panose="020B0609020204030204" pitchFamily="49" charset="0"/>
+              </a:rPr>
+              <a:t>)</a:t>
+            </a:r>
+          </a:p>
+          <a:p>
+            <a:pPr>
+              <a:lnSpc>
+                <a:spcPts val="1425"/>
+              </a:lnSpc>
+              <a:buNone/>
+            </a:pPr>
+            <a:r>
+              <a:rPr lang="en-IN" sz="1400" b="0" dirty="0">
+                <a:solidFill>
+                  <a:srgbClr val="9CDCFE"/>
+                </a:solidFill>
+                <a:effectLst/>
+                <a:latin typeface="Consolas" panose="020B0609020204030204" pitchFamily="49" charset="0"/>
+              </a:rPr>
+              <a:t>axes</a:t>
+            </a:r>
+            <a:r>
+              <a:rPr lang="en-IN" sz="1400" b="0" dirty="0">
+                <a:solidFill>
+                  <a:srgbClr val="CCCCCC"/>
+                </a:solidFill>
+                <a:effectLst/>
+                <a:latin typeface="Consolas" panose="020B0609020204030204" pitchFamily="49" charset="0"/>
+              </a:rPr>
+              <a:t>[</a:t>
+            </a:r>
+            <a:r>
+              <a:rPr lang="en-IN" sz="1400" b="0" dirty="0">
+                <a:solidFill>
+                  <a:srgbClr val="B5CEA8"/>
+                </a:solidFill>
+                <a:effectLst/>
+                <a:latin typeface="Consolas" panose="020B0609020204030204" pitchFamily="49" charset="0"/>
+              </a:rPr>
+              <a:t>1</a:t>
+            </a:r>
+            <a:r>
+              <a:rPr lang="en-IN" sz="1400" b="0" dirty="0">
+                <a:solidFill>
+                  <a:srgbClr val="CCCCCC"/>
+                </a:solidFill>
+                <a:effectLst/>
+                <a:latin typeface="Consolas" panose="020B0609020204030204" pitchFamily="49" charset="0"/>
+              </a:rPr>
+              <a:t>].</a:t>
+            </a:r>
+            <a:r>
+              <a:rPr lang="en-IN" sz="1400" b="0" dirty="0" err="1">
+                <a:solidFill>
+                  <a:srgbClr val="CCCCCC"/>
+                </a:solidFill>
+                <a:effectLst/>
+                <a:latin typeface="Consolas" panose="020B0609020204030204" pitchFamily="49" charset="0"/>
+              </a:rPr>
+              <a:t>set_title</a:t>
+            </a:r>
+            <a:r>
+              <a:rPr lang="en-IN" sz="1400" b="0" dirty="0">
+                <a:solidFill>
+                  <a:srgbClr val="CCCCCC"/>
+                </a:solidFill>
+                <a:effectLst/>
+                <a:latin typeface="Consolas" panose="020B0609020204030204" pitchFamily="49" charset="0"/>
+              </a:rPr>
+              <a:t>(</a:t>
+            </a:r>
+            <a:r>
+              <a:rPr lang="en-IN" sz="1400" b="0" dirty="0">
+                <a:solidFill>
+                  <a:srgbClr val="CE9178"/>
+                </a:solidFill>
+                <a:effectLst/>
+                <a:latin typeface="Consolas" panose="020B0609020204030204" pitchFamily="49" charset="0"/>
+              </a:rPr>
+              <a:t>"Total Charges Distribution"</a:t>
+            </a:r>
+            <a:r>
+              <a:rPr lang="en-IN" sz="1400" b="0" dirty="0">
+                <a:solidFill>
+                  <a:srgbClr val="CCCCCC"/>
+                </a:solidFill>
+                <a:effectLst/>
+                <a:latin typeface="Consolas" panose="020B0609020204030204" pitchFamily="49" charset="0"/>
+              </a:rPr>
+              <a:t>)</a:t>
+            </a:r>
+          </a:p>
+          <a:p>
+            <a:pPr>
+              <a:lnSpc>
+                <a:spcPts val="1425"/>
+              </a:lnSpc>
+              <a:buNone/>
+            </a:pPr>
+            <a:r>
+              <a:rPr lang="en-IN" sz="1400" b="0" dirty="0">
+                <a:solidFill>
+                  <a:srgbClr val="9CDCFE"/>
+                </a:solidFill>
+                <a:effectLst/>
+                <a:latin typeface="Consolas" panose="020B0609020204030204" pitchFamily="49" charset="0"/>
+              </a:rPr>
+              <a:t>axes</a:t>
+            </a:r>
+            <a:r>
+              <a:rPr lang="en-IN" sz="1400" b="0" dirty="0">
+                <a:solidFill>
+                  <a:srgbClr val="CCCCCC"/>
+                </a:solidFill>
+                <a:effectLst/>
+                <a:latin typeface="Consolas" panose="020B0609020204030204" pitchFamily="49" charset="0"/>
+              </a:rPr>
+              <a:t>[</a:t>
+            </a:r>
+            <a:r>
+              <a:rPr lang="en-IN" sz="1400" b="0" dirty="0">
+                <a:solidFill>
+                  <a:srgbClr val="B5CEA8"/>
+                </a:solidFill>
+                <a:effectLst/>
+                <a:latin typeface="Consolas" panose="020B0609020204030204" pitchFamily="49" charset="0"/>
+              </a:rPr>
+              <a:t>1</a:t>
+            </a:r>
+            <a:r>
+              <a:rPr lang="en-IN" sz="1400" b="0" dirty="0">
+                <a:solidFill>
+                  <a:srgbClr val="CCCCCC"/>
+                </a:solidFill>
+                <a:effectLst/>
+                <a:latin typeface="Consolas" panose="020B0609020204030204" pitchFamily="49" charset="0"/>
+              </a:rPr>
+              <a:t>].</a:t>
+            </a:r>
+            <a:r>
+              <a:rPr lang="en-IN" sz="1400" b="0" dirty="0" err="1">
+                <a:solidFill>
+                  <a:srgbClr val="CCCCCC"/>
+                </a:solidFill>
+                <a:effectLst/>
+                <a:latin typeface="Consolas" panose="020B0609020204030204" pitchFamily="49" charset="0"/>
+              </a:rPr>
+              <a:t>set_xlabel</a:t>
+            </a:r>
+            <a:r>
+              <a:rPr lang="en-IN" sz="1400" b="0" dirty="0">
+                <a:solidFill>
+                  <a:srgbClr val="CCCCCC"/>
+                </a:solidFill>
+                <a:effectLst/>
+                <a:latin typeface="Consolas" panose="020B0609020204030204" pitchFamily="49" charset="0"/>
+              </a:rPr>
+              <a:t>(</a:t>
+            </a:r>
+            <a:r>
+              <a:rPr lang="en-IN" sz="1400" b="0" dirty="0">
+                <a:solidFill>
+                  <a:srgbClr val="CE9178"/>
+                </a:solidFill>
+                <a:effectLst/>
+                <a:latin typeface="Consolas" panose="020B0609020204030204" pitchFamily="49" charset="0"/>
+              </a:rPr>
+              <a:t>"Total Charges"</a:t>
+            </a:r>
+            <a:r>
+              <a:rPr lang="en-IN" sz="1400" b="0" dirty="0">
+                <a:solidFill>
+                  <a:srgbClr val="CCCCCC"/>
+                </a:solidFill>
+                <a:effectLst/>
+                <a:latin typeface="Consolas" panose="020B0609020204030204" pitchFamily="49" charset="0"/>
+              </a:rPr>
+              <a:t>)</a:t>
+            </a:r>
+          </a:p>
+          <a:p>
+            <a:pPr>
+              <a:lnSpc>
+                <a:spcPts val="1425"/>
+              </a:lnSpc>
+              <a:buNone/>
+            </a:pPr>
+            <a:r>
+              <a:rPr lang="en-IN" sz="1400" b="0" dirty="0">
+                <a:solidFill>
+                  <a:srgbClr val="9CDCFE"/>
+                </a:solidFill>
+                <a:effectLst/>
+                <a:latin typeface="Consolas" panose="020B0609020204030204" pitchFamily="49" charset="0"/>
+              </a:rPr>
+              <a:t>axes</a:t>
+            </a:r>
+            <a:r>
+              <a:rPr lang="en-IN" sz="1400" b="0" dirty="0">
+                <a:solidFill>
+                  <a:srgbClr val="CCCCCC"/>
+                </a:solidFill>
+                <a:effectLst/>
+                <a:latin typeface="Consolas" panose="020B0609020204030204" pitchFamily="49" charset="0"/>
+              </a:rPr>
+              <a:t>[</a:t>
+            </a:r>
+            <a:r>
+              <a:rPr lang="en-IN" sz="1400" b="0" dirty="0">
+                <a:solidFill>
+                  <a:srgbClr val="B5CEA8"/>
+                </a:solidFill>
+                <a:effectLst/>
+                <a:latin typeface="Consolas" panose="020B0609020204030204" pitchFamily="49" charset="0"/>
+              </a:rPr>
+              <a:t>1</a:t>
+            </a:r>
+            <a:r>
+              <a:rPr lang="en-IN" sz="1400" b="0" dirty="0">
+                <a:solidFill>
+                  <a:srgbClr val="CCCCCC"/>
+                </a:solidFill>
+                <a:effectLst/>
+                <a:latin typeface="Consolas" panose="020B0609020204030204" pitchFamily="49" charset="0"/>
+              </a:rPr>
+              <a:t>].</a:t>
+            </a:r>
+            <a:r>
+              <a:rPr lang="en-IN" sz="1400" b="0" dirty="0" err="1">
+                <a:solidFill>
+                  <a:srgbClr val="CCCCCC"/>
+                </a:solidFill>
+                <a:effectLst/>
+                <a:latin typeface="Consolas" panose="020B0609020204030204" pitchFamily="49" charset="0"/>
+              </a:rPr>
+              <a:t>set_ylabel</a:t>
+            </a:r>
+            <a:r>
+              <a:rPr lang="en-IN" sz="1400" b="0" dirty="0">
+                <a:solidFill>
+                  <a:srgbClr val="CCCCCC"/>
+                </a:solidFill>
+                <a:effectLst/>
+                <a:latin typeface="Consolas" panose="020B0609020204030204" pitchFamily="49" charset="0"/>
+              </a:rPr>
+              <a:t>(</a:t>
+            </a:r>
+            <a:r>
+              <a:rPr lang="en-IN" sz="1400" b="0" dirty="0">
+                <a:solidFill>
+                  <a:srgbClr val="CE9178"/>
+                </a:solidFill>
+                <a:effectLst/>
+                <a:latin typeface="Consolas" panose="020B0609020204030204" pitchFamily="49" charset="0"/>
+              </a:rPr>
+              <a:t>"Frequency"</a:t>
+            </a:r>
+            <a:r>
+              <a:rPr lang="en-IN" sz="1400" b="0" dirty="0">
+                <a:solidFill>
+                  <a:srgbClr val="CCCCCC"/>
+                </a:solidFill>
+                <a:effectLst/>
+                <a:latin typeface="Consolas" panose="020B0609020204030204" pitchFamily="49" charset="0"/>
+              </a:rPr>
+              <a:t>)</a:t>
+            </a:r>
+          </a:p>
+          <a:p>
+            <a:pPr>
+              <a:lnSpc>
+                <a:spcPts val="1425"/>
+              </a:lnSpc>
+              <a:buNone/>
+            </a:pPr>
+            <a:br>
+              <a:rPr lang="en-IN" sz="1400" b="0" dirty="0">
+                <a:solidFill>
+                  <a:srgbClr val="CCCCCC"/>
+                </a:solidFill>
+                <a:effectLst/>
+                <a:latin typeface="Consolas" panose="020B0609020204030204" pitchFamily="49" charset="0"/>
+              </a:rPr>
+            </a:br>
+            <a:r>
+              <a:rPr lang="en-IN" sz="1400" b="0" dirty="0" err="1">
+                <a:solidFill>
+                  <a:srgbClr val="4EC9B0"/>
+                </a:solidFill>
+                <a:effectLst/>
+                <a:latin typeface="Consolas" panose="020B0609020204030204" pitchFamily="49" charset="0"/>
+              </a:rPr>
+              <a:t>plt</a:t>
+            </a:r>
+            <a:r>
+              <a:rPr lang="en-IN" sz="1400" b="0" dirty="0" err="1">
+                <a:solidFill>
+                  <a:srgbClr val="CCCCCC"/>
+                </a:solidFill>
+                <a:effectLst/>
+                <a:latin typeface="Consolas" panose="020B0609020204030204" pitchFamily="49" charset="0"/>
+              </a:rPr>
+              <a:t>.</a:t>
+            </a:r>
+            <a:r>
+              <a:rPr lang="en-IN" sz="1400" b="0" dirty="0" err="1">
+                <a:solidFill>
+                  <a:srgbClr val="DCDCAA"/>
+                </a:solidFill>
+                <a:effectLst/>
+                <a:latin typeface="Consolas" panose="020B0609020204030204" pitchFamily="49" charset="0"/>
+              </a:rPr>
+              <a:t>tight_layout</a:t>
+            </a:r>
+            <a:r>
+              <a:rPr lang="en-IN" sz="1400" b="0" dirty="0">
+                <a:solidFill>
+                  <a:srgbClr val="CCCCCC"/>
+                </a:solidFill>
+                <a:effectLst/>
+                <a:latin typeface="Consolas" panose="020B0609020204030204" pitchFamily="49" charset="0"/>
+              </a:rPr>
+              <a:t>()</a:t>
+            </a:r>
+          </a:p>
+          <a:p>
+            <a:pPr>
+              <a:lnSpc>
+                <a:spcPts val="1425"/>
+              </a:lnSpc>
+            </a:pPr>
+            <a:r>
+              <a:rPr lang="en-IN" sz="1400" b="0" dirty="0" err="1">
+                <a:solidFill>
+                  <a:srgbClr val="4EC9B0"/>
+                </a:solidFill>
+                <a:effectLst/>
+                <a:latin typeface="Consolas" panose="020B0609020204030204" pitchFamily="49" charset="0"/>
+              </a:rPr>
+              <a:t>plt</a:t>
+            </a:r>
+            <a:r>
+              <a:rPr lang="en-IN" sz="1400" b="0" dirty="0" err="1">
+                <a:solidFill>
+                  <a:srgbClr val="CCCCCC"/>
+                </a:solidFill>
+                <a:effectLst/>
+                <a:latin typeface="Consolas" panose="020B0609020204030204" pitchFamily="49" charset="0"/>
+              </a:rPr>
+              <a:t>.</a:t>
+            </a:r>
+            <a:r>
+              <a:rPr lang="en-IN" sz="1400" b="0" dirty="0" err="1">
+                <a:solidFill>
+                  <a:srgbClr val="DCDCAA"/>
+                </a:solidFill>
+                <a:effectLst/>
+                <a:latin typeface="Consolas" panose="020B0609020204030204" pitchFamily="49" charset="0"/>
+              </a:rPr>
+              <a:t>show</a:t>
+            </a:r>
+            <a:r>
+              <a:rPr lang="en-IN" sz="1400" b="0" dirty="0">
+                <a:solidFill>
+                  <a:srgbClr val="CCCCCC"/>
+                </a:solidFill>
+                <a:effectLst/>
+                <a:latin typeface="Consolas" panose="020B0609020204030204" pitchFamily="49" charset="0"/>
+              </a:rPr>
+              <a:t>()</a:t>
+            </a:r>
+          </a:p>
+          <a:p>
+            <a:endParaRPr lang="en-US" sz="1400" b="0" dirty="0"/>
           </a:p>
         </p:txBody>
       </p:sp>
+      <p:pic>
+        <p:nvPicPr>
+          <p:cNvPr id="5" name="Picture 4">
+            <a:extLst>
+              <a:ext uri="{FF2B5EF4-FFF2-40B4-BE49-F238E27FC236}">
+                <a16:creationId xmlns:a16="http://schemas.microsoft.com/office/drawing/2014/main" id="{2844F879-C018-72D9-13AC-89AACB1FD62C}"/>
+              </a:ext>
+            </a:extLst>
+          </p:cNvPr>
+          <p:cNvPicPr>
+            <a:picLocks noChangeAspect="1"/>
+          </p:cNvPicPr>
+          <p:nvPr/>
+        </p:nvPicPr>
+        <p:blipFill>
+          <a:blip r:embed="rId2"/>
+          <a:stretch>
+            <a:fillRect/>
+          </a:stretch>
+        </p:blipFill>
+        <p:spPr>
+          <a:xfrm>
+            <a:off x="155816" y="1467427"/>
+            <a:ext cx="5513832" cy="4544059"/>
+          </a:xfrm>
+          <a:prstGeom prst="rect">
+            <a:avLst/>
+          </a:prstGeom>
+        </p:spPr>
+      </p:pic>
     </p:spTree>
     <p:extLst>
       <p:ext uri="{BB962C8B-B14F-4D97-AF65-F5344CB8AC3E}">
